--- a/slides/Translating the evidence_presentation.pptx
+++ b/slides/Translating the evidence_presentation.pptx
@@ -4,16 +4,25 @@
   <p:sldMasterIdLst>
     <p:sldMasterId id="2147483648" r:id="rId1"/>
   </p:sldMasterIdLst>
+  <p:notesMasterIdLst>
+    <p:notesMasterId r:id="rId17"/>
+  </p:notesMasterIdLst>
   <p:sldIdLst>
     <p:sldId id="256" r:id="rId2"/>
-    <p:sldId id="257" r:id="rId3"/>
-    <p:sldId id="265" r:id="rId4"/>
-    <p:sldId id="263" r:id="rId5"/>
-    <p:sldId id="258" r:id="rId6"/>
-    <p:sldId id="259" r:id="rId7"/>
-    <p:sldId id="262" r:id="rId8"/>
-    <p:sldId id="264" r:id="rId9"/>
-    <p:sldId id="261" r:id="rId10"/>
+    <p:sldId id="265" r:id="rId3"/>
+    <p:sldId id="266" r:id="rId4"/>
+    <p:sldId id="267" r:id="rId5"/>
+    <p:sldId id="257" r:id="rId6"/>
+    <p:sldId id="263" r:id="rId7"/>
+    <p:sldId id="272" r:id="rId8"/>
+    <p:sldId id="259" r:id="rId9"/>
+    <p:sldId id="262" r:id="rId10"/>
+    <p:sldId id="264" r:id="rId11"/>
+    <p:sldId id="258" r:id="rId12"/>
+    <p:sldId id="271" r:id="rId13"/>
+    <p:sldId id="261" r:id="rId14"/>
+    <p:sldId id="268" r:id="rId15"/>
+    <p:sldId id="269" r:id="rId16"/>
   </p:sldIdLst>
   <p:sldSz cx="12192000" cy="6858000"/>
   <p:notesSz cx="6858000" cy="9144000"/>
@@ -120,6 +129,4557 @@
 </p:presentation>
 </file>
 
+<file path=ppt/diagrams/colors1.xml><?xml version="1.0" encoding="utf-8"?>
+<dgm:colorsDef xmlns:dgm="http://schemas.openxmlformats.org/drawingml/2006/diagram" xmlns:a="http://schemas.openxmlformats.org/drawingml/2006/main" uniqueId="urn:microsoft.com/office/officeart/2005/8/colors/colorful2">
+  <dgm:title val=""/>
+  <dgm:desc val=""/>
+  <dgm:catLst>
+    <dgm:cat type="colorful" pri="10200"/>
+  </dgm:catLst>
+  <dgm:styleLbl name="node0">
+    <dgm:fillClrLst meth="repeat">
+      <a:schemeClr val="accent1"/>
+    </dgm:fillClrLst>
+    <dgm:linClrLst meth="repeat">
+      <a:schemeClr val="lt1"/>
+    </dgm:linClrLst>
+    <dgm:effectClrLst/>
+    <dgm:txLinClrLst/>
+    <dgm:txFillClrLst/>
+    <dgm:txEffectClrLst/>
+  </dgm:styleLbl>
+  <dgm:styleLbl name="node1">
+    <dgm:fillClrLst>
+      <a:schemeClr val="accent2"/>
+      <a:schemeClr val="accent3"/>
+    </dgm:fillClrLst>
+    <dgm:linClrLst meth="repeat">
+      <a:schemeClr val="lt1"/>
+    </dgm:linClrLst>
+    <dgm:effectClrLst/>
+    <dgm:txLinClrLst/>
+    <dgm:txFillClrLst/>
+    <dgm:txEffectClrLst/>
+  </dgm:styleLbl>
+  <dgm:styleLbl name="alignNode1">
+    <dgm:fillClrLst>
+      <a:schemeClr val="accent2"/>
+      <a:schemeClr val="accent3"/>
+    </dgm:fillClrLst>
+    <dgm:linClrLst>
+      <a:schemeClr val="accent2"/>
+      <a:schemeClr val="accent3"/>
+    </dgm:linClrLst>
+    <dgm:effectClrLst/>
+    <dgm:txLinClrLst/>
+    <dgm:txFillClrLst/>
+    <dgm:txEffectClrLst/>
+  </dgm:styleLbl>
+  <dgm:styleLbl name="lnNode1">
+    <dgm:fillClrLst>
+      <a:schemeClr val="accent2"/>
+      <a:schemeClr val="accent3"/>
+    </dgm:fillClrLst>
+    <dgm:linClrLst meth="repeat">
+      <a:schemeClr val="lt1"/>
+    </dgm:linClrLst>
+    <dgm:effectClrLst/>
+    <dgm:txLinClrLst/>
+    <dgm:txFillClrLst/>
+    <dgm:txEffectClrLst/>
+  </dgm:styleLbl>
+  <dgm:styleLbl name="vennNode1">
+    <dgm:fillClrLst>
+      <a:schemeClr val="accent2">
+        <a:alpha val="50000"/>
+      </a:schemeClr>
+      <a:schemeClr val="accent3">
+        <a:alpha val="50000"/>
+      </a:schemeClr>
+    </dgm:fillClrLst>
+    <dgm:linClrLst meth="repeat">
+      <a:schemeClr val="lt1"/>
+    </dgm:linClrLst>
+    <dgm:effectClrLst/>
+    <dgm:txLinClrLst/>
+    <dgm:txFillClrLst/>
+    <dgm:txEffectClrLst/>
+  </dgm:styleLbl>
+  <dgm:styleLbl name="node2">
+    <dgm:fillClrLst>
+      <a:schemeClr val="accent3"/>
+    </dgm:fillClrLst>
+    <dgm:linClrLst meth="repeat">
+      <a:schemeClr val="lt1"/>
+    </dgm:linClrLst>
+    <dgm:effectClrLst/>
+    <dgm:txLinClrLst/>
+    <dgm:txFillClrLst/>
+    <dgm:txEffectClrLst/>
+  </dgm:styleLbl>
+  <dgm:styleLbl name="node3">
+    <dgm:fillClrLst>
+      <a:schemeClr val="accent4"/>
+    </dgm:fillClrLst>
+    <dgm:linClrLst meth="repeat">
+      <a:schemeClr val="lt1"/>
+    </dgm:linClrLst>
+    <dgm:effectClrLst/>
+    <dgm:txLinClrLst/>
+    <dgm:txFillClrLst/>
+    <dgm:txEffectClrLst/>
+  </dgm:styleLbl>
+  <dgm:styleLbl name="node4">
+    <dgm:fillClrLst>
+      <a:schemeClr val="accent5"/>
+    </dgm:fillClrLst>
+    <dgm:linClrLst meth="repeat">
+      <a:schemeClr val="lt1"/>
+    </dgm:linClrLst>
+    <dgm:effectClrLst/>
+    <dgm:txLinClrLst/>
+    <dgm:txFillClrLst/>
+    <dgm:txEffectClrLst/>
+  </dgm:styleLbl>
+  <dgm:styleLbl name="fgImgPlace1">
+    <dgm:fillClrLst>
+      <a:schemeClr val="accent2">
+        <a:tint val="50000"/>
+      </a:schemeClr>
+      <a:schemeClr val="accent3">
+        <a:tint val="50000"/>
+      </a:schemeClr>
+    </dgm:fillClrLst>
+    <dgm:linClrLst meth="repeat">
+      <a:schemeClr val="lt1"/>
+    </dgm:linClrLst>
+    <dgm:effectClrLst/>
+    <dgm:txLinClrLst/>
+    <dgm:txFillClrLst meth="repeat">
+      <a:schemeClr val="lt1"/>
+    </dgm:txFillClrLst>
+    <dgm:txEffectClrLst/>
+  </dgm:styleLbl>
+  <dgm:styleLbl name="alignImgPlace1">
+    <dgm:fillClrLst>
+      <a:schemeClr val="accent2">
+        <a:tint val="50000"/>
+      </a:schemeClr>
+      <a:schemeClr val="accent3">
+        <a:tint val="20000"/>
+      </a:schemeClr>
+    </dgm:fillClrLst>
+    <dgm:linClrLst meth="repeat">
+      <a:schemeClr val="lt1"/>
+    </dgm:linClrLst>
+    <dgm:effectClrLst/>
+    <dgm:txLinClrLst/>
+    <dgm:txFillClrLst meth="repeat">
+      <a:schemeClr val="lt1"/>
+    </dgm:txFillClrLst>
+    <dgm:txEffectClrLst/>
+  </dgm:styleLbl>
+  <dgm:styleLbl name="bgImgPlace1">
+    <dgm:fillClrLst>
+      <a:schemeClr val="accent2">
+        <a:tint val="50000"/>
+      </a:schemeClr>
+      <a:schemeClr val="accent3">
+        <a:tint val="20000"/>
+      </a:schemeClr>
+    </dgm:fillClrLst>
+    <dgm:linClrLst meth="repeat">
+      <a:schemeClr val="lt1"/>
+    </dgm:linClrLst>
+    <dgm:effectClrLst/>
+    <dgm:txLinClrLst/>
+    <dgm:txFillClrLst meth="repeat">
+      <a:schemeClr val="lt1"/>
+    </dgm:txFillClrLst>
+    <dgm:txEffectClrLst/>
+  </dgm:styleLbl>
+  <dgm:styleLbl name="sibTrans2D1">
+    <dgm:fillClrLst>
+      <a:schemeClr val="accent2"/>
+      <a:schemeClr val="accent3"/>
+    </dgm:fillClrLst>
+    <dgm:linClrLst meth="repeat">
+      <a:schemeClr val="lt1"/>
+    </dgm:linClrLst>
+    <dgm:effectClrLst/>
+    <dgm:txLinClrLst/>
+    <dgm:txFillClrLst/>
+    <dgm:txEffectClrLst/>
+  </dgm:styleLbl>
+  <dgm:styleLbl name="fgSibTrans2D1">
+    <dgm:fillClrLst>
+      <a:schemeClr val="accent2"/>
+      <a:schemeClr val="accent3"/>
+    </dgm:fillClrLst>
+    <dgm:linClrLst meth="repeat">
+      <a:schemeClr val="lt1"/>
+    </dgm:linClrLst>
+    <dgm:effectClrLst/>
+    <dgm:txLinClrLst/>
+    <dgm:txFillClrLst meth="repeat">
+      <a:schemeClr val="lt1"/>
+    </dgm:txFillClrLst>
+    <dgm:txEffectClrLst/>
+  </dgm:styleLbl>
+  <dgm:styleLbl name="bgSibTrans2D1">
+    <dgm:fillClrLst>
+      <a:schemeClr val="accent2"/>
+      <a:schemeClr val="accent3"/>
+    </dgm:fillClrLst>
+    <dgm:linClrLst meth="repeat">
+      <a:schemeClr val="lt1"/>
+    </dgm:linClrLst>
+    <dgm:effectClrLst/>
+    <dgm:txLinClrLst/>
+    <dgm:txFillClrLst meth="repeat">
+      <a:schemeClr val="lt1"/>
+    </dgm:txFillClrLst>
+    <dgm:txEffectClrLst/>
+  </dgm:styleLbl>
+  <dgm:styleLbl name="sibTrans1D1">
+    <dgm:fillClrLst/>
+    <dgm:linClrLst>
+      <a:schemeClr val="accent2"/>
+      <a:schemeClr val="accent3"/>
+    </dgm:linClrLst>
+    <dgm:effectClrLst/>
+    <dgm:txLinClrLst/>
+    <dgm:txFillClrLst meth="repeat">
+      <a:schemeClr val="tx1"/>
+    </dgm:txFillClrLst>
+    <dgm:txEffectClrLst/>
+  </dgm:styleLbl>
+  <dgm:styleLbl name="callout">
+    <dgm:fillClrLst meth="repeat">
+      <a:schemeClr val="accent2"/>
+    </dgm:fillClrLst>
+    <dgm:linClrLst meth="repeat">
+      <a:schemeClr val="accent2">
+        <a:tint val="50000"/>
+      </a:schemeClr>
+    </dgm:linClrLst>
+    <dgm:effectClrLst/>
+    <dgm:txLinClrLst/>
+    <dgm:txFillClrLst meth="repeat">
+      <a:schemeClr val="tx1"/>
+    </dgm:txFillClrLst>
+    <dgm:txEffectClrLst/>
+  </dgm:styleLbl>
+  <dgm:styleLbl name="asst0">
+    <dgm:fillClrLst meth="repeat">
+      <a:schemeClr val="accent2"/>
+    </dgm:fillClrLst>
+    <dgm:linClrLst meth="repeat">
+      <a:schemeClr val="lt1">
+        <a:shade val="80000"/>
+      </a:schemeClr>
+    </dgm:linClrLst>
+    <dgm:effectClrLst/>
+    <dgm:txLinClrLst/>
+    <dgm:txFillClrLst/>
+    <dgm:txEffectClrLst/>
+  </dgm:styleLbl>
+  <dgm:styleLbl name="asst1">
+    <dgm:fillClrLst meth="repeat">
+      <a:schemeClr val="accent3"/>
+    </dgm:fillClrLst>
+    <dgm:linClrLst meth="repeat">
+      <a:schemeClr val="lt1">
+        <a:shade val="80000"/>
+      </a:schemeClr>
+    </dgm:linClrLst>
+    <dgm:effectClrLst/>
+    <dgm:txLinClrLst/>
+    <dgm:txFillClrLst/>
+    <dgm:txEffectClrLst/>
+  </dgm:styleLbl>
+  <dgm:styleLbl name="asst2">
+    <dgm:fillClrLst>
+      <a:schemeClr val="accent4"/>
+    </dgm:fillClrLst>
+    <dgm:linClrLst meth="repeat">
+      <a:schemeClr val="lt1"/>
+    </dgm:linClrLst>
+    <dgm:effectClrLst/>
+    <dgm:txLinClrLst/>
+    <dgm:txFillClrLst/>
+    <dgm:txEffectClrLst/>
+  </dgm:styleLbl>
+  <dgm:styleLbl name="asst3">
+    <dgm:fillClrLst>
+      <a:schemeClr val="accent5"/>
+    </dgm:fillClrLst>
+    <dgm:linClrLst meth="repeat">
+      <a:schemeClr val="lt1"/>
+    </dgm:linClrLst>
+    <dgm:effectClrLst/>
+    <dgm:txLinClrLst/>
+    <dgm:txFillClrLst/>
+    <dgm:txEffectClrLst/>
+  </dgm:styleLbl>
+  <dgm:styleLbl name="asst4">
+    <dgm:fillClrLst>
+      <a:schemeClr val="accent6"/>
+    </dgm:fillClrLst>
+    <dgm:linClrLst meth="repeat">
+      <a:schemeClr val="lt1"/>
+    </dgm:linClrLst>
+    <dgm:effectClrLst/>
+    <dgm:txLinClrLst/>
+    <dgm:txFillClrLst/>
+    <dgm:txEffectClrLst/>
+  </dgm:styleLbl>
+  <dgm:styleLbl name="parChTrans2D1">
+    <dgm:fillClrLst meth="repeat">
+      <a:schemeClr val="accent2"/>
+    </dgm:fillClrLst>
+    <dgm:linClrLst meth="repeat">
+      <a:schemeClr val="lt1"/>
+    </dgm:linClrLst>
+    <dgm:effectClrLst/>
+    <dgm:txLinClrLst/>
+    <dgm:txFillClrLst meth="repeat">
+      <a:schemeClr val="lt1"/>
+    </dgm:txFillClrLst>
+    <dgm:txEffectClrLst/>
+  </dgm:styleLbl>
+  <dgm:styleLbl name="parChTrans2D2">
+    <dgm:fillClrLst meth="repeat">
+      <a:schemeClr val="accent3"/>
+    </dgm:fillClrLst>
+    <dgm:linClrLst meth="repeat">
+      <a:schemeClr val="lt1"/>
+    </dgm:linClrLst>
+    <dgm:effectClrLst/>
+    <dgm:txLinClrLst/>
+    <dgm:txFillClrLst/>
+    <dgm:txEffectClrLst/>
+  </dgm:styleLbl>
+  <dgm:styleLbl name="parChTrans2D3">
+    <dgm:fillClrLst meth="repeat">
+      <a:schemeClr val="accent4"/>
+    </dgm:fillClrLst>
+    <dgm:linClrLst meth="repeat">
+      <a:schemeClr val="lt1"/>
+    </dgm:linClrLst>
+    <dgm:effectClrLst/>
+    <dgm:txLinClrLst/>
+    <dgm:txFillClrLst/>
+    <dgm:txEffectClrLst/>
+  </dgm:styleLbl>
+  <dgm:styleLbl name="parChTrans2D4">
+    <dgm:fillClrLst meth="repeat">
+      <a:schemeClr val="accent5"/>
+    </dgm:fillClrLst>
+    <dgm:linClrLst meth="repeat">
+      <a:schemeClr val="lt1"/>
+    </dgm:linClrLst>
+    <dgm:effectClrLst/>
+    <dgm:txLinClrLst/>
+    <dgm:txFillClrLst meth="repeat">
+      <a:schemeClr val="lt1"/>
+    </dgm:txFillClrLst>
+    <dgm:txEffectClrLst/>
+  </dgm:styleLbl>
+  <dgm:styleLbl name="parChTrans1D1">
+    <dgm:fillClrLst meth="repeat">
+      <a:schemeClr val="accent2"/>
+    </dgm:fillClrLst>
+    <dgm:linClrLst meth="repeat">
+      <a:schemeClr val="accent2"/>
+    </dgm:linClrLst>
+    <dgm:effectClrLst/>
+    <dgm:txLinClrLst/>
+    <dgm:txFillClrLst meth="repeat">
+      <a:schemeClr val="tx1"/>
+    </dgm:txFillClrLst>
+    <dgm:txEffectClrLst/>
+  </dgm:styleLbl>
+  <dgm:styleLbl name="parChTrans1D2">
+    <dgm:fillClrLst meth="repeat">
+      <a:schemeClr val="accent2">
+        <a:tint val="90000"/>
+      </a:schemeClr>
+    </dgm:fillClrLst>
+    <dgm:linClrLst meth="repeat">
+      <a:schemeClr val="accent3"/>
+    </dgm:linClrLst>
+    <dgm:effectClrLst/>
+    <dgm:txLinClrLst/>
+    <dgm:txFillClrLst meth="repeat">
+      <a:schemeClr val="tx1"/>
+    </dgm:txFillClrLst>
+    <dgm:txEffectClrLst/>
+  </dgm:styleLbl>
+  <dgm:styleLbl name="parChTrans1D3">
+    <dgm:fillClrLst meth="repeat">
+      <a:schemeClr val="accent2">
+        <a:tint val="70000"/>
+      </a:schemeClr>
+    </dgm:fillClrLst>
+    <dgm:linClrLst meth="repeat">
+      <a:schemeClr val="accent4"/>
+    </dgm:linClrLst>
+    <dgm:effectClrLst/>
+    <dgm:txLinClrLst/>
+    <dgm:txFillClrLst meth="repeat">
+      <a:schemeClr val="tx1"/>
+    </dgm:txFillClrLst>
+    <dgm:txEffectClrLst/>
+  </dgm:styleLbl>
+  <dgm:styleLbl name="parChTrans1D4">
+    <dgm:fillClrLst meth="repeat">
+      <a:schemeClr val="accent2">
+        <a:tint val="50000"/>
+      </a:schemeClr>
+    </dgm:fillClrLst>
+    <dgm:linClrLst meth="repeat">
+      <a:schemeClr val="accent5"/>
+    </dgm:linClrLst>
+    <dgm:effectClrLst/>
+    <dgm:txLinClrLst/>
+    <dgm:txFillClrLst meth="repeat">
+      <a:schemeClr val="tx1"/>
+    </dgm:txFillClrLst>
+    <dgm:txEffectClrLst/>
+  </dgm:styleLbl>
+  <dgm:styleLbl name="fgAcc1">
+    <dgm:fillClrLst meth="repeat">
+      <a:schemeClr val="lt1">
+        <a:alpha val="90000"/>
+      </a:schemeClr>
+    </dgm:fillClrLst>
+    <dgm:linClrLst>
+      <a:schemeClr val="accent2"/>
+      <a:schemeClr val="accent3"/>
+    </dgm:linClrLst>
+    <dgm:effectClrLst/>
+    <dgm:txLinClrLst/>
+    <dgm:txFillClrLst meth="repeat">
+      <a:schemeClr val="dk1"/>
+    </dgm:txFillClrLst>
+    <dgm:txEffectClrLst/>
+  </dgm:styleLbl>
+  <dgm:styleLbl name="conFgAcc1">
+    <dgm:fillClrLst meth="repeat">
+      <a:schemeClr val="lt1">
+        <a:alpha val="90000"/>
+      </a:schemeClr>
+    </dgm:fillClrLst>
+    <dgm:linClrLst>
+      <a:schemeClr val="accent2"/>
+      <a:schemeClr val="accent3"/>
+    </dgm:linClrLst>
+    <dgm:effectClrLst/>
+    <dgm:txLinClrLst/>
+    <dgm:txFillClrLst meth="repeat">
+      <a:schemeClr val="dk1"/>
+    </dgm:txFillClrLst>
+    <dgm:txEffectClrLst/>
+  </dgm:styleLbl>
+  <dgm:styleLbl name="alignAcc1">
+    <dgm:fillClrLst meth="repeat">
+      <a:schemeClr val="lt1">
+        <a:alpha val="90000"/>
+      </a:schemeClr>
+    </dgm:fillClrLst>
+    <dgm:linClrLst>
+      <a:schemeClr val="accent2"/>
+      <a:schemeClr val="accent3"/>
+    </dgm:linClrLst>
+    <dgm:effectClrLst/>
+    <dgm:txLinClrLst/>
+    <dgm:txFillClrLst meth="repeat">
+      <a:schemeClr val="dk1"/>
+    </dgm:txFillClrLst>
+    <dgm:txEffectClrLst/>
+  </dgm:styleLbl>
+  <dgm:styleLbl name="trAlignAcc1">
+    <dgm:fillClrLst meth="repeat">
+      <a:schemeClr val="lt1">
+        <a:alpha val="40000"/>
+      </a:schemeClr>
+    </dgm:fillClrLst>
+    <dgm:linClrLst meth="repeat">
+      <a:schemeClr val="accent2"/>
+    </dgm:linClrLst>
+    <dgm:effectClrLst/>
+    <dgm:txLinClrLst/>
+    <dgm:txFillClrLst meth="repeat">
+      <a:schemeClr val="dk1"/>
+    </dgm:txFillClrLst>
+    <dgm:txEffectClrLst/>
+  </dgm:styleLbl>
+  <dgm:styleLbl name="bgAcc1">
+    <dgm:fillClrLst meth="repeat">
+      <a:schemeClr val="lt1">
+        <a:alpha val="90000"/>
+      </a:schemeClr>
+    </dgm:fillClrLst>
+    <dgm:linClrLst>
+      <a:schemeClr val="accent2"/>
+      <a:schemeClr val="accent3"/>
+    </dgm:linClrLst>
+    <dgm:effectClrLst/>
+    <dgm:txLinClrLst/>
+    <dgm:txFillClrLst meth="repeat">
+      <a:schemeClr val="dk1"/>
+    </dgm:txFillClrLst>
+    <dgm:txEffectClrLst/>
+  </dgm:styleLbl>
+  <dgm:styleLbl name="solidFgAcc1">
+    <dgm:fillClrLst meth="repeat">
+      <a:schemeClr val="lt1"/>
+    </dgm:fillClrLst>
+    <dgm:linClrLst>
+      <a:schemeClr val="accent2"/>
+      <a:schemeClr val="accent3"/>
+    </dgm:linClrLst>
+    <dgm:effectClrLst/>
+    <dgm:txLinClrLst/>
+    <dgm:txFillClrLst meth="repeat">
+      <a:schemeClr val="dk1"/>
+    </dgm:txFillClrLst>
+    <dgm:txEffectClrLst/>
+  </dgm:styleLbl>
+  <dgm:styleLbl name="solidAlignAcc1">
+    <dgm:fillClrLst meth="repeat">
+      <a:schemeClr val="lt1"/>
+    </dgm:fillClrLst>
+    <dgm:linClrLst>
+      <a:schemeClr val="accent2"/>
+      <a:schemeClr val="accent3"/>
+    </dgm:linClrLst>
+    <dgm:effectClrLst/>
+    <dgm:txLinClrLst/>
+    <dgm:txFillClrLst meth="repeat">
+      <a:schemeClr val="dk1"/>
+    </dgm:txFillClrLst>
+    <dgm:txEffectClrLst/>
+  </dgm:styleLbl>
+  <dgm:styleLbl name="solidBgAcc1">
+    <dgm:fillClrLst meth="repeat">
+      <a:schemeClr val="lt1"/>
+    </dgm:fillClrLst>
+    <dgm:linClrLst>
+      <a:schemeClr val="accent2"/>
+      <a:schemeClr val="accent3"/>
+    </dgm:linClrLst>
+    <dgm:effectClrLst/>
+    <dgm:txLinClrLst/>
+    <dgm:txFillClrLst meth="repeat">
+      <a:schemeClr val="dk1"/>
+    </dgm:txFillClrLst>
+    <dgm:txEffectClrLst/>
+  </dgm:styleLbl>
+  <dgm:styleLbl name="fgAccFollowNode1">
+    <dgm:fillClrLst>
+      <a:schemeClr val="accent2">
+        <a:tint val="40000"/>
+        <a:alpha val="90000"/>
+      </a:schemeClr>
+      <a:schemeClr val="accent3">
+        <a:tint val="40000"/>
+        <a:alpha val="90000"/>
+      </a:schemeClr>
+    </dgm:fillClrLst>
+    <dgm:linClrLst>
+      <a:schemeClr val="accent2">
+        <a:tint val="40000"/>
+        <a:alpha val="90000"/>
+      </a:schemeClr>
+      <a:schemeClr val="accent3">
+        <a:tint val="40000"/>
+        <a:alpha val="90000"/>
+      </a:schemeClr>
+    </dgm:linClrLst>
+    <dgm:effectClrLst/>
+    <dgm:txLinClrLst/>
+    <dgm:txFillClrLst meth="repeat">
+      <a:schemeClr val="dk1"/>
+    </dgm:txFillClrLst>
+    <dgm:txEffectClrLst/>
+  </dgm:styleLbl>
+  <dgm:styleLbl name="alignAccFollowNode1">
+    <dgm:fillClrLst>
+      <a:schemeClr val="accent2">
+        <a:tint val="40000"/>
+        <a:alpha val="90000"/>
+      </a:schemeClr>
+      <a:schemeClr val="accent3">
+        <a:tint val="40000"/>
+        <a:alpha val="90000"/>
+      </a:schemeClr>
+    </dgm:fillClrLst>
+    <dgm:linClrLst>
+      <a:schemeClr val="accent2">
+        <a:tint val="40000"/>
+        <a:alpha val="90000"/>
+      </a:schemeClr>
+      <a:schemeClr val="accent3">
+        <a:tint val="40000"/>
+        <a:alpha val="90000"/>
+      </a:schemeClr>
+    </dgm:linClrLst>
+    <dgm:effectClrLst/>
+    <dgm:txLinClrLst/>
+    <dgm:txFillClrLst meth="repeat">
+      <a:schemeClr val="dk1"/>
+    </dgm:txFillClrLst>
+    <dgm:txEffectClrLst/>
+  </dgm:styleLbl>
+  <dgm:styleLbl name="bgAccFollowNode1">
+    <dgm:fillClrLst>
+      <a:schemeClr val="accent2">
+        <a:tint val="40000"/>
+        <a:alpha val="90000"/>
+      </a:schemeClr>
+      <a:schemeClr val="accent3">
+        <a:tint val="40000"/>
+        <a:alpha val="90000"/>
+      </a:schemeClr>
+    </dgm:fillClrLst>
+    <dgm:linClrLst>
+      <a:schemeClr val="accent2">
+        <a:tint val="40000"/>
+        <a:alpha val="90000"/>
+      </a:schemeClr>
+      <a:schemeClr val="accent3">
+        <a:tint val="40000"/>
+        <a:alpha val="90000"/>
+      </a:schemeClr>
+    </dgm:linClrLst>
+    <dgm:effectClrLst/>
+    <dgm:txLinClrLst/>
+    <dgm:txFillClrLst meth="repeat">
+      <a:schemeClr val="dk1"/>
+    </dgm:txFillClrLst>
+    <dgm:txEffectClrLst/>
+  </dgm:styleLbl>
+  <dgm:styleLbl name="fgAcc0">
+    <dgm:fillClrLst meth="repeat">
+      <a:schemeClr val="lt1">
+        <a:alpha val="90000"/>
+      </a:schemeClr>
+    </dgm:fillClrLst>
+    <dgm:linClrLst>
+      <a:schemeClr val="accent1"/>
+    </dgm:linClrLst>
+    <dgm:effectClrLst/>
+    <dgm:txLinClrLst/>
+    <dgm:txFillClrLst meth="repeat">
+      <a:schemeClr val="dk1"/>
+    </dgm:txFillClrLst>
+    <dgm:txEffectClrLst/>
+  </dgm:styleLbl>
+  <dgm:styleLbl name="fgAcc2">
+    <dgm:fillClrLst meth="repeat">
+      <a:schemeClr val="lt1">
+        <a:alpha val="90000"/>
+      </a:schemeClr>
+    </dgm:fillClrLst>
+    <dgm:linClrLst>
+      <a:schemeClr val="accent3"/>
+    </dgm:linClrLst>
+    <dgm:effectClrLst/>
+    <dgm:txLinClrLst/>
+    <dgm:txFillClrLst meth="repeat">
+      <a:schemeClr val="dk1"/>
+    </dgm:txFillClrLst>
+    <dgm:txEffectClrLst/>
+  </dgm:styleLbl>
+  <dgm:styleLbl name="fgAcc3">
+    <dgm:fillClrLst meth="repeat">
+      <a:schemeClr val="lt1">
+        <a:alpha val="90000"/>
+      </a:schemeClr>
+    </dgm:fillClrLst>
+    <dgm:linClrLst>
+      <a:schemeClr val="accent4"/>
+    </dgm:linClrLst>
+    <dgm:effectClrLst/>
+    <dgm:txLinClrLst/>
+    <dgm:txFillClrLst meth="repeat">
+      <a:schemeClr val="dk1"/>
+    </dgm:txFillClrLst>
+    <dgm:txEffectClrLst/>
+  </dgm:styleLbl>
+  <dgm:styleLbl name="fgAcc4">
+    <dgm:fillClrLst meth="repeat">
+      <a:schemeClr val="lt1">
+        <a:alpha val="90000"/>
+      </a:schemeClr>
+    </dgm:fillClrLst>
+    <dgm:linClrLst>
+      <a:schemeClr val="accent5"/>
+    </dgm:linClrLst>
+    <dgm:effectClrLst/>
+    <dgm:txLinClrLst/>
+    <dgm:txFillClrLst meth="repeat">
+      <a:schemeClr val="dk1"/>
+    </dgm:txFillClrLst>
+    <dgm:txEffectClrLst/>
+  </dgm:styleLbl>
+  <dgm:styleLbl name="bgShp">
+    <dgm:fillClrLst meth="repeat">
+      <a:schemeClr val="accent2">
+        <a:tint val="40000"/>
+      </a:schemeClr>
+    </dgm:fillClrLst>
+    <dgm:linClrLst meth="repeat">
+      <a:schemeClr val="dk1"/>
+    </dgm:linClrLst>
+    <dgm:effectClrLst/>
+    <dgm:txLinClrLst/>
+    <dgm:txFillClrLst meth="repeat">
+      <a:schemeClr val="dk1"/>
+    </dgm:txFillClrLst>
+    <dgm:txEffectClrLst/>
+  </dgm:styleLbl>
+  <dgm:styleLbl name="dkBgShp">
+    <dgm:fillClrLst meth="repeat">
+      <a:schemeClr val="accent2">
+        <a:shade val="90000"/>
+      </a:schemeClr>
+    </dgm:fillClrLst>
+    <dgm:linClrLst meth="repeat">
+      <a:schemeClr val="dk1"/>
+    </dgm:linClrLst>
+    <dgm:effectClrLst/>
+    <dgm:txLinClrLst/>
+    <dgm:txFillClrLst meth="repeat">
+      <a:schemeClr val="lt1"/>
+    </dgm:txFillClrLst>
+    <dgm:txEffectClrLst/>
+  </dgm:styleLbl>
+  <dgm:styleLbl name="trBgShp">
+    <dgm:fillClrLst meth="repeat">
+      <a:schemeClr val="accent2">
+        <a:tint val="50000"/>
+        <a:alpha val="40000"/>
+      </a:schemeClr>
+    </dgm:fillClrLst>
+    <dgm:linClrLst meth="repeat">
+      <a:schemeClr val="accent2"/>
+    </dgm:linClrLst>
+    <dgm:effectClrLst/>
+    <dgm:txLinClrLst/>
+    <dgm:txFillClrLst meth="repeat">
+      <a:schemeClr val="lt1"/>
+    </dgm:txFillClrLst>
+    <dgm:txEffectClrLst/>
+  </dgm:styleLbl>
+  <dgm:styleLbl name="fgShp">
+    <dgm:fillClrLst meth="repeat">
+      <a:schemeClr val="accent2">
+        <a:tint val="40000"/>
+      </a:schemeClr>
+    </dgm:fillClrLst>
+    <dgm:linClrLst meth="repeat">
+      <a:schemeClr val="lt1"/>
+    </dgm:linClrLst>
+    <dgm:effectClrLst/>
+    <dgm:txLinClrLst/>
+    <dgm:txFillClrLst meth="repeat">
+      <a:schemeClr val="dk1"/>
+    </dgm:txFillClrLst>
+    <dgm:txEffectClrLst/>
+  </dgm:styleLbl>
+  <dgm:styleLbl name="revTx">
+    <dgm:fillClrLst meth="repeat">
+      <a:schemeClr val="lt1">
+        <a:alpha val="0"/>
+      </a:schemeClr>
+    </dgm:fillClrLst>
+    <dgm:linClrLst meth="repeat">
+      <a:schemeClr val="dk1">
+        <a:alpha val="0"/>
+      </a:schemeClr>
+    </dgm:linClrLst>
+    <dgm:effectClrLst/>
+    <dgm:txLinClrLst/>
+    <dgm:txFillClrLst meth="repeat">
+      <a:schemeClr val="tx1"/>
+    </dgm:txFillClrLst>
+    <dgm:txEffectClrLst/>
+  </dgm:styleLbl>
+</dgm:colorsDef>
+</file>
+
+<file path=ppt/diagrams/data1.xml><?xml version="1.0" encoding="utf-8"?>
+<dgm:dataModel xmlns:dgm="http://schemas.openxmlformats.org/drawingml/2006/diagram" xmlns:a="http://schemas.openxmlformats.org/drawingml/2006/main">
+  <dgm:ptLst>
+    <dgm:pt modelId="{69E522E0-E7CA-4BE8-8512-EB3B5D3735ED}" type="doc">
+      <dgm:prSet loTypeId="urn:microsoft.com/office/officeart/2005/8/layout/vProcess5" loCatId="process" qsTypeId="urn:microsoft.com/office/officeart/2005/8/quickstyle/simple4" qsCatId="simple" csTypeId="urn:microsoft.com/office/officeart/2005/8/colors/colorful2" csCatId="colorful" phldr="1"/>
+      <dgm:spPr/>
+    </dgm:pt>
+    <dgm:pt modelId="{FBDE90EE-62F2-4CFF-B1CF-F7040EFC7481}">
+      <dgm:prSet phldrT="[Text]"/>
+      <dgm:spPr/>
+      <dgm:t>
+        <a:bodyPr/>
+        <a:lstStyle/>
+        <a:p>
+          <a:r>
+            <a:rPr lang="en-US" dirty="0"/>
+            <a:t>Awareness</a:t>
+          </a:r>
+        </a:p>
+      </dgm:t>
+    </dgm:pt>
+    <dgm:pt modelId="{F6423905-5454-42B7-83F2-19A8D8C4EF66}" type="parTrans" cxnId="{9260E988-97FE-4F60-8EDB-083C32FBE8CE}">
+      <dgm:prSet/>
+      <dgm:spPr/>
+      <dgm:t>
+        <a:bodyPr/>
+        <a:lstStyle/>
+        <a:p>
+          <a:endParaRPr lang="en-US"/>
+        </a:p>
+      </dgm:t>
+    </dgm:pt>
+    <dgm:pt modelId="{7C39B5D2-7844-4E4D-89F3-779BA26EF64F}" type="sibTrans" cxnId="{9260E988-97FE-4F60-8EDB-083C32FBE8CE}">
+      <dgm:prSet/>
+      <dgm:spPr/>
+      <dgm:t>
+        <a:bodyPr/>
+        <a:lstStyle/>
+        <a:p>
+          <a:endParaRPr lang="en-US"/>
+        </a:p>
+      </dgm:t>
+    </dgm:pt>
+    <dgm:pt modelId="{AEF02BA5-7F0E-4AD0-A44E-43B7DA39376B}">
+      <dgm:prSet phldrT="[Text]"/>
+      <dgm:spPr/>
+      <dgm:t>
+        <a:bodyPr/>
+        <a:lstStyle/>
+        <a:p>
+          <a:r>
+            <a:rPr lang="en-US" dirty="0"/>
+            <a:t>Acceptance</a:t>
+          </a:r>
+        </a:p>
+      </dgm:t>
+    </dgm:pt>
+    <dgm:pt modelId="{B7855727-EA1F-4719-BB75-75713F3EDEFC}" type="parTrans" cxnId="{07E4103C-2FAB-472B-BC41-AFC4F3E43693}">
+      <dgm:prSet/>
+      <dgm:spPr/>
+      <dgm:t>
+        <a:bodyPr/>
+        <a:lstStyle/>
+        <a:p>
+          <a:endParaRPr lang="en-US"/>
+        </a:p>
+      </dgm:t>
+    </dgm:pt>
+    <dgm:pt modelId="{6937A1D2-42DA-46A7-B9E1-C50B992AD953}" type="sibTrans" cxnId="{07E4103C-2FAB-472B-BC41-AFC4F3E43693}">
+      <dgm:prSet/>
+      <dgm:spPr/>
+      <dgm:t>
+        <a:bodyPr/>
+        <a:lstStyle/>
+        <a:p>
+          <a:endParaRPr lang="en-US"/>
+        </a:p>
+      </dgm:t>
+    </dgm:pt>
+    <dgm:pt modelId="{5F7A6CAC-623D-42E2-AC70-91B67040EC78}">
+      <dgm:prSet phldrT="[Text]"/>
+      <dgm:spPr/>
+      <dgm:t>
+        <a:bodyPr/>
+        <a:lstStyle/>
+        <a:p>
+          <a:r>
+            <a:rPr lang="en-US" dirty="0"/>
+            <a:t>Adoption</a:t>
+          </a:r>
+        </a:p>
+      </dgm:t>
+    </dgm:pt>
+    <dgm:pt modelId="{7376F2D8-B5AF-459B-B76E-AAEA4032B4BE}" type="parTrans" cxnId="{FFA91927-1790-4B1E-B77E-4CA7DC20D158}">
+      <dgm:prSet/>
+      <dgm:spPr/>
+      <dgm:t>
+        <a:bodyPr/>
+        <a:lstStyle/>
+        <a:p>
+          <a:endParaRPr lang="en-US"/>
+        </a:p>
+      </dgm:t>
+    </dgm:pt>
+    <dgm:pt modelId="{2656BDE7-3017-426F-8393-74D3E690C0DD}" type="sibTrans" cxnId="{FFA91927-1790-4B1E-B77E-4CA7DC20D158}">
+      <dgm:prSet/>
+      <dgm:spPr/>
+      <dgm:t>
+        <a:bodyPr/>
+        <a:lstStyle/>
+        <a:p>
+          <a:endParaRPr lang="en-US"/>
+        </a:p>
+      </dgm:t>
+    </dgm:pt>
+    <dgm:pt modelId="{EBC6CADB-DA92-400D-AFDC-7CBF7297C31B}" type="pres">
+      <dgm:prSet presAssocID="{69E522E0-E7CA-4BE8-8512-EB3B5D3735ED}" presName="outerComposite" presStyleCnt="0">
+        <dgm:presLayoutVars>
+          <dgm:chMax val="5"/>
+          <dgm:dir/>
+          <dgm:resizeHandles val="exact"/>
+        </dgm:presLayoutVars>
+      </dgm:prSet>
+      <dgm:spPr/>
+    </dgm:pt>
+    <dgm:pt modelId="{AE981F55-9370-4B5B-A346-A8662FD4E35B}" type="pres">
+      <dgm:prSet presAssocID="{69E522E0-E7CA-4BE8-8512-EB3B5D3735ED}" presName="dummyMaxCanvas" presStyleCnt="0">
+        <dgm:presLayoutVars/>
+      </dgm:prSet>
+      <dgm:spPr/>
+    </dgm:pt>
+    <dgm:pt modelId="{C435A2BE-8E50-4563-894A-819CA7C0FFA8}" type="pres">
+      <dgm:prSet presAssocID="{69E522E0-E7CA-4BE8-8512-EB3B5D3735ED}" presName="ThreeNodes_1" presStyleLbl="node1" presStyleIdx="0" presStyleCnt="3">
+        <dgm:presLayoutVars>
+          <dgm:bulletEnabled val="1"/>
+        </dgm:presLayoutVars>
+      </dgm:prSet>
+      <dgm:spPr/>
+    </dgm:pt>
+    <dgm:pt modelId="{A293B819-D6FF-4D85-9542-C46746694BA6}" type="pres">
+      <dgm:prSet presAssocID="{69E522E0-E7CA-4BE8-8512-EB3B5D3735ED}" presName="ThreeNodes_2" presStyleLbl="node1" presStyleIdx="1" presStyleCnt="3">
+        <dgm:presLayoutVars>
+          <dgm:bulletEnabled val="1"/>
+        </dgm:presLayoutVars>
+      </dgm:prSet>
+      <dgm:spPr/>
+    </dgm:pt>
+    <dgm:pt modelId="{BC26B8F9-6573-4CBB-9D46-7A112BED1427}" type="pres">
+      <dgm:prSet presAssocID="{69E522E0-E7CA-4BE8-8512-EB3B5D3735ED}" presName="ThreeNodes_3" presStyleLbl="node1" presStyleIdx="2" presStyleCnt="3">
+        <dgm:presLayoutVars>
+          <dgm:bulletEnabled val="1"/>
+        </dgm:presLayoutVars>
+      </dgm:prSet>
+      <dgm:spPr/>
+    </dgm:pt>
+    <dgm:pt modelId="{AEF40E9A-AA19-403C-B2BE-0D07F471D666}" type="pres">
+      <dgm:prSet presAssocID="{69E522E0-E7CA-4BE8-8512-EB3B5D3735ED}" presName="ThreeConn_1-2" presStyleLbl="fgAccFollowNode1" presStyleIdx="0" presStyleCnt="2">
+        <dgm:presLayoutVars>
+          <dgm:bulletEnabled val="1"/>
+        </dgm:presLayoutVars>
+      </dgm:prSet>
+      <dgm:spPr/>
+    </dgm:pt>
+    <dgm:pt modelId="{3BACF125-3F53-4640-AFE7-15828F1AAA5D}" type="pres">
+      <dgm:prSet presAssocID="{69E522E0-E7CA-4BE8-8512-EB3B5D3735ED}" presName="ThreeConn_2-3" presStyleLbl="fgAccFollowNode1" presStyleIdx="1" presStyleCnt="2">
+        <dgm:presLayoutVars>
+          <dgm:bulletEnabled val="1"/>
+        </dgm:presLayoutVars>
+      </dgm:prSet>
+      <dgm:spPr/>
+    </dgm:pt>
+    <dgm:pt modelId="{2636703E-17EB-4FD1-8A54-D447BEDF36AA}" type="pres">
+      <dgm:prSet presAssocID="{69E522E0-E7CA-4BE8-8512-EB3B5D3735ED}" presName="ThreeNodes_1_text" presStyleLbl="node1" presStyleIdx="2" presStyleCnt="3">
+        <dgm:presLayoutVars>
+          <dgm:bulletEnabled val="1"/>
+        </dgm:presLayoutVars>
+      </dgm:prSet>
+      <dgm:spPr/>
+    </dgm:pt>
+    <dgm:pt modelId="{0467CB0C-6949-4C75-AA2B-A03AF4E39FB2}" type="pres">
+      <dgm:prSet presAssocID="{69E522E0-E7CA-4BE8-8512-EB3B5D3735ED}" presName="ThreeNodes_2_text" presStyleLbl="node1" presStyleIdx="2" presStyleCnt="3">
+        <dgm:presLayoutVars>
+          <dgm:bulletEnabled val="1"/>
+        </dgm:presLayoutVars>
+      </dgm:prSet>
+      <dgm:spPr/>
+    </dgm:pt>
+    <dgm:pt modelId="{E0D6F353-E6F7-418F-9B55-CE9D8C3ABCCA}" type="pres">
+      <dgm:prSet presAssocID="{69E522E0-E7CA-4BE8-8512-EB3B5D3735ED}" presName="ThreeNodes_3_text" presStyleLbl="node1" presStyleIdx="2" presStyleCnt="3">
+        <dgm:presLayoutVars>
+          <dgm:bulletEnabled val="1"/>
+        </dgm:presLayoutVars>
+      </dgm:prSet>
+      <dgm:spPr/>
+    </dgm:pt>
+  </dgm:ptLst>
+  <dgm:cxnLst>
+    <dgm:cxn modelId="{1AC2B925-B715-4B39-A5C0-7B5E97550478}" type="presOf" srcId="{7C39B5D2-7844-4E4D-89F3-779BA26EF64F}" destId="{AEF40E9A-AA19-403C-B2BE-0D07F471D666}" srcOrd="0" destOrd="0" presId="urn:microsoft.com/office/officeart/2005/8/layout/vProcess5"/>
+    <dgm:cxn modelId="{FFA91927-1790-4B1E-B77E-4CA7DC20D158}" srcId="{69E522E0-E7CA-4BE8-8512-EB3B5D3735ED}" destId="{5F7A6CAC-623D-42E2-AC70-91B67040EC78}" srcOrd="2" destOrd="0" parTransId="{7376F2D8-B5AF-459B-B76E-AAEA4032B4BE}" sibTransId="{2656BDE7-3017-426F-8393-74D3E690C0DD}"/>
+    <dgm:cxn modelId="{0EADF32A-4746-47F4-B124-DECC7966B6C3}" type="presOf" srcId="{6937A1D2-42DA-46A7-B9E1-C50B992AD953}" destId="{3BACF125-3F53-4640-AFE7-15828F1AAA5D}" srcOrd="0" destOrd="0" presId="urn:microsoft.com/office/officeart/2005/8/layout/vProcess5"/>
+    <dgm:cxn modelId="{35B1252C-44F6-42B5-B8D6-6B5626DC9097}" type="presOf" srcId="{AEF02BA5-7F0E-4AD0-A44E-43B7DA39376B}" destId="{0467CB0C-6949-4C75-AA2B-A03AF4E39FB2}" srcOrd="1" destOrd="0" presId="urn:microsoft.com/office/officeart/2005/8/layout/vProcess5"/>
+    <dgm:cxn modelId="{07E4103C-2FAB-472B-BC41-AFC4F3E43693}" srcId="{69E522E0-E7CA-4BE8-8512-EB3B5D3735ED}" destId="{AEF02BA5-7F0E-4AD0-A44E-43B7DA39376B}" srcOrd="1" destOrd="0" parTransId="{B7855727-EA1F-4719-BB75-75713F3EDEFC}" sibTransId="{6937A1D2-42DA-46A7-B9E1-C50B992AD953}"/>
+    <dgm:cxn modelId="{A3013568-57DF-4932-92E5-B65AE5A4B3F3}" type="presOf" srcId="{AEF02BA5-7F0E-4AD0-A44E-43B7DA39376B}" destId="{A293B819-D6FF-4D85-9542-C46746694BA6}" srcOrd="0" destOrd="0" presId="urn:microsoft.com/office/officeart/2005/8/layout/vProcess5"/>
+    <dgm:cxn modelId="{B5CEA979-D62E-4469-A78F-7DDDCBF09F7C}" type="presOf" srcId="{FBDE90EE-62F2-4CFF-B1CF-F7040EFC7481}" destId="{C435A2BE-8E50-4563-894A-819CA7C0FFA8}" srcOrd="0" destOrd="0" presId="urn:microsoft.com/office/officeart/2005/8/layout/vProcess5"/>
+    <dgm:cxn modelId="{9260E988-97FE-4F60-8EDB-083C32FBE8CE}" srcId="{69E522E0-E7CA-4BE8-8512-EB3B5D3735ED}" destId="{FBDE90EE-62F2-4CFF-B1CF-F7040EFC7481}" srcOrd="0" destOrd="0" parTransId="{F6423905-5454-42B7-83F2-19A8D8C4EF66}" sibTransId="{7C39B5D2-7844-4E4D-89F3-779BA26EF64F}"/>
+    <dgm:cxn modelId="{753AA59F-2CC5-41A8-99E5-B12661A59EF0}" type="presOf" srcId="{FBDE90EE-62F2-4CFF-B1CF-F7040EFC7481}" destId="{2636703E-17EB-4FD1-8A54-D447BEDF36AA}" srcOrd="1" destOrd="0" presId="urn:microsoft.com/office/officeart/2005/8/layout/vProcess5"/>
+    <dgm:cxn modelId="{476A0CC2-B6A2-4DEA-903A-A142D7E2E035}" type="presOf" srcId="{69E522E0-E7CA-4BE8-8512-EB3B5D3735ED}" destId="{EBC6CADB-DA92-400D-AFDC-7CBF7297C31B}" srcOrd="0" destOrd="0" presId="urn:microsoft.com/office/officeart/2005/8/layout/vProcess5"/>
+    <dgm:cxn modelId="{CE5BEAD4-65C2-458F-8005-A9960D06883D}" type="presOf" srcId="{5F7A6CAC-623D-42E2-AC70-91B67040EC78}" destId="{E0D6F353-E6F7-418F-9B55-CE9D8C3ABCCA}" srcOrd="1" destOrd="0" presId="urn:microsoft.com/office/officeart/2005/8/layout/vProcess5"/>
+    <dgm:cxn modelId="{A5326BFD-7E97-4656-A54E-4F103D8ACAC2}" type="presOf" srcId="{5F7A6CAC-623D-42E2-AC70-91B67040EC78}" destId="{BC26B8F9-6573-4CBB-9D46-7A112BED1427}" srcOrd="0" destOrd="0" presId="urn:microsoft.com/office/officeart/2005/8/layout/vProcess5"/>
+    <dgm:cxn modelId="{4FEDA272-2F26-4CA9-BBDE-8FBDB62386DA}" type="presParOf" srcId="{EBC6CADB-DA92-400D-AFDC-7CBF7297C31B}" destId="{AE981F55-9370-4B5B-A346-A8662FD4E35B}" srcOrd="0" destOrd="0" presId="urn:microsoft.com/office/officeart/2005/8/layout/vProcess5"/>
+    <dgm:cxn modelId="{55273147-3C38-453D-970D-044EC961C421}" type="presParOf" srcId="{EBC6CADB-DA92-400D-AFDC-7CBF7297C31B}" destId="{C435A2BE-8E50-4563-894A-819CA7C0FFA8}" srcOrd="1" destOrd="0" presId="urn:microsoft.com/office/officeart/2005/8/layout/vProcess5"/>
+    <dgm:cxn modelId="{6C0BC31F-5E09-4D19-8D17-4F5EA1F3AFF9}" type="presParOf" srcId="{EBC6CADB-DA92-400D-AFDC-7CBF7297C31B}" destId="{A293B819-D6FF-4D85-9542-C46746694BA6}" srcOrd="2" destOrd="0" presId="urn:microsoft.com/office/officeart/2005/8/layout/vProcess5"/>
+    <dgm:cxn modelId="{29F41A99-3387-49D9-A4FA-1475E46703CC}" type="presParOf" srcId="{EBC6CADB-DA92-400D-AFDC-7CBF7297C31B}" destId="{BC26B8F9-6573-4CBB-9D46-7A112BED1427}" srcOrd="3" destOrd="0" presId="urn:microsoft.com/office/officeart/2005/8/layout/vProcess5"/>
+    <dgm:cxn modelId="{5EF4654F-85BB-42E4-8A4B-B381C79B7C6B}" type="presParOf" srcId="{EBC6CADB-DA92-400D-AFDC-7CBF7297C31B}" destId="{AEF40E9A-AA19-403C-B2BE-0D07F471D666}" srcOrd="4" destOrd="0" presId="urn:microsoft.com/office/officeart/2005/8/layout/vProcess5"/>
+    <dgm:cxn modelId="{882328E2-E48F-422A-B6EE-115DD8739B23}" type="presParOf" srcId="{EBC6CADB-DA92-400D-AFDC-7CBF7297C31B}" destId="{3BACF125-3F53-4640-AFE7-15828F1AAA5D}" srcOrd="5" destOrd="0" presId="urn:microsoft.com/office/officeart/2005/8/layout/vProcess5"/>
+    <dgm:cxn modelId="{D4F9CE2C-728F-4C40-9906-84CAA05686E3}" type="presParOf" srcId="{EBC6CADB-DA92-400D-AFDC-7CBF7297C31B}" destId="{2636703E-17EB-4FD1-8A54-D447BEDF36AA}" srcOrd="6" destOrd="0" presId="urn:microsoft.com/office/officeart/2005/8/layout/vProcess5"/>
+    <dgm:cxn modelId="{1AEAF297-27CD-42A2-9998-4092C4C47583}" type="presParOf" srcId="{EBC6CADB-DA92-400D-AFDC-7CBF7297C31B}" destId="{0467CB0C-6949-4C75-AA2B-A03AF4E39FB2}" srcOrd="7" destOrd="0" presId="urn:microsoft.com/office/officeart/2005/8/layout/vProcess5"/>
+    <dgm:cxn modelId="{5BB3C265-672C-4162-815C-0144B2074CC6}" type="presParOf" srcId="{EBC6CADB-DA92-400D-AFDC-7CBF7297C31B}" destId="{E0D6F353-E6F7-418F-9B55-CE9D8C3ABCCA}" srcOrd="8" destOrd="0" presId="urn:microsoft.com/office/officeart/2005/8/layout/vProcess5"/>
+  </dgm:cxnLst>
+  <dgm:bg/>
+  <dgm:whole/>
+  <dgm:extLst>
+    <a:ext uri="http://schemas.microsoft.com/office/drawing/2008/diagram">
+      <dsp:dataModelExt xmlns:dsp="http://schemas.microsoft.com/office/drawing/2008/diagram" relId="rId8" minVer="http://schemas.openxmlformats.org/drawingml/2006/diagram"/>
+    </a:ext>
+  </dgm:extLst>
+</dgm:dataModel>
+</file>
+
+<file path=ppt/diagrams/drawing1.xml><?xml version="1.0" encoding="utf-8"?>
+<dsp:drawing xmlns:dgm="http://schemas.openxmlformats.org/drawingml/2006/diagram" xmlns:dsp="http://schemas.microsoft.com/office/drawing/2008/diagram" xmlns:a="http://schemas.openxmlformats.org/drawingml/2006/main">
+  <dsp:spTree>
+    <dsp:nvGrpSpPr>
+      <dsp:cNvPr id="0" name=""/>
+      <dsp:cNvGrpSpPr/>
+    </dsp:nvGrpSpPr>
+    <dsp:grpSpPr/>
+    <dsp:sp modelId="{C435A2BE-8E50-4563-894A-819CA7C0FFA8}">
+      <dsp:nvSpPr>
+        <dsp:cNvPr id="0" name=""/>
+        <dsp:cNvSpPr/>
+      </dsp:nvSpPr>
+      <dsp:spPr>
+        <a:xfrm>
+          <a:off x="0" y="0"/>
+          <a:ext cx="2790289" cy="1074420"/>
+        </a:xfrm>
+        <a:prstGeom prst="roundRect">
+          <a:avLst>
+            <a:gd name="adj" fmla="val 10000"/>
+          </a:avLst>
+        </a:prstGeom>
+        <a:gradFill rotWithShape="0">
+          <a:gsLst>
+            <a:gs pos="0">
+              <a:schemeClr val="accent2">
+                <a:hueOff val="0"/>
+                <a:satOff val="0"/>
+                <a:lumOff val="0"/>
+                <a:alphaOff val="0"/>
+                <a:tint val="94000"/>
+                <a:satMod val="103000"/>
+                <a:lumMod val="102000"/>
+              </a:schemeClr>
+            </a:gs>
+            <a:gs pos="50000">
+              <a:schemeClr val="accent2">
+                <a:hueOff val="0"/>
+                <a:satOff val="0"/>
+                <a:lumOff val="0"/>
+                <a:alphaOff val="0"/>
+                <a:shade val="100000"/>
+                <a:satMod val="110000"/>
+                <a:lumMod val="100000"/>
+              </a:schemeClr>
+            </a:gs>
+            <a:gs pos="100000">
+              <a:schemeClr val="accent2">
+                <a:hueOff val="0"/>
+                <a:satOff val="0"/>
+                <a:lumOff val="0"/>
+                <a:alphaOff val="0"/>
+                <a:shade val="78000"/>
+                <a:satMod val="120000"/>
+                <a:lumMod val="99000"/>
+              </a:schemeClr>
+            </a:gs>
+          </a:gsLst>
+          <a:lin ang="5400000" scaled="0"/>
+        </a:gradFill>
+        <a:ln>
+          <a:noFill/>
+        </a:ln>
+        <a:effectLst/>
+      </dsp:spPr>
+      <dsp:style>
+        <a:lnRef idx="0">
+          <a:scrgbClr r="0" g="0" b="0"/>
+        </a:lnRef>
+        <a:fillRef idx="3">
+          <a:scrgbClr r="0" g="0" b="0"/>
+        </a:fillRef>
+        <a:effectRef idx="2">
+          <a:scrgbClr r="0" g="0" b="0"/>
+        </a:effectRef>
+        <a:fontRef idx="minor">
+          <a:schemeClr val="lt1"/>
+        </a:fontRef>
+      </dsp:style>
+      <dsp:txBody>
+        <a:bodyPr spcFirstLastPara="0" vert="horz" wrap="square" lIns="95250" tIns="95250" rIns="95250" bIns="95250" numCol="1" spcCol="1270" anchor="ctr" anchorCtr="0">
+          <a:noAutofit/>
+        </a:bodyPr>
+        <a:lstStyle/>
+        <a:p>
+          <a:pPr marL="0" lvl="0" indent="0" algn="l" defTabSz="1111250">
+            <a:lnSpc>
+              <a:spcPct val="90000"/>
+            </a:lnSpc>
+            <a:spcBef>
+              <a:spcPct val="0"/>
+            </a:spcBef>
+            <a:spcAft>
+              <a:spcPct val="35000"/>
+            </a:spcAft>
+            <a:buNone/>
+          </a:pPr>
+          <a:r>
+            <a:rPr lang="en-US" sz="2500" kern="1200" dirty="0"/>
+            <a:t>Awareness</a:t>
+          </a:r>
+        </a:p>
+      </dsp:txBody>
+      <dsp:txXfrm>
+        <a:off x="31469" y="31469"/>
+        <a:ext cx="1630906" cy="1011482"/>
+      </dsp:txXfrm>
+    </dsp:sp>
+    <dsp:sp modelId="{A293B819-D6FF-4D85-9542-C46746694BA6}">
+      <dsp:nvSpPr>
+        <dsp:cNvPr id="0" name=""/>
+        <dsp:cNvSpPr/>
+      </dsp:nvSpPr>
+      <dsp:spPr>
+        <a:xfrm>
+          <a:off x="246202" y="1253489"/>
+          <a:ext cx="2790289" cy="1074420"/>
+        </a:xfrm>
+        <a:prstGeom prst="roundRect">
+          <a:avLst>
+            <a:gd name="adj" fmla="val 10000"/>
+          </a:avLst>
+        </a:prstGeom>
+        <a:gradFill rotWithShape="0">
+          <a:gsLst>
+            <a:gs pos="0">
+              <a:schemeClr val="accent2">
+                <a:hueOff val="-82827"/>
+                <a:satOff val="-27168"/>
+                <a:lumOff val="-9901"/>
+                <a:alphaOff val="0"/>
+                <a:tint val="94000"/>
+                <a:satMod val="103000"/>
+                <a:lumMod val="102000"/>
+              </a:schemeClr>
+            </a:gs>
+            <a:gs pos="50000">
+              <a:schemeClr val="accent2">
+                <a:hueOff val="-82827"/>
+                <a:satOff val="-27168"/>
+                <a:lumOff val="-9901"/>
+                <a:alphaOff val="0"/>
+                <a:shade val="100000"/>
+                <a:satMod val="110000"/>
+                <a:lumMod val="100000"/>
+              </a:schemeClr>
+            </a:gs>
+            <a:gs pos="100000">
+              <a:schemeClr val="accent2">
+                <a:hueOff val="-82827"/>
+                <a:satOff val="-27168"/>
+                <a:lumOff val="-9901"/>
+                <a:alphaOff val="0"/>
+                <a:shade val="78000"/>
+                <a:satMod val="120000"/>
+                <a:lumMod val="99000"/>
+              </a:schemeClr>
+            </a:gs>
+          </a:gsLst>
+          <a:lin ang="5400000" scaled="0"/>
+        </a:gradFill>
+        <a:ln>
+          <a:noFill/>
+        </a:ln>
+        <a:effectLst/>
+      </dsp:spPr>
+      <dsp:style>
+        <a:lnRef idx="0">
+          <a:scrgbClr r="0" g="0" b="0"/>
+        </a:lnRef>
+        <a:fillRef idx="3">
+          <a:scrgbClr r="0" g="0" b="0"/>
+        </a:fillRef>
+        <a:effectRef idx="2">
+          <a:scrgbClr r="0" g="0" b="0"/>
+        </a:effectRef>
+        <a:fontRef idx="minor">
+          <a:schemeClr val="lt1"/>
+        </a:fontRef>
+      </dsp:style>
+      <dsp:txBody>
+        <a:bodyPr spcFirstLastPara="0" vert="horz" wrap="square" lIns="95250" tIns="95250" rIns="95250" bIns="95250" numCol="1" spcCol="1270" anchor="ctr" anchorCtr="0">
+          <a:noAutofit/>
+        </a:bodyPr>
+        <a:lstStyle/>
+        <a:p>
+          <a:pPr marL="0" lvl="0" indent="0" algn="l" defTabSz="1111250">
+            <a:lnSpc>
+              <a:spcPct val="90000"/>
+            </a:lnSpc>
+            <a:spcBef>
+              <a:spcPct val="0"/>
+            </a:spcBef>
+            <a:spcAft>
+              <a:spcPct val="35000"/>
+            </a:spcAft>
+            <a:buNone/>
+          </a:pPr>
+          <a:r>
+            <a:rPr lang="en-US" sz="2500" kern="1200" dirty="0"/>
+            <a:t>Acceptance</a:t>
+          </a:r>
+        </a:p>
+      </dsp:txBody>
+      <dsp:txXfrm>
+        <a:off x="277671" y="1284958"/>
+        <a:ext cx="1782776" cy="1011482"/>
+      </dsp:txXfrm>
+    </dsp:sp>
+    <dsp:sp modelId="{BC26B8F9-6573-4CBB-9D46-7A112BED1427}">
+      <dsp:nvSpPr>
+        <dsp:cNvPr id="0" name=""/>
+        <dsp:cNvSpPr/>
+      </dsp:nvSpPr>
+      <dsp:spPr>
+        <a:xfrm>
+          <a:off x="492404" y="2506979"/>
+          <a:ext cx="2790289" cy="1074420"/>
+        </a:xfrm>
+        <a:prstGeom prst="roundRect">
+          <a:avLst>
+            <a:gd name="adj" fmla="val 10000"/>
+          </a:avLst>
+        </a:prstGeom>
+        <a:gradFill rotWithShape="0">
+          <a:gsLst>
+            <a:gs pos="0">
+              <a:schemeClr val="accent2">
+                <a:hueOff val="-165654"/>
+                <a:satOff val="-54335"/>
+                <a:lumOff val="-19803"/>
+                <a:alphaOff val="0"/>
+                <a:tint val="94000"/>
+                <a:satMod val="103000"/>
+                <a:lumMod val="102000"/>
+              </a:schemeClr>
+            </a:gs>
+            <a:gs pos="50000">
+              <a:schemeClr val="accent2">
+                <a:hueOff val="-165654"/>
+                <a:satOff val="-54335"/>
+                <a:lumOff val="-19803"/>
+                <a:alphaOff val="0"/>
+                <a:shade val="100000"/>
+                <a:satMod val="110000"/>
+                <a:lumMod val="100000"/>
+              </a:schemeClr>
+            </a:gs>
+            <a:gs pos="100000">
+              <a:schemeClr val="accent2">
+                <a:hueOff val="-165654"/>
+                <a:satOff val="-54335"/>
+                <a:lumOff val="-19803"/>
+                <a:alphaOff val="0"/>
+                <a:shade val="78000"/>
+                <a:satMod val="120000"/>
+                <a:lumMod val="99000"/>
+              </a:schemeClr>
+            </a:gs>
+          </a:gsLst>
+          <a:lin ang="5400000" scaled="0"/>
+        </a:gradFill>
+        <a:ln>
+          <a:noFill/>
+        </a:ln>
+        <a:effectLst/>
+      </dsp:spPr>
+      <dsp:style>
+        <a:lnRef idx="0">
+          <a:scrgbClr r="0" g="0" b="0"/>
+        </a:lnRef>
+        <a:fillRef idx="3">
+          <a:scrgbClr r="0" g="0" b="0"/>
+        </a:fillRef>
+        <a:effectRef idx="2">
+          <a:scrgbClr r="0" g="0" b="0"/>
+        </a:effectRef>
+        <a:fontRef idx="minor">
+          <a:schemeClr val="lt1"/>
+        </a:fontRef>
+      </dsp:style>
+      <dsp:txBody>
+        <a:bodyPr spcFirstLastPara="0" vert="horz" wrap="square" lIns="95250" tIns="95250" rIns="95250" bIns="95250" numCol="1" spcCol="1270" anchor="ctr" anchorCtr="0">
+          <a:noAutofit/>
+        </a:bodyPr>
+        <a:lstStyle/>
+        <a:p>
+          <a:pPr marL="0" lvl="0" indent="0" algn="l" defTabSz="1111250">
+            <a:lnSpc>
+              <a:spcPct val="90000"/>
+            </a:lnSpc>
+            <a:spcBef>
+              <a:spcPct val="0"/>
+            </a:spcBef>
+            <a:spcAft>
+              <a:spcPct val="35000"/>
+            </a:spcAft>
+            <a:buNone/>
+          </a:pPr>
+          <a:r>
+            <a:rPr lang="en-US" sz="2500" kern="1200" dirty="0"/>
+            <a:t>Adoption</a:t>
+          </a:r>
+        </a:p>
+      </dsp:txBody>
+      <dsp:txXfrm>
+        <a:off x="523873" y="2538448"/>
+        <a:ext cx="1782776" cy="1011482"/>
+      </dsp:txXfrm>
+    </dsp:sp>
+    <dsp:sp modelId="{AEF40E9A-AA19-403C-B2BE-0D07F471D666}">
+      <dsp:nvSpPr>
+        <dsp:cNvPr id="0" name=""/>
+        <dsp:cNvSpPr/>
+      </dsp:nvSpPr>
+      <dsp:spPr>
+        <a:xfrm>
+          <a:off x="2091916" y="814768"/>
+          <a:ext cx="698373" cy="698373"/>
+        </a:xfrm>
+        <a:prstGeom prst="downArrow">
+          <a:avLst>
+            <a:gd name="adj1" fmla="val 55000"/>
+            <a:gd name="adj2" fmla="val 45000"/>
+          </a:avLst>
+        </a:prstGeom>
+        <a:solidFill>
+          <a:schemeClr val="accent2">
+            <a:tint val="40000"/>
+            <a:alpha val="90000"/>
+            <a:hueOff val="0"/>
+            <a:satOff val="0"/>
+            <a:lumOff val="0"/>
+            <a:alphaOff val="0"/>
+          </a:schemeClr>
+        </a:solidFill>
+        <a:ln w="6350" cap="flat" cmpd="sng" algn="in">
+          <a:solidFill>
+            <a:schemeClr val="accent2">
+              <a:tint val="40000"/>
+              <a:alpha val="90000"/>
+              <a:hueOff val="0"/>
+              <a:satOff val="0"/>
+              <a:lumOff val="0"/>
+              <a:alphaOff val="0"/>
+            </a:schemeClr>
+          </a:solidFill>
+          <a:prstDash val="solid"/>
+        </a:ln>
+        <a:effectLst/>
+      </dsp:spPr>
+      <dsp:style>
+        <a:lnRef idx="1">
+          <a:scrgbClr r="0" g="0" b="0"/>
+        </a:lnRef>
+        <a:fillRef idx="1">
+          <a:scrgbClr r="0" g="0" b="0"/>
+        </a:fillRef>
+        <a:effectRef idx="0">
+          <a:scrgbClr r="0" g="0" b="0"/>
+        </a:effectRef>
+        <a:fontRef idx="minor"/>
+      </dsp:style>
+      <dsp:txBody>
+        <a:bodyPr spcFirstLastPara="0" vert="horz" wrap="square" lIns="41910" tIns="41910" rIns="41910" bIns="41910" numCol="1" spcCol="1270" anchor="ctr" anchorCtr="0">
+          <a:noAutofit/>
+        </a:bodyPr>
+        <a:lstStyle/>
+        <a:p>
+          <a:pPr marL="0" lvl="0" indent="0" algn="ctr" defTabSz="1466850">
+            <a:lnSpc>
+              <a:spcPct val="90000"/>
+            </a:lnSpc>
+            <a:spcBef>
+              <a:spcPct val="0"/>
+            </a:spcBef>
+            <a:spcAft>
+              <a:spcPct val="35000"/>
+            </a:spcAft>
+            <a:buNone/>
+          </a:pPr>
+          <a:endParaRPr lang="en-US" sz="3300" kern="1200"/>
+        </a:p>
+      </dsp:txBody>
+      <dsp:txXfrm>
+        <a:off x="2249050" y="814768"/>
+        <a:ext cx="384105" cy="525526"/>
+      </dsp:txXfrm>
+    </dsp:sp>
+    <dsp:sp modelId="{3BACF125-3F53-4640-AFE7-15828F1AAA5D}">
+      <dsp:nvSpPr>
+        <dsp:cNvPr id="0" name=""/>
+        <dsp:cNvSpPr/>
+      </dsp:nvSpPr>
+      <dsp:spPr>
+        <a:xfrm>
+          <a:off x="2338118" y="2061095"/>
+          <a:ext cx="698373" cy="698373"/>
+        </a:xfrm>
+        <a:prstGeom prst="downArrow">
+          <a:avLst>
+            <a:gd name="adj1" fmla="val 55000"/>
+            <a:gd name="adj2" fmla="val 45000"/>
+          </a:avLst>
+        </a:prstGeom>
+        <a:solidFill>
+          <a:schemeClr val="accent2">
+            <a:tint val="40000"/>
+            <a:alpha val="90000"/>
+            <a:hueOff val="-35823"/>
+            <a:satOff val="-54667"/>
+            <a:lumOff val="-5646"/>
+            <a:alphaOff val="0"/>
+          </a:schemeClr>
+        </a:solidFill>
+        <a:ln w="6350" cap="flat" cmpd="sng" algn="in">
+          <a:solidFill>
+            <a:schemeClr val="accent2">
+              <a:tint val="40000"/>
+              <a:alpha val="90000"/>
+              <a:hueOff val="-35823"/>
+              <a:satOff val="-54667"/>
+              <a:lumOff val="-5646"/>
+              <a:alphaOff val="0"/>
+            </a:schemeClr>
+          </a:solidFill>
+          <a:prstDash val="solid"/>
+        </a:ln>
+        <a:effectLst/>
+      </dsp:spPr>
+      <dsp:style>
+        <a:lnRef idx="1">
+          <a:scrgbClr r="0" g="0" b="0"/>
+        </a:lnRef>
+        <a:fillRef idx="1">
+          <a:scrgbClr r="0" g="0" b="0"/>
+        </a:fillRef>
+        <a:effectRef idx="0">
+          <a:scrgbClr r="0" g="0" b="0"/>
+        </a:effectRef>
+        <a:fontRef idx="minor"/>
+      </dsp:style>
+      <dsp:txBody>
+        <a:bodyPr spcFirstLastPara="0" vert="horz" wrap="square" lIns="41910" tIns="41910" rIns="41910" bIns="41910" numCol="1" spcCol="1270" anchor="ctr" anchorCtr="0">
+          <a:noAutofit/>
+        </a:bodyPr>
+        <a:lstStyle/>
+        <a:p>
+          <a:pPr marL="0" lvl="0" indent="0" algn="ctr" defTabSz="1466850">
+            <a:lnSpc>
+              <a:spcPct val="90000"/>
+            </a:lnSpc>
+            <a:spcBef>
+              <a:spcPct val="0"/>
+            </a:spcBef>
+            <a:spcAft>
+              <a:spcPct val="35000"/>
+            </a:spcAft>
+            <a:buNone/>
+          </a:pPr>
+          <a:endParaRPr lang="en-US" sz="3300" kern="1200"/>
+        </a:p>
+      </dsp:txBody>
+      <dsp:txXfrm>
+        <a:off x="2495252" y="2061095"/>
+        <a:ext cx="384105" cy="525526"/>
+      </dsp:txXfrm>
+    </dsp:sp>
+  </dsp:spTree>
+</dsp:drawing>
+</file>
+
+<file path=ppt/diagrams/layout1.xml><?xml version="1.0" encoding="utf-8"?>
+<dgm:layoutDef xmlns:dgm="http://schemas.openxmlformats.org/drawingml/2006/diagram" xmlns:a="http://schemas.openxmlformats.org/drawingml/2006/main" uniqueId="urn:microsoft.com/office/officeart/2005/8/layout/vProcess5">
+  <dgm:title val=""/>
+  <dgm:desc val=""/>
+  <dgm:catLst>
+    <dgm:cat type="process" pri="14000"/>
+  </dgm:catLst>
+  <dgm:sampData>
+    <dgm:dataModel>
+      <dgm:ptLst>
+        <dgm:pt modelId="0" type="doc"/>
+        <dgm:pt modelId="1">
+          <dgm:prSet phldr="1"/>
+        </dgm:pt>
+        <dgm:pt modelId="2">
+          <dgm:prSet phldr="1"/>
+        </dgm:pt>
+        <dgm:pt modelId="3">
+          <dgm:prSet phldr="1"/>
+        </dgm:pt>
+      </dgm:ptLst>
+      <dgm:cxnLst>
+        <dgm:cxn modelId="5" srcId="0" destId="1" srcOrd="0" destOrd="0"/>
+        <dgm:cxn modelId="6" srcId="0" destId="2" srcOrd="1" destOrd="0"/>
+        <dgm:cxn modelId="7" srcId="0" destId="3" srcOrd="2" destOrd="0"/>
+      </dgm:cxnLst>
+      <dgm:bg/>
+      <dgm:whole/>
+    </dgm:dataModel>
+  </dgm:sampData>
+  <dgm:styleData>
+    <dgm:dataModel>
+      <dgm:ptLst>
+        <dgm:pt modelId="0" type="doc"/>
+        <dgm:pt modelId="1"/>
+        <dgm:pt modelId="2"/>
+      </dgm:ptLst>
+      <dgm:cxnLst>
+        <dgm:cxn modelId="3" srcId="0" destId="1" srcOrd="0" destOrd="0"/>
+        <dgm:cxn modelId="4" srcId="0" destId="2" srcOrd="1" destOrd="0"/>
+      </dgm:cxnLst>
+      <dgm:bg/>
+      <dgm:whole/>
+    </dgm:dataModel>
+  </dgm:styleData>
+  <dgm:clrData>
+    <dgm:dataModel>
+      <dgm:ptLst>
+        <dgm:pt modelId="0" type="doc"/>
+        <dgm:pt modelId="1"/>
+        <dgm:pt modelId="2"/>
+        <dgm:pt modelId="3"/>
+        <dgm:pt modelId="4"/>
+      </dgm:ptLst>
+      <dgm:cxnLst>
+        <dgm:cxn modelId="6" srcId="0" destId="1" srcOrd="0" destOrd="0"/>
+        <dgm:cxn modelId="7" srcId="0" destId="2" srcOrd="1" destOrd="0"/>
+        <dgm:cxn modelId="8" srcId="0" destId="3" srcOrd="2" destOrd="0"/>
+        <dgm:cxn modelId="9" srcId="0" destId="4" srcOrd="3" destOrd="0"/>
+      </dgm:cxnLst>
+      <dgm:bg/>
+      <dgm:whole/>
+    </dgm:dataModel>
+  </dgm:clrData>
+  <dgm:layoutNode name="outerComposite">
+    <dgm:varLst>
+      <dgm:chMax val="5"/>
+      <dgm:dir/>
+      <dgm:resizeHandles val="exact"/>
+    </dgm:varLst>
+    <dgm:alg type="composite"/>
+    <dgm:shape xmlns:r="http://schemas.openxmlformats.org/officeDocument/2006/relationships" r:blip="">
+      <dgm:adjLst/>
+    </dgm:shape>
+    <dgm:presOf/>
+    <dgm:choose name="Name0">
+      <dgm:if name="Name1" func="var" arg="dir" op="equ" val="norm">
+        <dgm:constrLst>
+          <dgm:constr type="primFontSz" for="ch" ptType="node" op="equ" val="65"/>
+          <dgm:constr type="w" for="ch" forName="dummyMaxCanvas" refType="w"/>
+          <dgm:constr type="h" for="ch" forName="dummyMaxCanvas" refType="h"/>
+          <dgm:constr type="w" for="ch" forName="OneNode_1" refType="w"/>
+          <dgm:constr type="h" for="ch" forName="OneNode_1" refType="h" fact="0.5"/>
+          <dgm:constr type="ctrY" for="ch" forName="OneNode_1" refType="h" fact="0.5"/>
+          <dgm:constr type="w" for="ch" forName="TwoNodes_1" refType="w" fact="0.85"/>
+          <dgm:constr type="h" for="ch" forName="TwoNodes_1" refType="h" fact="0.45"/>
+          <dgm:constr type="t" for="ch" forName="TwoNodes_1"/>
+          <dgm:constr type="l" for="ch" forName="TwoNodes_1"/>
+          <dgm:constr type="w" for="ch" forName="TwoNodes_2" refType="w" fact="0.85"/>
+          <dgm:constr type="h" for="ch" forName="TwoNodes_2" refType="h" fact="0.45"/>
+          <dgm:constr type="b" for="ch" forName="TwoNodes_2" refType="h"/>
+          <dgm:constr type="r" for="ch" forName="TwoNodes_2" refType="w"/>
+          <dgm:constr type="w" for="ch" forName="TwoConn_1-2" refType="h" refFor="ch" refForName="TwoNodes_1" fact="0.65"/>
+          <dgm:constr type="h" for="ch" forName="TwoConn_1-2" refType="h" refFor="ch" refForName="TwoNodes_1" fact="0.65"/>
+          <dgm:constr type="ctrY" for="ch" forName="TwoConn_1-2" refType="h" fact="0.5"/>
+          <dgm:constr type="r" for="ch" forName="TwoConn_1-2" refType="r" refFor="ch" refForName="TwoNodes_1"/>
+          <dgm:constr type="r" for="ch" forName="TwoNodes_1_text" refType="l" refFor="ch" refForName="TwoConn_1-2"/>
+          <dgm:constr type="rOff" for="ch" forName="TwoNodes_1_text" refType="w" refFor="ch" refForName="TwoConn_1-2" fact="-0.5"/>
+          <dgm:constr type="t" for="ch" forName="TwoNodes_1_text" refType="t" refFor="ch" refForName="TwoNodes_1"/>
+          <dgm:constr type="b" for="ch" forName="TwoNodes_1_text" refType="b" refFor="ch" refForName="TwoNodes_1"/>
+          <dgm:constr type="l" for="ch" forName="TwoNodes_1_text" refType="l" refFor="ch" refForName="TwoNodes_1"/>
+          <dgm:constr type="r" for="ch" forName="TwoNodes_2_text" refType="l" refFor="ch" refForName="TwoConn_1-2"/>
+          <dgm:constr type="t" for="ch" forName="TwoNodes_2_text" refType="t" refFor="ch" refForName="TwoNodes_2"/>
+          <dgm:constr type="b" for="ch" forName="TwoNodes_2_text" refType="b" refFor="ch" refForName="TwoNodes_2"/>
+          <dgm:constr type="l" for="ch" forName="TwoNodes_2_text" refType="l" refFor="ch" refForName="TwoNodes_2"/>
+          <dgm:constr type="w" for="ch" forName="ThreeNodes_1" refType="w" fact="0.85"/>
+          <dgm:constr type="h" for="ch" forName="ThreeNodes_1" refType="h" fact="0.3"/>
+          <dgm:constr type="t" for="ch" forName="ThreeNodes_1"/>
+          <dgm:constr type="l" for="ch" forName="ThreeNodes_1"/>
+          <dgm:constr type="w" for="ch" forName="ThreeNodes_2" refType="w" fact="0.85"/>
+          <dgm:constr type="h" for="ch" forName="ThreeNodes_2" refType="h" fact="0.3"/>
+          <dgm:constr type="ctrY" for="ch" forName="ThreeNodes_2" refType="h" fact="0.5"/>
+          <dgm:constr type="ctrX" for="ch" forName="ThreeNodes_2" refType="w" fact="0.5"/>
+          <dgm:constr type="w" for="ch" forName="ThreeNodes_3" refType="w" fact="0.85"/>
+          <dgm:constr type="h" for="ch" forName="ThreeNodes_3" refType="h" fact="0.3"/>
+          <dgm:constr type="b" for="ch" forName="ThreeNodes_3" refType="h"/>
+          <dgm:constr type="r" for="ch" forName="ThreeNodes_3" refType="w"/>
+          <dgm:constr type="w" for="ch" forName="ThreeConn_1-2" refType="h" refFor="ch" refForName="ThreeNodes_1" fact="0.65"/>
+          <dgm:constr type="h" for="ch" forName="ThreeConn_1-2" refType="h" refFor="ch" refForName="ThreeNodes_1" fact="0.65"/>
+          <dgm:constr type="ctrY" for="ch" forName="ThreeConn_1-2" refType="h" fact="0.325"/>
+          <dgm:constr type="r" for="ch" forName="ThreeConn_1-2" refType="r" refFor="ch" refForName="ThreeNodes_1"/>
+          <dgm:constr type="w" for="ch" forName="ThreeConn_2-3" refType="h" refFor="ch" refForName="ThreeNodes_2" fact="0.65"/>
+          <dgm:constr type="h" for="ch" forName="ThreeConn_2-3" refType="h" refFor="ch" refForName="ThreeNodes_2" fact="0.65"/>
+          <dgm:constr type="ctrY" for="ch" forName="ThreeConn_2-3" refType="h" fact="0.673"/>
+          <dgm:constr type="r" for="ch" forName="ThreeConn_2-3" refType="r" refFor="ch" refForName="ThreeNodes_2"/>
+          <dgm:constr type="r" for="ch" forName="ThreeNodes_1_text" refType="l" refFor="ch" refForName="ThreeConn_1-2"/>
+          <dgm:constr type="rOff" for="ch" forName="ThreeNodes_1_text" refType="w" refFor="ch" refForName="ThreeConn_1-2" fact="-0.57"/>
+          <dgm:constr type="t" for="ch" forName="ThreeNodes_1_text" refType="t" refFor="ch" refForName="ThreeNodes_1"/>
+          <dgm:constr type="b" for="ch" forName="ThreeNodes_1_text" refType="b" refFor="ch" refForName="ThreeNodes_1"/>
+          <dgm:constr type="l" for="ch" forName="ThreeNodes_1_text" refType="l" refFor="ch" refForName="ThreeNodes_1"/>
+          <dgm:constr type="r" for="ch" forName="ThreeNodes_2_text" refType="l" refFor="ch" refForName="ThreeConn_1-2"/>
+          <dgm:constr type="t" for="ch" forName="ThreeNodes_2_text" refType="t" refFor="ch" refForName="ThreeNodes_2"/>
+          <dgm:constr type="b" for="ch" forName="ThreeNodes_2_text" refType="b" refFor="ch" refForName="ThreeNodes_2"/>
+          <dgm:constr type="l" for="ch" forName="ThreeNodes_2_text" refType="l" refFor="ch" refForName="ThreeNodes_2"/>
+          <dgm:constr type="r" for="ch" forName="ThreeNodes_3_text" refType="l" refFor="ch" refForName="ThreeConn_2-3"/>
+          <dgm:constr type="t" for="ch" forName="ThreeNodes_3_text" refType="t" refFor="ch" refForName="ThreeNodes_3"/>
+          <dgm:constr type="b" for="ch" forName="ThreeNodes_3_text" refType="b" refFor="ch" refForName="ThreeNodes_3"/>
+          <dgm:constr type="l" for="ch" forName="ThreeNodes_3_text" refType="l" refFor="ch" refForName="ThreeNodes_3"/>
+          <dgm:constr type="w" for="ch" forName="FourNodes_1" refType="w" fact="0.8"/>
+          <dgm:constr type="h" for="ch" forName="FourNodes_1" refType="h" fact="0.22"/>
+          <dgm:constr type="t" for="ch" forName="FourNodes_1"/>
+          <dgm:constr type="l" for="ch" forName="FourNodes_1"/>
+          <dgm:constr type="w" for="ch" forName="FourNodes_2" refType="w" fact="0.8"/>
+          <dgm:constr type="h" for="ch" forName="FourNodes_2" refType="h" fact="0.22"/>
+          <dgm:constr type="ctrY" for="ch" forName="FourNodes_2" refType="h" fact="0.37"/>
+          <dgm:constr type="ctrX" for="ch" forName="FourNodes_2" refType="w" fact="0.467"/>
+          <dgm:constr type="w" for="ch" forName="FourNodes_3" refType="w" fact="0.8"/>
+          <dgm:constr type="h" for="ch" forName="FourNodes_3" refType="h" fact="0.22"/>
+          <dgm:constr type="ctrY" for="ch" forName="FourNodes_3" refType="h" fact="0.63"/>
+          <dgm:constr type="ctrX" for="ch" forName="FourNodes_3" refType="w" fact="0.533"/>
+          <dgm:constr type="w" for="ch" forName="FourNodes_4" refType="w" fact="0.8"/>
+          <dgm:constr type="h" for="ch" forName="FourNodes_4" refType="h" fact="0.22"/>
+          <dgm:constr type="b" for="ch" forName="FourNodes_4" refType="h"/>
+          <dgm:constr type="r" for="ch" forName="FourNodes_4" refType="w"/>
+          <dgm:constr type="w" for="ch" forName="FourConn_1-2" refType="h" refFor="ch" refForName="FourNodes_1" fact="0.65"/>
+          <dgm:constr type="h" for="ch" forName="FourConn_1-2" refType="h" refFor="ch" refForName="FourNodes_1" fact="0.65"/>
+          <dgm:constr type="ctrY" for="ch" forName="FourConn_1-2" refType="h" fact="0.24"/>
+          <dgm:constr type="r" for="ch" forName="FourConn_1-2" refType="r" refFor="ch" refForName="FourNodes_1"/>
+          <dgm:constr type="w" for="ch" forName="FourConn_2-3" refType="h" refFor="ch" refForName="FourNodes_2" fact="0.65"/>
+          <dgm:constr type="h" for="ch" forName="FourConn_2-3" refType="h" refFor="ch" refForName="FourNodes_2" fact="0.65"/>
+          <dgm:constr type="ctrY" for="ch" forName="FourConn_2-3" refType="h" fact="0.5"/>
+          <dgm:constr type="r" for="ch" forName="FourConn_2-3" refType="r" refFor="ch" refForName="FourNodes_2"/>
+          <dgm:constr type="w" for="ch" forName="FourConn_3-4" refType="h" refFor="ch" refForName="FourNodes_3" fact="0.65"/>
+          <dgm:constr type="h" for="ch" forName="FourConn_3-4" refType="h" refFor="ch" refForName="FourNodes_3" fact="0.65"/>
+          <dgm:constr type="ctrY" for="ch" forName="FourConn_3-4" refType="h" fact="0.76"/>
+          <dgm:constr type="r" for="ch" forName="FourConn_3-4" refType="r" refFor="ch" refForName="FourNodes_3"/>
+          <dgm:constr type="r" for="ch" forName="FourNodes_1_text" refType="l" refFor="ch" refForName="FourConn_1-2"/>
+          <dgm:constr type="rOff" for="ch" forName="FourNodes_1_text" refType="w" refFor="ch" refForName="FourConn_1-2" fact="-0.7"/>
+          <dgm:constr type="t" for="ch" forName="FourNodes_1_text" refType="t" refFor="ch" refForName="FourNodes_1"/>
+          <dgm:constr type="b" for="ch" forName="FourNodes_1_text" refType="b" refFor="ch" refForName="FourNodes_1"/>
+          <dgm:constr type="l" for="ch" forName="FourNodes_1_text" refType="l" refFor="ch" refForName="FourNodes_1"/>
+          <dgm:constr type="r" for="ch" forName="FourNodes_2_text" refType="l" refFor="ch" refForName="FourConn_1-2"/>
+          <dgm:constr type="t" for="ch" forName="FourNodes_2_text" refType="t" refFor="ch" refForName="FourNodes_2"/>
+          <dgm:constr type="b" for="ch" forName="FourNodes_2_text" refType="b" refFor="ch" refForName="FourNodes_2"/>
+          <dgm:constr type="l" for="ch" forName="FourNodes_2_text" refType="l" refFor="ch" refForName="FourNodes_2"/>
+          <dgm:constr type="r" for="ch" forName="FourNodes_3_text" refType="l" refFor="ch" refForName="FourConn_2-3"/>
+          <dgm:constr type="t" for="ch" forName="FourNodes_3_text" refType="t" refFor="ch" refForName="FourNodes_3"/>
+          <dgm:constr type="b" for="ch" forName="FourNodes_3_text" refType="b" refFor="ch" refForName="FourNodes_3"/>
+          <dgm:constr type="l" for="ch" forName="FourNodes_3_text" refType="l" refFor="ch" refForName="FourNodes_3"/>
+          <dgm:constr type="r" for="ch" forName="FourNodes_4_text" refType="l" refFor="ch" refForName="FourConn_3-4"/>
+          <dgm:constr type="t" for="ch" forName="FourNodes_4_text" refType="t" refFor="ch" refForName="FourNodes_4"/>
+          <dgm:constr type="b" for="ch" forName="FourNodes_4_text" refType="b" refFor="ch" refForName="FourNodes_4"/>
+          <dgm:constr type="l" for="ch" forName="FourNodes_4_text" refType="l" refFor="ch" refForName="FourNodes_4"/>
+          <dgm:constr type="w" for="ch" forName="FiveNodes_1" refType="w" fact="0.77"/>
+          <dgm:constr type="h" for="ch" forName="FiveNodes_1" refType="h" fact="0.18"/>
+          <dgm:constr type="t" for="ch" forName="FiveNodes_1"/>
+          <dgm:constr type="l" for="ch" forName="FiveNodes_1"/>
+          <dgm:constr type="w" for="ch" forName="FiveNodes_2" refType="w" fact="0.77"/>
+          <dgm:constr type="h" for="ch" forName="FiveNodes_2" refType="h" fact="0.18"/>
+          <dgm:constr type="ctrY" for="ch" forName="FiveNodes_2" refType="h" fact="0.295"/>
+          <dgm:constr type="ctrX" for="ch" forName="FiveNodes_2" refType="w" fact="0.4425"/>
+          <dgm:constr type="w" for="ch" forName="FiveNodes_3" refType="w" fact="0.77"/>
+          <dgm:constr type="h" for="ch" forName="FiveNodes_3" refType="h" fact="0.18"/>
+          <dgm:constr type="ctrY" for="ch" forName="FiveNodes_3" refType="h" fact="0.5"/>
+          <dgm:constr type="ctrX" for="ch" forName="FiveNodes_3" refType="w" fact="0.5"/>
+          <dgm:constr type="w" for="ch" forName="FiveNodes_4" refType="w" fact="0.77"/>
+          <dgm:constr type="h" for="ch" forName="FiveNodes_4" refType="h" fact="0.18"/>
+          <dgm:constr type="ctrY" for="ch" forName="FiveNodes_4" refType="h" fact="0.705"/>
+          <dgm:constr type="ctrX" for="ch" forName="FiveNodes_4" refType="w" fact="0.5575"/>
+          <dgm:constr type="w" for="ch" forName="FiveNodes_5" refType="w" fact="0.77"/>
+          <dgm:constr type="h" for="ch" forName="FiveNodes_5" refType="h" fact="0.18"/>
+          <dgm:constr type="b" for="ch" forName="FiveNodes_5" refType="h"/>
+          <dgm:constr type="r" for="ch" forName="FiveNodes_5" refType="w"/>
+          <dgm:constr type="w" for="ch" forName="FiveConn_1-2" refType="h" refFor="ch" refForName="FiveNodes_1" fact="0.65"/>
+          <dgm:constr type="h" for="ch" forName="FiveConn_1-2" refType="h" refFor="ch" refForName="FiveNodes_1" fact="0.65"/>
+          <dgm:constr type="ctrY" for="ch" forName="FiveConn_1-2" refType="h" fact="0.19"/>
+          <dgm:constr type="r" for="ch" forName="FiveConn_1-2" refType="r" refFor="ch" refForName="FiveNodes_1"/>
+          <dgm:constr type="w" for="ch" forName="FiveConn_2-3" refType="h" refFor="ch" refForName="FiveNodes_2" fact="0.65"/>
+          <dgm:constr type="h" for="ch" forName="FiveConn_2-3" refType="h" refFor="ch" refForName="FiveNodes_2" fact="0.65"/>
+          <dgm:constr type="ctrY" for="ch" forName="FiveConn_2-3" refType="h" fact="0.395"/>
+          <dgm:constr type="r" for="ch" forName="FiveConn_2-3" refType="r" refFor="ch" refForName="FiveNodes_2"/>
+          <dgm:constr type="w" for="ch" forName="FiveConn_3-4" refType="h" refFor="ch" refForName="FiveNodes_3" fact="0.65"/>
+          <dgm:constr type="h" for="ch" forName="FiveConn_3-4" refType="h" refFor="ch" refForName="FiveNodes_3" fact="0.65"/>
+          <dgm:constr type="ctrY" for="ch" forName="FiveConn_3-4" refType="h" fact="0.597"/>
+          <dgm:constr type="r" for="ch" forName="FiveConn_3-4" refType="r" refFor="ch" refForName="FiveNodes_3"/>
+          <dgm:constr type="w" for="ch" forName="FiveConn_4-5" refType="h" refFor="ch" refForName="FiveNodes_4" fact="0.65"/>
+          <dgm:constr type="h" for="ch" forName="FiveConn_4-5" refType="h" refFor="ch" refForName="FiveNodes_4" fact="0.65"/>
+          <dgm:constr type="ctrY" for="ch" forName="FiveConn_4-5" refType="h" fact="0.804"/>
+          <dgm:constr type="r" for="ch" forName="FiveConn_4-5" refType="r" refFor="ch" refForName="FiveNodes_4"/>
+          <dgm:constr type="r" for="ch" forName="FiveNodes_1_text" refType="l" refFor="ch" refForName="FiveConn_1-2"/>
+          <dgm:constr type="rOff" for="ch" forName="FiveNodes_1_text" refType="w" refFor="ch" refForName="FiveConn_1-2" fact="-0.75"/>
+          <dgm:constr type="t" for="ch" forName="FiveNodes_1_text" refType="t" refFor="ch" refForName="FiveNodes_1"/>
+          <dgm:constr type="b" for="ch" forName="FiveNodes_1_text" refType="b" refFor="ch" refForName="FiveNodes_1"/>
+          <dgm:constr type="l" for="ch" forName="FiveNodes_1_text" refType="l" refFor="ch" refForName="FiveNodes_1"/>
+          <dgm:constr type="r" for="ch" forName="FiveNodes_2_text" refType="l" refFor="ch" refForName="FiveConn_1-2"/>
+          <dgm:constr type="t" for="ch" forName="FiveNodes_2_text" refType="t" refFor="ch" refForName="FiveNodes_2"/>
+          <dgm:constr type="b" for="ch" forName="FiveNodes_2_text" refType="b" refFor="ch" refForName="FiveNodes_2"/>
+          <dgm:constr type="l" for="ch" forName="FiveNodes_2_text" refType="l" refFor="ch" refForName="FiveNodes_2"/>
+          <dgm:constr type="r" for="ch" forName="FiveNodes_3_text" refType="l" refFor="ch" refForName="FiveConn_2-3"/>
+          <dgm:constr type="t" for="ch" forName="FiveNodes_3_text" refType="t" refFor="ch" refForName="FiveNodes_3"/>
+          <dgm:constr type="b" for="ch" forName="FiveNodes_3_text" refType="b" refFor="ch" refForName="FiveNodes_3"/>
+          <dgm:constr type="l" for="ch" forName="FiveNodes_3_text" refType="l" refFor="ch" refForName="FiveNodes_3"/>
+          <dgm:constr type="r" for="ch" forName="FiveNodes_4_text" refType="l" refFor="ch" refForName="FiveConn_3-4"/>
+          <dgm:constr type="t" for="ch" forName="FiveNodes_4_text" refType="t" refFor="ch" refForName="FiveNodes_4"/>
+          <dgm:constr type="b" for="ch" forName="FiveNodes_4_text" refType="b" refFor="ch" refForName="FiveNodes_4"/>
+          <dgm:constr type="l" for="ch" forName="FiveNodes_4_text" refType="l" refFor="ch" refForName="FiveNodes_4"/>
+          <dgm:constr type="r" for="ch" forName="FiveNodes_5_text" refType="l" refFor="ch" refForName="FiveConn_4-5"/>
+          <dgm:constr type="t" for="ch" forName="FiveNodes_5_text" refType="t" refFor="ch" refForName="FiveNodes_5"/>
+          <dgm:constr type="b" for="ch" forName="FiveNodes_5_text" refType="b" refFor="ch" refForName="FiveNodes_5"/>
+          <dgm:constr type="l" for="ch" forName="FiveNodes_5_text" refType="l" refFor="ch" refForName="FiveNodes_5"/>
+        </dgm:constrLst>
+      </dgm:if>
+      <dgm:else name="Name2">
+        <dgm:constrLst>
+          <dgm:constr type="primFontSz" for="ch" ptType="node" op="equ" val="65"/>
+          <dgm:constr type="w" for="ch" forName="dummyMaxCanvas" refType="w"/>
+          <dgm:constr type="h" for="ch" forName="dummyMaxCanvas" refType="h"/>
+          <dgm:constr type="w" for="ch" forName="OneNode_1" refType="w"/>
+          <dgm:constr type="h" for="ch" forName="OneNode_1" refType="h" fact="0.5"/>
+          <dgm:constr type="ctrY" for="ch" forName="OneNode_1" refType="h" fact="0.5"/>
+          <dgm:constr type="w" for="ch" forName="TwoNodes_1" refType="w" fact="0.85"/>
+          <dgm:constr type="h" for="ch" forName="TwoNodes_1" refType="h" fact="0.45"/>
+          <dgm:constr type="t" for="ch" forName="TwoNodes_1"/>
+          <dgm:constr type="r" for="ch" forName="TwoNodes_1" refType="w"/>
+          <dgm:constr type="w" for="ch" forName="TwoNodes_2" refType="w" fact="0.85"/>
+          <dgm:constr type="h" for="ch" forName="TwoNodes_2" refType="h" fact="0.45"/>
+          <dgm:constr type="b" for="ch" forName="TwoNodes_2" refType="h"/>
+          <dgm:constr type="l" for="ch" forName="TwoNodes_2"/>
+          <dgm:constr type="w" for="ch" forName="TwoConn_1-2" refType="h" refFor="ch" refForName="TwoNodes_1" fact="0.65"/>
+          <dgm:constr type="h" for="ch" forName="TwoConn_1-2" refType="h" refFor="ch" refForName="TwoNodes_1" fact="0.65"/>
+          <dgm:constr type="ctrY" for="ch" forName="TwoConn_1-2" refType="h" fact="0.5"/>
+          <dgm:constr type="l" for="ch" forName="TwoConn_1-2" refType="l" refFor="ch" refForName="TwoNodes_1"/>
+          <dgm:constr type="l" for="ch" forName="TwoNodes_1_text" refType="r" refFor="ch" refForName="TwoConn_1-2"/>
+          <dgm:constr type="lOff" for="ch" forName="TwoNodes_1_text" refType="w" refFor="ch" refForName="TwoConn_1-2" fact="0.5"/>
+          <dgm:constr type="t" for="ch" forName="TwoNodes_1_text" refType="t" refFor="ch" refForName="TwoNodes_1"/>
+          <dgm:constr type="b" for="ch" forName="TwoNodes_1_text" refType="b" refFor="ch" refForName="TwoNodes_1"/>
+          <dgm:constr type="r" for="ch" forName="TwoNodes_1_text" refType="r" refFor="ch" refForName="TwoNodes_1"/>
+          <dgm:constr type="l" for="ch" forName="TwoNodes_2_text" refType="r" refFor="ch" refForName="TwoConn_1-2"/>
+          <dgm:constr type="t" for="ch" forName="TwoNodes_2_text" refType="t" refFor="ch" refForName="TwoNodes_2"/>
+          <dgm:constr type="b" for="ch" forName="TwoNodes_2_text" refType="b" refFor="ch" refForName="TwoNodes_2"/>
+          <dgm:constr type="r" for="ch" forName="TwoNodes_2_text" refType="r" refFor="ch" refForName="TwoNodes_2"/>
+          <dgm:constr type="w" for="ch" forName="ThreeNodes_1" refType="w" fact="0.85"/>
+          <dgm:constr type="h" for="ch" forName="ThreeNodes_1" refType="h" fact="0.3"/>
+          <dgm:constr type="t" for="ch" forName="ThreeNodes_1"/>
+          <dgm:constr type="r" for="ch" forName="ThreeNodes_1" refType="w"/>
+          <dgm:constr type="w" for="ch" forName="ThreeNodes_2" refType="w" fact="0.85"/>
+          <dgm:constr type="h" for="ch" forName="ThreeNodes_2" refType="h" fact="0.3"/>
+          <dgm:constr type="ctrY" for="ch" forName="ThreeNodes_2" refType="h" fact="0.5"/>
+          <dgm:constr type="ctrX" for="ch" forName="ThreeNodes_2" refType="w" fact="0.5"/>
+          <dgm:constr type="w" for="ch" forName="ThreeNodes_3" refType="w" fact="0.85"/>
+          <dgm:constr type="h" for="ch" forName="ThreeNodes_3" refType="h" fact="0.3"/>
+          <dgm:constr type="b" for="ch" forName="ThreeNodes_3" refType="h"/>
+          <dgm:constr type="l" for="ch" forName="ThreeNodes_3"/>
+          <dgm:constr type="w" for="ch" forName="ThreeConn_1-2" refType="h" refFor="ch" refForName="ThreeNodes_1" fact="0.65"/>
+          <dgm:constr type="h" for="ch" forName="ThreeConn_1-2" refType="h" refFor="ch" refForName="ThreeNodes_1" fact="0.65"/>
+          <dgm:constr type="ctrY" for="ch" forName="ThreeConn_1-2" refType="h" fact="0.325"/>
+          <dgm:constr type="l" for="ch" forName="ThreeConn_1-2" refType="l" refFor="ch" refForName="ThreeNodes_1"/>
+          <dgm:constr type="w" for="ch" forName="ThreeConn_2-3" refType="h" refFor="ch" refForName="ThreeNodes_2" fact="0.65"/>
+          <dgm:constr type="h" for="ch" forName="ThreeConn_2-3" refType="h" refFor="ch" refForName="ThreeNodes_2" fact="0.65"/>
+          <dgm:constr type="ctrY" for="ch" forName="ThreeConn_2-3" refType="h" fact="0.673"/>
+          <dgm:constr type="l" for="ch" forName="ThreeConn_2-3" refType="l" refFor="ch" refForName="ThreeNodes_2"/>
+          <dgm:constr type="l" for="ch" forName="ThreeNodes_1_text" refType="r" refFor="ch" refForName="ThreeConn_1-2"/>
+          <dgm:constr type="lOff" for="ch" forName="ThreeNodes_1_text" refType="w" refFor="ch" refForName="ThreeConn_1-2" fact="0.55"/>
+          <dgm:constr type="t" for="ch" forName="ThreeNodes_1_text" refType="t" refFor="ch" refForName="ThreeNodes_1"/>
+          <dgm:constr type="b" for="ch" forName="ThreeNodes_1_text" refType="b" refFor="ch" refForName="ThreeNodes_1"/>
+          <dgm:constr type="r" for="ch" forName="ThreeNodes_1_text" refType="r" refFor="ch" refForName="ThreeNodes_1"/>
+          <dgm:constr type="l" for="ch" forName="ThreeNodes_2_text" refType="r" refFor="ch" refForName="ThreeConn_1-2"/>
+          <dgm:constr type="t" for="ch" forName="ThreeNodes_2_text" refType="t" refFor="ch" refForName="ThreeNodes_2"/>
+          <dgm:constr type="b" for="ch" forName="ThreeNodes_2_text" refType="b" refFor="ch" refForName="ThreeNodes_2"/>
+          <dgm:constr type="r" for="ch" forName="ThreeNodes_2_text" refType="r" refFor="ch" refForName="ThreeNodes_2"/>
+          <dgm:constr type="l" for="ch" forName="ThreeNodes_3_text" refType="r" refFor="ch" refForName="ThreeConn_2-3"/>
+          <dgm:constr type="t" for="ch" forName="ThreeNodes_3_text" refType="t" refFor="ch" refForName="ThreeNodes_3"/>
+          <dgm:constr type="b" for="ch" forName="ThreeNodes_3_text" refType="b" refFor="ch" refForName="ThreeNodes_3"/>
+          <dgm:constr type="r" for="ch" forName="ThreeNodes_3_text" refType="r" refFor="ch" refForName="ThreeNodes_3"/>
+          <dgm:constr type="w" for="ch" forName="FourNodes_1" refType="w" fact="0.8"/>
+          <dgm:constr type="h" for="ch" forName="FourNodes_1" refType="h" fact="0.22"/>
+          <dgm:constr type="t" for="ch" forName="FourNodes_1"/>
+          <dgm:constr type="r" for="ch" forName="FourNodes_1" refType="w"/>
+          <dgm:constr type="w" for="ch" forName="FourNodes_2" refType="w" fact="0.8"/>
+          <dgm:constr type="h" for="ch" forName="FourNodes_2" refType="h" fact="0.22"/>
+          <dgm:constr type="ctrY" for="ch" forName="FourNodes_2" refType="h" fact="0.37"/>
+          <dgm:constr type="ctrX" for="ch" forName="FourNodes_2" refType="w" fact="0.533"/>
+          <dgm:constr type="w" for="ch" forName="FourNodes_3" refType="w" fact="0.8"/>
+          <dgm:constr type="h" for="ch" forName="FourNodes_3" refType="h" fact="0.22"/>
+          <dgm:constr type="ctrY" for="ch" forName="FourNodes_3" refType="h" fact="0.63"/>
+          <dgm:constr type="ctrX" for="ch" forName="FourNodes_3" refType="w" fact="0.467"/>
+          <dgm:constr type="w" for="ch" forName="FourNodes_4" refType="w" fact="0.8"/>
+          <dgm:constr type="h" for="ch" forName="FourNodes_4" refType="h" fact="0.22"/>
+          <dgm:constr type="b" for="ch" forName="FourNodes_4" refType="h"/>
+          <dgm:constr type="l" for="ch" forName="FourNodes_4"/>
+          <dgm:constr type="w" for="ch" forName="FourConn_1-2" refType="h" refFor="ch" refForName="FourNodes_1" fact="0.65"/>
+          <dgm:constr type="h" for="ch" forName="FourConn_1-2" refType="h" refFor="ch" refForName="FourNodes_1" fact="0.65"/>
+          <dgm:constr type="ctrY" for="ch" forName="FourConn_1-2" refType="h" fact="0.24"/>
+          <dgm:constr type="l" for="ch" forName="FourConn_1-2" refType="l" refFor="ch" refForName="FourNodes_1"/>
+          <dgm:constr type="w" for="ch" forName="FourConn_2-3" refType="h" refFor="ch" refForName="FourNodes_2" fact="0.65"/>
+          <dgm:constr type="h" for="ch" forName="FourConn_2-3" refType="h" refFor="ch" refForName="FourNodes_2" fact="0.65"/>
+          <dgm:constr type="ctrY" for="ch" forName="FourConn_2-3" refType="h" fact="0.5"/>
+          <dgm:constr type="l" for="ch" forName="FourConn_2-3" refType="l" refFor="ch" refForName="FourNodes_2"/>
+          <dgm:constr type="w" for="ch" forName="FourConn_3-4" refType="h" refFor="ch" refForName="FourNodes_3" fact="0.65"/>
+          <dgm:constr type="h" for="ch" forName="FourConn_3-4" refType="h" refFor="ch" refForName="FourNodes_3" fact="0.65"/>
+          <dgm:constr type="ctrY" for="ch" forName="FourConn_3-4" refType="h" fact="0.76"/>
+          <dgm:constr type="l" for="ch" forName="FourConn_3-4" refType="l" refFor="ch" refForName="FourNodes_3"/>
+          <dgm:constr type="l" for="ch" forName="FourNodes_1_text" refType="r" refFor="ch" refForName="FourConn_1-2"/>
+          <dgm:constr type="lOff" for="ch" forName="FourNodes_1_text" refType="w" refFor="ch" refForName="FourConn_1-2" fact="0.69"/>
+          <dgm:constr type="t" for="ch" forName="FourNodes_1_text" refType="t" refFor="ch" refForName="FourNodes_1"/>
+          <dgm:constr type="b" for="ch" forName="FourNodes_1_text" refType="b" refFor="ch" refForName="FourNodes_1"/>
+          <dgm:constr type="r" for="ch" forName="FourNodes_1_text" refType="r" refFor="ch" refForName="FourNodes_1"/>
+          <dgm:constr type="l" for="ch" forName="FourNodes_2_text" refType="r" refFor="ch" refForName="FourConn_1-2"/>
+          <dgm:constr type="t" for="ch" forName="FourNodes_2_text" refType="t" refFor="ch" refForName="FourNodes_2"/>
+          <dgm:constr type="b" for="ch" forName="FourNodes_2_text" refType="b" refFor="ch" refForName="FourNodes_2"/>
+          <dgm:constr type="r" for="ch" forName="FourNodes_2_text" refType="r" refFor="ch" refForName="FourNodes_2"/>
+          <dgm:constr type="l" for="ch" forName="FourNodes_3_text" refType="r" refFor="ch" refForName="FourConn_2-3"/>
+          <dgm:constr type="t" for="ch" forName="FourNodes_3_text" refType="t" refFor="ch" refForName="FourNodes_3"/>
+          <dgm:constr type="b" for="ch" forName="FourNodes_3_text" refType="b" refFor="ch" refForName="FourNodes_3"/>
+          <dgm:constr type="r" for="ch" forName="FourNodes_3_text" refType="r" refFor="ch" refForName="FourNodes_3"/>
+          <dgm:constr type="l" for="ch" forName="FourNodes_4_text" refType="r" refFor="ch" refForName="FourConn_3-4"/>
+          <dgm:constr type="t" for="ch" forName="FourNodes_4_text" refType="t" refFor="ch" refForName="FourNodes_4"/>
+          <dgm:constr type="b" for="ch" forName="FourNodes_4_text" refType="b" refFor="ch" refForName="FourNodes_4"/>
+          <dgm:constr type="r" for="ch" forName="FourNodes_4_text" refType="r" refFor="ch" refForName="FourNodes_4"/>
+          <dgm:constr type="w" for="ch" forName="FiveNodes_1" refType="w" fact="0.77"/>
+          <dgm:constr type="h" for="ch" forName="FiveNodes_1" refType="h" fact="0.18"/>
+          <dgm:constr type="t" for="ch" forName="FiveNodes_1"/>
+          <dgm:constr type="r" for="ch" forName="FiveNodes_1" refType="w"/>
+          <dgm:constr type="w" for="ch" forName="FiveNodes_2" refType="w" fact="0.77"/>
+          <dgm:constr type="h" for="ch" forName="FiveNodes_2" refType="h" fact="0.18"/>
+          <dgm:constr type="ctrY" for="ch" forName="FiveNodes_2" refType="h" fact="0.295"/>
+          <dgm:constr type="ctrX" for="ch" forName="FiveNodes_2" refType="w" fact="0.5575"/>
+          <dgm:constr type="w" for="ch" forName="FiveNodes_3" refType="w" fact="0.77"/>
+          <dgm:constr type="h" for="ch" forName="FiveNodes_3" refType="h" fact="0.18"/>
+          <dgm:constr type="ctrY" for="ch" forName="FiveNodes_3" refType="h" fact="0.5"/>
+          <dgm:constr type="ctrX" for="ch" forName="FiveNodes_3" refType="w" fact="0.5"/>
+          <dgm:constr type="w" for="ch" forName="FiveNodes_4" refType="w" fact="0.77"/>
+          <dgm:constr type="h" for="ch" forName="FiveNodes_4" refType="h" fact="0.18"/>
+          <dgm:constr type="ctrY" for="ch" forName="FiveNodes_4" refType="h" fact="0.705"/>
+          <dgm:constr type="ctrX" for="ch" forName="FiveNodes_4" refType="w" fact="0.4425"/>
+          <dgm:constr type="w" for="ch" forName="FiveNodes_5" refType="w" fact="0.77"/>
+          <dgm:constr type="h" for="ch" forName="FiveNodes_5" refType="h" fact="0.18"/>
+          <dgm:constr type="b" for="ch" forName="FiveNodes_5" refType="h"/>
+          <dgm:constr type="l" for="ch" forName="FiveNodes_5"/>
+          <dgm:constr type="w" for="ch" forName="FiveConn_1-2" refType="h" refFor="ch" refForName="FiveNodes_1" fact="0.65"/>
+          <dgm:constr type="h" for="ch" forName="FiveConn_1-2" refType="h" refFor="ch" refForName="FiveNodes_1" fact="0.65"/>
+          <dgm:constr type="ctrY" for="ch" forName="FiveConn_1-2" refType="h" fact="0.19"/>
+          <dgm:constr type="l" for="ch" forName="FiveConn_1-2" refType="l" refFor="ch" refForName="FiveNodes_1"/>
+          <dgm:constr type="w" for="ch" forName="FiveConn_2-3" refType="h" refFor="ch" refForName="FiveNodes_2" fact="0.65"/>
+          <dgm:constr type="h" for="ch" forName="FiveConn_2-3" refType="h" refFor="ch" refForName="FiveNodes_2" fact="0.65"/>
+          <dgm:constr type="ctrY" for="ch" forName="FiveConn_2-3" refType="h" fact="0.395"/>
+          <dgm:constr type="l" for="ch" forName="FiveConn_2-3" refType="l" refFor="ch" refForName="FiveNodes_2"/>
+          <dgm:constr type="w" for="ch" forName="FiveConn_3-4" refType="h" refFor="ch" refForName="FiveNodes_3" fact="0.65"/>
+          <dgm:constr type="h" for="ch" forName="FiveConn_3-4" refType="h" refFor="ch" refForName="FiveNodes_3" fact="0.65"/>
+          <dgm:constr type="ctrY" for="ch" forName="FiveConn_3-4" refType="h" fact="0.597"/>
+          <dgm:constr type="l" for="ch" forName="FiveConn_3-4" refType="l" refFor="ch" refForName="FiveNodes_3"/>
+          <dgm:constr type="w" for="ch" forName="FiveConn_4-5" refType="h" refFor="ch" refForName="FiveNodes_4" fact="0.65"/>
+          <dgm:constr type="h" for="ch" forName="FiveConn_4-5" refType="h" refFor="ch" refForName="FiveNodes_4" fact="0.65"/>
+          <dgm:constr type="ctrY" for="ch" forName="FiveConn_4-5" refType="h" fact="0.804"/>
+          <dgm:constr type="l" for="ch" forName="FiveConn_4-5" refType="l" refFor="ch" refForName="FiveNodes_4"/>
+          <dgm:constr type="l" for="ch" forName="FiveNodes_1_text" refType="r" refFor="ch" refForName="FiveConn_1-2"/>
+          <dgm:constr type="lOff" for="ch" forName="FiveNodes_1_text" refType="w" refFor="ch" refForName="FiveConn_1-2" fact="0.73"/>
+          <dgm:constr type="t" for="ch" forName="FiveNodes_1_text" refType="t" refFor="ch" refForName="FiveNodes_1"/>
+          <dgm:constr type="b" for="ch" forName="FiveNodes_1_text" refType="b" refFor="ch" refForName="FiveNodes_1"/>
+          <dgm:constr type="r" for="ch" forName="FiveNodes_1_text" refType="r" refFor="ch" refForName="FiveNodes_1"/>
+          <dgm:constr type="l" for="ch" forName="FiveNodes_2_text" refType="r" refFor="ch" refForName="FiveConn_1-2"/>
+          <dgm:constr type="t" for="ch" forName="FiveNodes_2_text" refType="t" refFor="ch" refForName="FiveNodes_2"/>
+          <dgm:constr type="b" for="ch" forName="FiveNodes_2_text" refType="b" refFor="ch" refForName="FiveNodes_2"/>
+          <dgm:constr type="r" for="ch" forName="FiveNodes_2_text" refType="r" refFor="ch" refForName="FiveNodes_2"/>
+          <dgm:constr type="l" for="ch" forName="FiveNodes_3_text" refType="r" refFor="ch" refForName="FiveConn_2-3"/>
+          <dgm:constr type="t" for="ch" forName="FiveNodes_3_text" refType="t" refFor="ch" refForName="FiveNodes_3"/>
+          <dgm:constr type="b" for="ch" forName="FiveNodes_3_text" refType="b" refFor="ch" refForName="FiveNodes_3"/>
+          <dgm:constr type="r" for="ch" forName="FiveNodes_3_text" refType="r" refFor="ch" refForName="FiveNodes_3"/>
+          <dgm:constr type="l" for="ch" forName="FiveNodes_4_text" refType="r" refFor="ch" refForName="FiveConn_3-4"/>
+          <dgm:constr type="t" for="ch" forName="FiveNodes_4_text" refType="t" refFor="ch" refForName="FiveNodes_4"/>
+          <dgm:constr type="b" for="ch" forName="FiveNodes_4_text" refType="b" refFor="ch" refForName="FiveNodes_4"/>
+          <dgm:constr type="r" for="ch" forName="FiveNodes_4_text" refType="r" refFor="ch" refForName="FiveNodes_4"/>
+          <dgm:constr type="l" for="ch" forName="FiveNodes_5_text" refType="r" refFor="ch" refForName="FiveConn_4-5"/>
+          <dgm:constr type="t" for="ch" forName="FiveNodes_5_text" refType="t" refFor="ch" refForName="FiveNodes_5"/>
+          <dgm:constr type="b" for="ch" forName="FiveNodes_5_text" refType="b" refFor="ch" refForName="FiveNodes_5"/>
+          <dgm:constr type="r" for="ch" forName="FiveNodes_5_text" refType="r" refFor="ch" refForName="FiveNodes_5"/>
+        </dgm:constrLst>
+      </dgm:else>
+    </dgm:choose>
+    <dgm:ruleLst/>
+    <dgm:layoutNode name="dummyMaxCanvas">
+      <dgm:varLst/>
+      <dgm:alg type="sp"/>
+      <dgm:shape xmlns:r="http://schemas.openxmlformats.org/officeDocument/2006/relationships" r:blip="">
+        <dgm:adjLst/>
+      </dgm:shape>
+      <dgm:presOf/>
+      <dgm:constrLst/>
+      <dgm:ruleLst/>
+    </dgm:layoutNode>
+    <dgm:choose name="Name3">
+      <dgm:if name="Name4" axis="ch" ptType="node" func="cnt" op="equ" val="1">
+        <dgm:layoutNode name="OneNode_1">
+          <dgm:varLst>
+            <dgm:bulletEnabled val="1"/>
+          </dgm:varLst>
+          <dgm:alg type="tx"/>
+          <dgm:shape xmlns:r="http://schemas.openxmlformats.org/officeDocument/2006/relationships" type="roundRect" r:blip="">
+            <dgm:adjLst>
+              <dgm:adj idx="1" val="0.1"/>
+            </dgm:adjLst>
+          </dgm:shape>
+          <dgm:presOf axis="ch desOrSelf" ptType="node node" st="1 1" cnt="1 0"/>
+          <dgm:constrLst>
+            <dgm:constr type="lMarg" refType="primFontSz" fact="0.3"/>
+            <dgm:constr type="rMarg" refType="primFontSz" fact="0.3"/>
+            <dgm:constr type="tMarg" refType="primFontSz" fact="0.3"/>
+            <dgm:constr type="bMarg" refType="primFontSz" fact="0.3"/>
+          </dgm:constrLst>
+          <dgm:ruleLst>
+            <dgm:rule type="primFontSz" val="5" fact="NaN" max="NaN"/>
+          </dgm:ruleLst>
+        </dgm:layoutNode>
+      </dgm:if>
+      <dgm:else name="Name5">
+        <dgm:choose name="Name6">
+          <dgm:if name="Name7" axis="ch" ptType="node" func="cnt" op="equ" val="2">
+            <dgm:layoutNode name="TwoNodes_1">
+              <dgm:varLst>
+                <dgm:bulletEnabled val="1"/>
+              </dgm:varLst>
+              <dgm:alg type="sp"/>
+              <dgm:shape xmlns:r="http://schemas.openxmlformats.org/officeDocument/2006/relationships" type="roundRect" r:blip="">
+                <dgm:adjLst>
+                  <dgm:adj idx="1" val="0.1"/>
+                </dgm:adjLst>
+              </dgm:shape>
+              <dgm:presOf axis="ch desOrSelf" ptType="node node" st="1 1" cnt="1 0"/>
+              <dgm:constrLst/>
+              <dgm:ruleLst/>
+            </dgm:layoutNode>
+            <dgm:layoutNode name="TwoNodes_2">
+              <dgm:varLst>
+                <dgm:bulletEnabled val="1"/>
+              </dgm:varLst>
+              <dgm:alg type="sp"/>
+              <dgm:shape xmlns:r="http://schemas.openxmlformats.org/officeDocument/2006/relationships" type="roundRect" r:blip="">
+                <dgm:adjLst>
+                  <dgm:adj idx="1" val="0.1"/>
+                </dgm:adjLst>
+              </dgm:shape>
+              <dgm:presOf axis="ch desOrSelf" ptType="node node" st="2 1" cnt="1 0"/>
+              <dgm:constrLst/>
+              <dgm:ruleLst/>
+            </dgm:layoutNode>
+            <dgm:layoutNode name="TwoConn_1-2" styleLbl="fgAccFollowNode1">
+              <dgm:varLst>
+                <dgm:bulletEnabled val="1"/>
+              </dgm:varLst>
+              <dgm:alg type="tx"/>
+              <dgm:shape xmlns:r="http://schemas.openxmlformats.org/officeDocument/2006/relationships" type="downArrow" r:blip="">
+                <dgm:adjLst>
+                  <dgm:adj idx="1" val="0.55"/>
+                  <dgm:adj idx="2" val="0.45"/>
+                </dgm:adjLst>
+              </dgm:shape>
+              <dgm:presOf axis="ch" ptType="sibTrans" cnt="1"/>
+              <dgm:constrLst>
+                <dgm:constr type="lMarg" refType="primFontSz" fact="0.1"/>
+                <dgm:constr type="rMarg" refType="primFontSz" fact="0.1"/>
+                <dgm:constr type="tMarg" refType="primFontSz" fact="0.1"/>
+                <dgm:constr type="bMarg" refType="primFontSz" fact="0.1"/>
+              </dgm:constrLst>
+              <dgm:ruleLst>
+                <dgm:rule type="primFontSz" val="5" fact="NaN" max="NaN"/>
+              </dgm:ruleLst>
+            </dgm:layoutNode>
+            <dgm:layoutNode name="TwoNodes_1_text">
+              <dgm:varLst>
+                <dgm:bulletEnabled val="1"/>
+              </dgm:varLst>
+              <dgm:alg type="tx">
+                <dgm:param type="parTxLTRAlign" val="l"/>
+                <dgm:param type="txAnchorVertCh" val="mid"/>
+              </dgm:alg>
+              <dgm:shape xmlns:r="http://schemas.openxmlformats.org/officeDocument/2006/relationships" type="roundRect" r:blip="" hideGeom="1">
+                <dgm:adjLst>
+                  <dgm:adj idx="1" val="0.1"/>
+                </dgm:adjLst>
+              </dgm:shape>
+              <dgm:presOf axis="ch desOrSelf" ptType="node node" st="1 1" cnt="1 0"/>
+              <dgm:constrLst>
+                <dgm:constr type="lMarg" refType="primFontSz" fact="0.3"/>
+                <dgm:constr type="rMarg" refType="primFontSz" fact="0.3"/>
+                <dgm:constr type="tMarg" refType="primFontSz" fact="0.3"/>
+                <dgm:constr type="bMarg" refType="primFontSz" fact="0.3"/>
+              </dgm:constrLst>
+              <dgm:ruleLst>
+                <dgm:rule type="primFontSz" val="5" fact="NaN" max="NaN"/>
+              </dgm:ruleLst>
+            </dgm:layoutNode>
+            <dgm:layoutNode name="TwoNodes_2_text">
+              <dgm:varLst>
+                <dgm:bulletEnabled val="1"/>
+              </dgm:varLst>
+              <dgm:alg type="tx">
+                <dgm:param type="parTxLTRAlign" val="l"/>
+                <dgm:param type="txAnchorVertCh" val="mid"/>
+              </dgm:alg>
+              <dgm:shape xmlns:r="http://schemas.openxmlformats.org/officeDocument/2006/relationships" type="roundRect" r:blip="" hideGeom="1">
+                <dgm:adjLst>
+                  <dgm:adj idx="1" val="0.1"/>
+                </dgm:adjLst>
+              </dgm:shape>
+              <dgm:presOf axis="ch desOrSelf" ptType="node node" st="2 1" cnt="1 0"/>
+              <dgm:constrLst>
+                <dgm:constr type="lMarg" refType="primFontSz" fact="0.3"/>
+                <dgm:constr type="rMarg" refType="primFontSz" fact="0.3"/>
+                <dgm:constr type="tMarg" refType="primFontSz" fact="0.3"/>
+                <dgm:constr type="bMarg" refType="primFontSz" fact="0.3"/>
+              </dgm:constrLst>
+              <dgm:ruleLst>
+                <dgm:rule type="primFontSz" val="5" fact="NaN" max="NaN"/>
+              </dgm:ruleLst>
+            </dgm:layoutNode>
+          </dgm:if>
+          <dgm:else name="Name8">
+            <dgm:choose name="Name9">
+              <dgm:if name="Name10" axis="ch" ptType="node" func="cnt" op="equ" val="3">
+                <dgm:layoutNode name="ThreeNodes_1">
+                  <dgm:varLst>
+                    <dgm:bulletEnabled val="1"/>
+                  </dgm:varLst>
+                  <dgm:alg type="sp"/>
+                  <dgm:shape xmlns:r="http://schemas.openxmlformats.org/officeDocument/2006/relationships" type="roundRect" r:blip="">
+                    <dgm:adjLst>
+                      <dgm:adj idx="1" val="0.1"/>
+                    </dgm:adjLst>
+                  </dgm:shape>
+                  <dgm:presOf axis="ch desOrSelf" ptType="node node" st="1 1" cnt="1 0"/>
+                  <dgm:constrLst/>
+                  <dgm:ruleLst/>
+                </dgm:layoutNode>
+                <dgm:layoutNode name="ThreeNodes_2">
+                  <dgm:varLst>
+                    <dgm:bulletEnabled val="1"/>
+                  </dgm:varLst>
+                  <dgm:alg type="sp"/>
+                  <dgm:shape xmlns:r="http://schemas.openxmlformats.org/officeDocument/2006/relationships" type="roundRect" r:blip="">
+                    <dgm:adjLst>
+                      <dgm:adj idx="1" val="0.1"/>
+                    </dgm:adjLst>
+                  </dgm:shape>
+                  <dgm:presOf axis="ch desOrSelf" ptType="node node" st="2 1" cnt="1 0"/>
+                  <dgm:constrLst/>
+                  <dgm:ruleLst/>
+                </dgm:layoutNode>
+                <dgm:layoutNode name="ThreeNodes_3">
+                  <dgm:varLst>
+                    <dgm:bulletEnabled val="1"/>
+                  </dgm:varLst>
+                  <dgm:alg type="sp"/>
+                  <dgm:shape xmlns:r="http://schemas.openxmlformats.org/officeDocument/2006/relationships" type="roundRect" r:blip="">
+                    <dgm:adjLst>
+                      <dgm:adj idx="1" val="0.1"/>
+                    </dgm:adjLst>
+                  </dgm:shape>
+                  <dgm:presOf axis="ch desOrSelf" ptType="node node" st="3 1" cnt="1 0"/>
+                  <dgm:constrLst/>
+                  <dgm:ruleLst/>
+                </dgm:layoutNode>
+                <dgm:layoutNode name="ThreeConn_1-2" styleLbl="fgAccFollowNode1">
+                  <dgm:varLst>
+                    <dgm:bulletEnabled val="1"/>
+                  </dgm:varLst>
+                  <dgm:alg type="tx"/>
+                  <dgm:shape xmlns:r="http://schemas.openxmlformats.org/officeDocument/2006/relationships" type="downArrow" r:blip="">
+                    <dgm:adjLst>
+                      <dgm:adj idx="1" val="0.55"/>
+                      <dgm:adj idx="2" val="0.45"/>
+                    </dgm:adjLst>
+                  </dgm:shape>
+                  <dgm:presOf axis="ch" ptType="sibTrans" cnt="1"/>
+                  <dgm:constrLst>
+                    <dgm:constr type="lMarg" refType="primFontSz" fact="0.1"/>
+                    <dgm:constr type="rMarg" refType="primFontSz" fact="0.1"/>
+                    <dgm:constr type="tMarg" refType="primFontSz" fact="0.1"/>
+                    <dgm:constr type="bMarg" refType="primFontSz" fact="0.1"/>
+                  </dgm:constrLst>
+                  <dgm:ruleLst>
+                    <dgm:rule type="primFontSz" val="5" fact="NaN" max="NaN"/>
+                  </dgm:ruleLst>
+                </dgm:layoutNode>
+                <dgm:layoutNode name="ThreeConn_2-3" styleLbl="fgAccFollowNode1">
+                  <dgm:varLst>
+                    <dgm:bulletEnabled val="1"/>
+                  </dgm:varLst>
+                  <dgm:alg type="tx"/>
+                  <dgm:shape xmlns:r="http://schemas.openxmlformats.org/officeDocument/2006/relationships" type="downArrow" r:blip="">
+                    <dgm:adjLst>
+                      <dgm:adj idx="1" val="0.55"/>
+                      <dgm:adj idx="2" val="0.45"/>
+                    </dgm:adjLst>
+                  </dgm:shape>
+                  <dgm:presOf axis="ch" ptType="sibTrans" st="2" cnt="1"/>
+                  <dgm:constrLst>
+                    <dgm:constr type="lMarg" refType="primFontSz" fact="0.1"/>
+                    <dgm:constr type="rMarg" refType="primFontSz" fact="0.1"/>
+                    <dgm:constr type="tMarg" refType="primFontSz" fact="0.1"/>
+                    <dgm:constr type="bMarg" refType="primFontSz" fact="0.1"/>
+                  </dgm:constrLst>
+                  <dgm:ruleLst>
+                    <dgm:rule type="primFontSz" val="5" fact="NaN" max="NaN"/>
+                  </dgm:ruleLst>
+                </dgm:layoutNode>
+                <dgm:layoutNode name="ThreeNodes_1_text">
+                  <dgm:varLst>
+                    <dgm:bulletEnabled val="1"/>
+                  </dgm:varLst>
+                  <dgm:alg type="tx">
+                    <dgm:param type="parTxLTRAlign" val="l"/>
+                    <dgm:param type="txAnchorVertCh" val="mid"/>
+                  </dgm:alg>
+                  <dgm:shape xmlns:r="http://schemas.openxmlformats.org/officeDocument/2006/relationships" type="roundRect" r:blip="" hideGeom="1">
+                    <dgm:adjLst>
+                      <dgm:adj idx="1" val="0.1"/>
+                    </dgm:adjLst>
+                  </dgm:shape>
+                  <dgm:presOf axis="ch desOrSelf" ptType="node node" st="1 1" cnt="1 0"/>
+                  <dgm:constrLst>
+                    <dgm:constr type="lMarg" refType="primFontSz" fact="0.3"/>
+                    <dgm:constr type="rMarg" refType="primFontSz" fact="0.3"/>
+                    <dgm:constr type="tMarg" refType="primFontSz" fact="0.3"/>
+                    <dgm:constr type="bMarg" refType="primFontSz" fact="0.3"/>
+                  </dgm:constrLst>
+                  <dgm:ruleLst>
+                    <dgm:rule type="primFontSz" val="5" fact="NaN" max="NaN"/>
+                  </dgm:ruleLst>
+                </dgm:layoutNode>
+                <dgm:layoutNode name="ThreeNodes_2_text">
+                  <dgm:varLst>
+                    <dgm:bulletEnabled val="1"/>
+                  </dgm:varLst>
+                  <dgm:alg type="tx">
+                    <dgm:param type="parTxLTRAlign" val="l"/>
+                    <dgm:param type="txAnchorVertCh" val="mid"/>
+                  </dgm:alg>
+                  <dgm:shape xmlns:r="http://schemas.openxmlformats.org/officeDocument/2006/relationships" type="roundRect" r:blip="" hideGeom="1">
+                    <dgm:adjLst>
+                      <dgm:adj idx="1" val="0.1"/>
+                    </dgm:adjLst>
+                  </dgm:shape>
+                  <dgm:presOf axis="ch desOrSelf" ptType="node node" st="2 1" cnt="1 0"/>
+                  <dgm:constrLst>
+                    <dgm:constr type="lMarg" refType="primFontSz" fact="0.3"/>
+                    <dgm:constr type="rMarg" refType="primFontSz" fact="0.3"/>
+                    <dgm:constr type="tMarg" refType="primFontSz" fact="0.3"/>
+                    <dgm:constr type="bMarg" refType="primFontSz" fact="0.3"/>
+                  </dgm:constrLst>
+                  <dgm:ruleLst>
+                    <dgm:rule type="primFontSz" val="5" fact="NaN" max="NaN"/>
+                  </dgm:ruleLst>
+                </dgm:layoutNode>
+                <dgm:layoutNode name="ThreeNodes_3_text">
+                  <dgm:varLst>
+                    <dgm:bulletEnabled val="1"/>
+                  </dgm:varLst>
+                  <dgm:alg type="tx">
+                    <dgm:param type="parTxLTRAlign" val="l"/>
+                    <dgm:param type="txAnchorVertCh" val="mid"/>
+                  </dgm:alg>
+                  <dgm:shape xmlns:r="http://schemas.openxmlformats.org/officeDocument/2006/relationships" type="roundRect" r:blip="" hideGeom="1">
+                    <dgm:adjLst>
+                      <dgm:adj idx="1" val="0.1"/>
+                    </dgm:adjLst>
+                  </dgm:shape>
+                  <dgm:presOf axis="ch desOrSelf" ptType="node node" st="3 1" cnt="1 0"/>
+                  <dgm:constrLst>
+                    <dgm:constr type="lMarg" refType="primFontSz" fact="0.3"/>
+                    <dgm:constr type="rMarg" refType="primFontSz" fact="0.3"/>
+                    <dgm:constr type="tMarg" refType="primFontSz" fact="0.3"/>
+                    <dgm:constr type="bMarg" refType="primFontSz" fact="0.3"/>
+                  </dgm:constrLst>
+                  <dgm:ruleLst>
+                    <dgm:rule type="primFontSz" val="5" fact="NaN" max="NaN"/>
+                  </dgm:ruleLst>
+                </dgm:layoutNode>
+              </dgm:if>
+              <dgm:else name="Name11">
+                <dgm:choose name="Name12">
+                  <dgm:if name="Name13" axis="ch" ptType="node" func="cnt" op="equ" val="4">
+                    <dgm:layoutNode name="FourNodes_1">
+                      <dgm:varLst>
+                        <dgm:bulletEnabled val="1"/>
+                      </dgm:varLst>
+                      <dgm:alg type="sp"/>
+                      <dgm:shape xmlns:r="http://schemas.openxmlformats.org/officeDocument/2006/relationships" type="roundRect" r:blip="">
+                        <dgm:adjLst>
+                          <dgm:adj idx="1" val="0.1"/>
+                        </dgm:adjLst>
+                      </dgm:shape>
+                      <dgm:presOf axis="ch desOrSelf" ptType="node node" st="1 1" cnt="1 0"/>
+                      <dgm:constrLst/>
+                      <dgm:ruleLst/>
+                    </dgm:layoutNode>
+                    <dgm:layoutNode name="FourNodes_2">
+                      <dgm:varLst>
+                        <dgm:bulletEnabled val="1"/>
+                      </dgm:varLst>
+                      <dgm:alg type="sp"/>
+                      <dgm:shape xmlns:r="http://schemas.openxmlformats.org/officeDocument/2006/relationships" type="roundRect" r:blip="">
+                        <dgm:adjLst>
+                          <dgm:adj idx="1" val="0.1"/>
+                        </dgm:adjLst>
+                      </dgm:shape>
+                      <dgm:presOf axis="ch desOrSelf" ptType="node node" st="2 1" cnt="1 0"/>
+                      <dgm:constrLst/>
+                      <dgm:ruleLst/>
+                    </dgm:layoutNode>
+                    <dgm:layoutNode name="FourNodes_3">
+                      <dgm:varLst>
+                        <dgm:bulletEnabled val="1"/>
+                      </dgm:varLst>
+                      <dgm:alg type="sp"/>
+                      <dgm:shape xmlns:r="http://schemas.openxmlformats.org/officeDocument/2006/relationships" type="roundRect" r:blip="">
+                        <dgm:adjLst>
+                          <dgm:adj idx="1" val="0.1"/>
+                        </dgm:adjLst>
+                      </dgm:shape>
+                      <dgm:presOf axis="ch desOrSelf" ptType="node node" st="3 1" cnt="1 0"/>
+                      <dgm:constrLst/>
+                      <dgm:ruleLst/>
+                    </dgm:layoutNode>
+                    <dgm:layoutNode name="FourNodes_4">
+                      <dgm:varLst>
+                        <dgm:bulletEnabled val="1"/>
+                      </dgm:varLst>
+                      <dgm:alg type="sp"/>
+                      <dgm:shape xmlns:r="http://schemas.openxmlformats.org/officeDocument/2006/relationships" type="roundRect" r:blip="">
+                        <dgm:adjLst>
+                          <dgm:adj idx="1" val="0.1"/>
+                        </dgm:adjLst>
+                      </dgm:shape>
+                      <dgm:presOf axis="ch desOrSelf" ptType="node node" st="4 1" cnt="1 0"/>
+                      <dgm:constrLst/>
+                      <dgm:ruleLst/>
+                    </dgm:layoutNode>
+                    <dgm:layoutNode name="FourConn_1-2" styleLbl="fgAccFollowNode1">
+                      <dgm:varLst>
+                        <dgm:bulletEnabled val="1"/>
+                      </dgm:varLst>
+                      <dgm:alg type="tx"/>
+                      <dgm:shape xmlns:r="http://schemas.openxmlformats.org/officeDocument/2006/relationships" type="downArrow" r:blip="">
+                        <dgm:adjLst>
+                          <dgm:adj idx="1" val="0.55"/>
+                          <dgm:adj idx="2" val="0.45"/>
+                        </dgm:adjLst>
+                      </dgm:shape>
+                      <dgm:presOf axis="ch" ptType="sibTrans" cnt="1"/>
+                      <dgm:constrLst>
+                        <dgm:constr type="lMarg" refType="primFontSz" fact="0.1"/>
+                        <dgm:constr type="rMarg" refType="primFontSz" fact="0.1"/>
+                        <dgm:constr type="tMarg" refType="primFontSz" fact="0.1"/>
+                        <dgm:constr type="bMarg" refType="primFontSz" fact="0.1"/>
+                      </dgm:constrLst>
+                      <dgm:ruleLst>
+                        <dgm:rule type="primFontSz" val="5" fact="NaN" max="NaN"/>
+                      </dgm:ruleLst>
+                    </dgm:layoutNode>
+                    <dgm:layoutNode name="FourConn_2-3" styleLbl="fgAccFollowNode1">
+                      <dgm:varLst>
+                        <dgm:bulletEnabled val="1"/>
+                      </dgm:varLst>
+                      <dgm:alg type="tx"/>
+                      <dgm:shape xmlns:r="http://schemas.openxmlformats.org/officeDocument/2006/relationships" type="downArrow" r:blip="">
+                        <dgm:adjLst>
+                          <dgm:adj idx="1" val="0.55"/>
+                          <dgm:adj idx="2" val="0.45"/>
+                        </dgm:adjLst>
+                      </dgm:shape>
+                      <dgm:presOf axis="ch" ptType="sibTrans" st="2" cnt="1"/>
+                      <dgm:constrLst>
+                        <dgm:constr type="lMarg" refType="primFontSz" fact="0.1"/>
+                        <dgm:constr type="rMarg" refType="primFontSz" fact="0.1"/>
+                        <dgm:constr type="tMarg" refType="primFontSz" fact="0.1"/>
+                        <dgm:constr type="bMarg" refType="primFontSz" fact="0.1"/>
+                      </dgm:constrLst>
+                      <dgm:ruleLst>
+                        <dgm:rule type="primFontSz" val="5" fact="NaN" max="NaN"/>
+                      </dgm:ruleLst>
+                    </dgm:layoutNode>
+                    <dgm:layoutNode name="FourConn_3-4" styleLbl="fgAccFollowNode1">
+                      <dgm:varLst>
+                        <dgm:bulletEnabled val="1"/>
+                      </dgm:varLst>
+                      <dgm:alg type="tx"/>
+                      <dgm:shape xmlns:r="http://schemas.openxmlformats.org/officeDocument/2006/relationships" type="downArrow" r:blip="">
+                        <dgm:adjLst>
+                          <dgm:adj idx="1" val="0.55"/>
+                          <dgm:adj idx="2" val="0.45"/>
+                        </dgm:adjLst>
+                      </dgm:shape>
+                      <dgm:presOf axis="ch" ptType="sibTrans" st="3" cnt="1"/>
+                      <dgm:constrLst>
+                        <dgm:constr type="lMarg" refType="primFontSz" fact="0.1"/>
+                        <dgm:constr type="rMarg" refType="primFontSz" fact="0.1"/>
+                        <dgm:constr type="tMarg" refType="primFontSz" fact="0.1"/>
+                        <dgm:constr type="bMarg" refType="primFontSz" fact="0.1"/>
+                      </dgm:constrLst>
+                      <dgm:ruleLst>
+                        <dgm:rule type="primFontSz" val="5" fact="NaN" max="NaN"/>
+                      </dgm:ruleLst>
+                    </dgm:layoutNode>
+                    <dgm:layoutNode name="FourNodes_1_text">
+                      <dgm:varLst>
+                        <dgm:bulletEnabled val="1"/>
+                      </dgm:varLst>
+                      <dgm:alg type="tx">
+                        <dgm:param type="parTxLTRAlign" val="l"/>
+                        <dgm:param type="txAnchorVertCh" val="mid"/>
+                      </dgm:alg>
+                      <dgm:shape xmlns:r="http://schemas.openxmlformats.org/officeDocument/2006/relationships" type="roundRect" r:blip="" hideGeom="1">
+                        <dgm:adjLst>
+                          <dgm:adj idx="1" val="0.1"/>
+                        </dgm:adjLst>
+                      </dgm:shape>
+                      <dgm:presOf axis="ch desOrSelf" ptType="node node" st="1 1" cnt="1 0"/>
+                      <dgm:constrLst>
+                        <dgm:constr type="lMarg" refType="primFontSz" fact="0.3"/>
+                        <dgm:constr type="rMarg" refType="primFontSz" fact="0.3"/>
+                        <dgm:constr type="tMarg" refType="primFontSz" fact="0.3"/>
+                        <dgm:constr type="bMarg" refType="primFontSz" fact="0.3"/>
+                      </dgm:constrLst>
+                      <dgm:ruleLst>
+                        <dgm:rule type="primFontSz" val="5" fact="NaN" max="NaN"/>
+                      </dgm:ruleLst>
+                    </dgm:layoutNode>
+                    <dgm:layoutNode name="FourNodes_2_text">
+                      <dgm:varLst>
+                        <dgm:bulletEnabled val="1"/>
+                      </dgm:varLst>
+                      <dgm:alg type="tx">
+                        <dgm:param type="parTxLTRAlign" val="l"/>
+                        <dgm:param type="txAnchorVertCh" val="mid"/>
+                      </dgm:alg>
+                      <dgm:shape xmlns:r="http://schemas.openxmlformats.org/officeDocument/2006/relationships" type="roundRect" r:blip="" hideGeom="1">
+                        <dgm:adjLst>
+                          <dgm:adj idx="1" val="0.1"/>
+                        </dgm:adjLst>
+                      </dgm:shape>
+                      <dgm:presOf axis="ch desOrSelf" ptType="node node" st="2 1" cnt="1 0"/>
+                      <dgm:constrLst>
+                        <dgm:constr type="lMarg" refType="primFontSz" fact="0.3"/>
+                        <dgm:constr type="rMarg" refType="primFontSz" fact="0.3"/>
+                        <dgm:constr type="tMarg" refType="primFontSz" fact="0.3"/>
+                        <dgm:constr type="bMarg" refType="primFontSz" fact="0.3"/>
+                      </dgm:constrLst>
+                      <dgm:ruleLst>
+                        <dgm:rule type="primFontSz" val="5" fact="NaN" max="NaN"/>
+                      </dgm:ruleLst>
+                    </dgm:layoutNode>
+                    <dgm:layoutNode name="FourNodes_3_text">
+                      <dgm:varLst>
+                        <dgm:bulletEnabled val="1"/>
+                      </dgm:varLst>
+                      <dgm:alg type="tx">
+                        <dgm:param type="parTxLTRAlign" val="l"/>
+                        <dgm:param type="txAnchorVertCh" val="mid"/>
+                      </dgm:alg>
+                      <dgm:shape xmlns:r="http://schemas.openxmlformats.org/officeDocument/2006/relationships" type="roundRect" r:blip="" hideGeom="1">
+                        <dgm:adjLst>
+                          <dgm:adj idx="1" val="0.1"/>
+                        </dgm:adjLst>
+                      </dgm:shape>
+                      <dgm:presOf axis="ch desOrSelf" ptType="node node" st="3 1" cnt="1 0"/>
+                      <dgm:constrLst>
+                        <dgm:constr type="lMarg" refType="primFontSz" fact="0.3"/>
+                        <dgm:constr type="rMarg" refType="primFontSz" fact="0.3"/>
+                        <dgm:constr type="tMarg" refType="primFontSz" fact="0.3"/>
+                        <dgm:constr type="bMarg" refType="primFontSz" fact="0.3"/>
+                      </dgm:constrLst>
+                      <dgm:ruleLst>
+                        <dgm:rule type="primFontSz" val="5" fact="NaN" max="NaN"/>
+                      </dgm:ruleLst>
+                    </dgm:layoutNode>
+                    <dgm:layoutNode name="FourNodes_4_text">
+                      <dgm:varLst>
+                        <dgm:bulletEnabled val="1"/>
+                      </dgm:varLst>
+                      <dgm:alg type="tx">
+                        <dgm:param type="parTxLTRAlign" val="l"/>
+                        <dgm:param type="txAnchorVertCh" val="mid"/>
+                      </dgm:alg>
+                      <dgm:shape xmlns:r="http://schemas.openxmlformats.org/officeDocument/2006/relationships" type="roundRect" r:blip="" hideGeom="1">
+                        <dgm:adjLst>
+                          <dgm:adj idx="1" val="0.1"/>
+                        </dgm:adjLst>
+                      </dgm:shape>
+                      <dgm:presOf axis="ch desOrSelf" ptType="node node" st="4 1" cnt="1 0"/>
+                      <dgm:constrLst>
+                        <dgm:constr type="lMarg" refType="primFontSz" fact="0.3"/>
+                        <dgm:constr type="rMarg" refType="primFontSz" fact="0.3"/>
+                        <dgm:constr type="tMarg" refType="primFontSz" fact="0.3"/>
+                        <dgm:constr type="bMarg" refType="primFontSz" fact="0.3"/>
+                      </dgm:constrLst>
+                      <dgm:ruleLst>
+                        <dgm:rule type="primFontSz" val="5" fact="NaN" max="NaN"/>
+                      </dgm:ruleLst>
+                    </dgm:layoutNode>
+                  </dgm:if>
+                  <dgm:else name="Name14">
+                    <dgm:choose name="Name15">
+                      <dgm:if name="Name16" axis="ch" ptType="node" func="cnt" op="gte" val="5">
+                        <dgm:layoutNode name="FiveNodes_1">
+                          <dgm:varLst>
+                            <dgm:bulletEnabled val="1"/>
+                          </dgm:varLst>
+                          <dgm:alg type="sp"/>
+                          <dgm:shape xmlns:r="http://schemas.openxmlformats.org/officeDocument/2006/relationships" type="roundRect" r:blip="">
+                            <dgm:adjLst>
+                              <dgm:adj idx="1" val="0.1"/>
+                            </dgm:adjLst>
+                          </dgm:shape>
+                          <dgm:presOf axis="ch desOrSelf" ptType="node node" st="1 1" cnt="1 0"/>
+                          <dgm:constrLst/>
+                          <dgm:ruleLst/>
+                        </dgm:layoutNode>
+                        <dgm:layoutNode name="FiveNodes_2">
+                          <dgm:varLst>
+                            <dgm:bulletEnabled val="1"/>
+                          </dgm:varLst>
+                          <dgm:alg type="sp"/>
+                          <dgm:shape xmlns:r="http://schemas.openxmlformats.org/officeDocument/2006/relationships" type="roundRect" r:blip="">
+                            <dgm:adjLst>
+                              <dgm:adj idx="1" val="0.1"/>
+                            </dgm:adjLst>
+                          </dgm:shape>
+                          <dgm:presOf axis="ch desOrSelf" ptType="node node" st="2 1" cnt="1 0"/>
+                          <dgm:constrLst/>
+                          <dgm:ruleLst/>
+                        </dgm:layoutNode>
+                        <dgm:layoutNode name="FiveNodes_3">
+                          <dgm:varLst>
+                            <dgm:bulletEnabled val="1"/>
+                          </dgm:varLst>
+                          <dgm:alg type="sp"/>
+                          <dgm:shape xmlns:r="http://schemas.openxmlformats.org/officeDocument/2006/relationships" type="roundRect" r:blip="">
+                            <dgm:adjLst>
+                              <dgm:adj idx="1" val="0.1"/>
+                            </dgm:adjLst>
+                          </dgm:shape>
+                          <dgm:presOf axis="ch desOrSelf" ptType="node node" st="3 1" cnt="1 0"/>
+                          <dgm:constrLst/>
+                          <dgm:ruleLst/>
+                        </dgm:layoutNode>
+                        <dgm:layoutNode name="FiveNodes_4">
+                          <dgm:varLst>
+                            <dgm:bulletEnabled val="1"/>
+                          </dgm:varLst>
+                          <dgm:alg type="sp"/>
+                          <dgm:shape xmlns:r="http://schemas.openxmlformats.org/officeDocument/2006/relationships" type="roundRect" r:blip="">
+                            <dgm:adjLst>
+                              <dgm:adj idx="1" val="0.1"/>
+                            </dgm:adjLst>
+                          </dgm:shape>
+                          <dgm:presOf axis="ch desOrSelf" ptType="node node" st="4 1" cnt="1 0"/>
+                          <dgm:constrLst/>
+                          <dgm:ruleLst/>
+                        </dgm:layoutNode>
+                        <dgm:layoutNode name="FiveNodes_5">
+                          <dgm:varLst>
+                            <dgm:bulletEnabled val="1"/>
+                          </dgm:varLst>
+                          <dgm:alg type="sp"/>
+                          <dgm:shape xmlns:r="http://schemas.openxmlformats.org/officeDocument/2006/relationships" type="roundRect" r:blip="">
+                            <dgm:adjLst>
+                              <dgm:adj idx="1" val="0.1"/>
+                            </dgm:adjLst>
+                          </dgm:shape>
+                          <dgm:presOf axis="ch desOrSelf" ptType="node node" st="5 1" cnt="1 0"/>
+                          <dgm:constrLst/>
+                          <dgm:ruleLst/>
+                        </dgm:layoutNode>
+                        <dgm:layoutNode name="FiveConn_1-2" styleLbl="fgAccFollowNode1">
+                          <dgm:varLst>
+                            <dgm:bulletEnabled val="1"/>
+                          </dgm:varLst>
+                          <dgm:alg type="tx"/>
+                          <dgm:shape xmlns:r="http://schemas.openxmlformats.org/officeDocument/2006/relationships" type="downArrow" r:blip="">
+                            <dgm:adjLst>
+                              <dgm:adj idx="1" val="0.55"/>
+                              <dgm:adj idx="2" val="0.45"/>
+                            </dgm:adjLst>
+                          </dgm:shape>
+                          <dgm:presOf axis="ch" ptType="sibTrans" cnt="1"/>
+                          <dgm:constrLst>
+                            <dgm:constr type="lMarg" refType="primFontSz" fact="0.1"/>
+                            <dgm:constr type="rMarg" refType="primFontSz" fact="0.1"/>
+                            <dgm:constr type="tMarg" refType="primFontSz" fact="0.1"/>
+                            <dgm:constr type="bMarg" refType="primFontSz" fact="0.1"/>
+                          </dgm:constrLst>
+                          <dgm:ruleLst>
+                            <dgm:rule type="primFontSz" val="5" fact="NaN" max="NaN"/>
+                          </dgm:ruleLst>
+                        </dgm:layoutNode>
+                        <dgm:layoutNode name="FiveConn_2-3" styleLbl="fgAccFollowNode1">
+                          <dgm:varLst>
+                            <dgm:bulletEnabled val="1"/>
+                          </dgm:varLst>
+                          <dgm:alg type="tx"/>
+                          <dgm:shape xmlns:r="http://schemas.openxmlformats.org/officeDocument/2006/relationships" type="downArrow" r:blip="">
+                            <dgm:adjLst>
+                              <dgm:adj idx="1" val="0.55"/>
+                              <dgm:adj idx="2" val="0.45"/>
+                            </dgm:adjLst>
+                          </dgm:shape>
+                          <dgm:presOf axis="ch" ptType="sibTrans" st="2" cnt="1"/>
+                          <dgm:constrLst>
+                            <dgm:constr type="lMarg" refType="primFontSz" fact="0.1"/>
+                            <dgm:constr type="rMarg" refType="primFontSz" fact="0.1"/>
+                            <dgm:constr type="tMarg" refType="primFontSz" fact="0.1"/>
+                            <dgm:constr type="bMarg" refType="primFontSz" fact="0.1"/>
+                          </dgm:constrLst>
+                          <dgm:ruleLst>
+                            <dgm:rule type="primFontSz" val="5" fact="NaN" max="NaN"/>
+                          </dgm:ruleLst>
+                        </dgm:layoutNode>
+                        <dgm:layoutNode name="FiveConn_3-4" styleLbl="fgAccFollowNode1">
+                          <dgm:varLst>
+                            <dgm:bulletEnabled val="1"/>
+                          </dgm:varLst>
+                          <dgm:alg type="tx"/>
+                          <dgm:shape xmlns:r="http://schemas.openxmlformats.org/officeDocument/2006/relationships" type="downArrow" r:blip="">
+                            <dgm:adjLst>
+                              <dgm:adj idx="1" val="0.55"/>
+                              <dgm:adj idx="2" val="0.45"/>
+                            </dgm:adjLst>
+                          </dgm:shape>
+                          <dgm:presOf axis="ch" ptType="sibTrans" st="3" cnt="1"/>
+                          <dgm:constrLst>
+                            <dgm:constr type="lMarg" refType="primFontSz" fact="0.1"/>
+                            <dgm:constr type="rMarg" refType="primFontSz" fact="0.1"/>
+                            <dgm:constr type="tMarg" refType="primFontSz" fact="0.1"/>
+                            <dgm:constr type="bMarg" refType="primFontSz" fact="0.1"/>
+                          </dgm:constrLst>
+                          <dgm:ruleLst>
+                            <dgm:rule type="primFontSz" val="5" fact="NaN" max="NaN"/>
+                          </dgm:ruleLst>
+                        </dgm:layoutNode>
+                        <dgm:layoutNode name="FiveConn_4-5" styleLbl="fgAccFollowNode1">
+                          <dgm:varLst>
+                            <dgm:bulletEnabled val="1"/>
+                          </dgm:varLst>
+                          <dgm:alg type="tx"/>
+                          <dgm:shape xmlns:r="http://schemas.openxmlformats.org/officeDocument/2006/relationships" type="downArrow" r:blip="">
+                            <dgm:adjLst>
+                              <dgm:adj idx="1" val="0.55"/>
+                              <dgm:adj idx="2" val="0.45"/>
+                            </dgm:adjLst>
+                          </dgm:shape>
+                          <dgm:presOf axis="ch" ptType="sibTrans" st="4" cnt="1"/>
+                          <dgm:constrLst>
+                            <dgm:constr type="lMarg" refType="primFontSz" fact="0.1"/>
+                            <dgm:constr type="rMarg" refType="primFontSz" fact="0.1"/>
+                            <dgm:constr type="tMarg" refType="primFontSz" fact="0.1"/>
+                            <dgm:constr type="bMarg" refType="primFontSz" fact="0.1"/>
+                          </dgm:constrLst>
+                          <dgm:ruleLst>
+                            <dgm:rule type="primFontSz" val="5" fact="NaN" max="NaN"/>
+                          </dgm:ruleLst>
+                        </dgm:layoutNode>
+                        <dgm:layoutNode name="FiveNodes_1_text">
+                          <dgm:varLst>
+                            <dgm:bulletEnabled val="1"/>
+                          </dgm:varLst>
+                          <dgm:alg type="tx">
+                            <dgm:param type="parTxLTRAlign" val="l"/>
+                            <dgm:param type="txAnchorVertCh" val="mid"/>
+                          </dgm:alg>
+                          <dgm:shape xmlns:r="http://schemas.openxmlformats.org/officeDocument/2006/relationships" type="roundRect" r:blip="" hideGeom="1">
+                            <dgm:adjLst>
+                              <dgm:adj idx="1" val="0.1"/>
+                            </dgm:adjLst>
+                          </dgm:shape>
+                          <dgm:presOf axis="ch desOrSelf" ptType="node node" st="1 1" cnt="1 0"/>
+                          <dgm:constrLst>
+                            <dgm:constr type="lMarg" refType="primFontSz" fact="0.3"/>
+                            <dgm:constr type="rMarg" refType="primFontSz" fact="0.3"/>
+                            <dgm:constr type="tMarg" refType="primFontSz" fact="0.3"/>
+                            <dgm:constr type="bMarg" refType="primFontSz" fact="0.3"/>
+                          </dgm:constrLst>
+                          <dgm:ruleLst>
+                            <dgm:rule type="primFontSz" val="5" fact="NaN" max="NaN"/>
+                          </dgm:ruleLst>
+                        </dgm:layoutNode>
+                        <dgm:layoutNode name="FiveNodes_2_text">
+                          <dgm:varLst>
+                            <dgm:bulletEnabled val="1"/>
+                          </dgm:varLst>
+                          <dgm:alg type="tx">
+                            <dgm:param type="parTxLTRAlign" val="l"/>
+                            <dgm:param type="txAnchorVertCh" val="mid"/>
+                          </dgm:alg>
+                          <dgm:shape xmlns:r="http://schemas.openxmlformats.org/officeDocument/2006/relationships" type="roundRect" r:blip="" hideGeom="1">
+                            <dgm:adjLst>
+                              <dgm:adj idx="1" val="0.1"/>
+                            </dgm:adjLst>
+                          </dgm:shape>
+                          <dgm:presOf axis="ch desOrSelf" ptType="node node" st="2 1" cnt="1 0"/>
+                          <dgm:constrLst>
+                            <dgm:constr type="lMarg" refType="primFontSz" fact="0.3"/>
+                            <dgm:constr type="rMarg" refType="primFontSz" fact="0.3"/>
+                            <dgm:constr type="tMarg" refType="primFontSz" fact="0.3"/>
+                            <dgm:constr type="bMarg" refType="primFontSz" fact="0.3"/>
+                          </dgm:constrLst>
+                          <dgm:ruleLst>
+                            <dgm:rule type="primFontSz" val="5" fact="NaN" max="NaN"/>
+                          </dgm:ruleLst>
+                        </dgm:layoutNode>
+                        <dgm:layoutNode name="FiveNodes_3_text">
+                          <dgm:varLst>
+                            <dgm:bulletEnabled val="1"/>
+                          </dgm:varLst>
+                          <dgm:alg type="tx">
+                            <dgm:param type="parTxLTRAlign" val="l"/>
+                            <dgm:param type="txAnchorVertCh" val="mid"/>
+                          </dgm:alg>
+                          <dgm:shape xmlns:r="http://schemas.openxmlformats.org/officeDocument/2006/relationships" type="roundRect" r:blip="" hideGeom="1">
+                            <dgm:adjLst>
+                              <dgm:adj idx="1" val="0.1"/>
+                            </dgm:adjLst>
+                          </dgm:shape>
+                          <dgm:presOf axis="ch desOrSelf" ptType="node node" st="3 1" cnt="1 0"/>
+                          <dgm:constrLst>
+                            <dgm:constr type="lMarg" refType="primFontSz" fact="0.3"/>
+                            <dgm:constr type="rMarg" refType="primFontSz" fact="0.3"/>
+                            <dgm:constr type="tMarg" refType="primFontSz" fact="0.3"/>
+                            <dgm:constr type="bMarg" refType="primFontSz" fact="0.3"/>
+                          </dgm:constrLst>
+                          <dgm:ruleLst>
+                            <dgm:rule type="primFontSz" val="5" fact="NaN" max="NaN"/>
+                          </dgm:ruleLst>
+                        </dgm:layoutNode>
+                        <dgm:layoutNode name="FiveNodes_4_text">
+                          <dgm:varLst>
+                            <dgm:bulletEnabled val="1"/>
+                          </dgm:varLst>
+                          <dgm:alg type="tx">
+                            <dgm:param type="parTxLTRAlign" val="l"/>
+                            <dgm:param type="txAnchorVertCh" val="mid"/>
+                          </dgm:alg>
+                          <dgm:shape xmlns:r="http://schemas.openxmlformats.org/officeDocument/2006/relationships" type="roundRect" r:blip="" hideGeom="1">
+                            <dgm:adjLst>
+                              <dgm:adj idx="1" val="0.1"/>
+                            </dgm:adjLst>
+                          </dgm:shape>
+                          <dgm:presOf axis="ch desOrSelf" ptType="node node" st="4 1" cnt="1 0"/>
+                          <dgm:constrLst>
+                            <dgm:constr type="lMarg" refType="primFontSz" fact="0.3"/>
+                            <dgm:constr type="rMarg" refType="primFontSz" fact="0.3"/>
+                            <dgm:constr type="tMarg" refType="primFontSz" fact="0.3"/>
+                            <dgm:constr type="bMarg" refType="primFontSz" fact="0.3"/>
+                          </dgm:constrLst>
+                          <dgm:ruleLst>
+                            <dgm:rule type="primFontSz" val="5" fact="NaN" max="NaN"/>
+                          </dgm:ruleLst>
+                        </dgm:layoutNode>
+                        <dgm:layoutNode name="FiveNodes_5_text">
+                          <dgm:varLst>
+                            <dgm:bulletEnabled val="1"/>
+                          </dgm:varLst>
+                          <dgm:alg type="tx">
+                            <dgm:param type="parTxLTRAlign" val="l"/>
+                            <dgm:param type="txAnchorVertCh" val="mid"/>
+                          </dgm:alg>
+                          <dgm:shape xmlns:r="http://schemas.openxmlformats.org/officeDocument/2006/relationships" type="roundRect" r:blip="" hideGeom="1">
+                            <dgm:adjLst>
+                              <dgm:adj idx="1" val="0.1"/>
+                            </dgm:adjLst>
+                          </dgm:shape>
+                          <dgm:presOf axis="ch desOrSelf" ptType="node node" st="5 1" cnt="1 0"/>
+                          <dgm:constrLst>
+                            <dgm:constr type="lMarg" refType="primFontSz" fact="0.3"/>
+                            <dgm:constr type="rMarg" refType="primFontSz" fact="0.3"/>
+                            <dgm:constr type="tMarg" refType="primFontSz" fact="0.3"/>
+                            <dgm:constr type="bMarg" refType="primFontSz" fact="0.3"/>
+                          </dgm:constrLst>
+                          <dgm:ruleLst>
+                            <dgm:rule type="primFontSz" val="5" fact="NaN" max="NaN"/>
+                          </dgm:ruleLst>
+                        </dgm:layoutNode>
+                      </dgm:if>
+                      <dgm:else name="Name17"/>
+                    </dgm:choose>
+                  </dgm:else>
+                </dgm:choose>
+              </dgm:else>
+            </dgm:choose>
+          </dgm:else>
+        </dgm:choose>
+      </dgm:else>
+    </dgm:choose>
+  </dgm:layoutNode>
+</dgm:layoutDef>
+</file>
+
+<file path=ppt/diagrams/quickStyle1.xml><?xml version="1.0" encoding="utf-8"?>
+<dgm:styleDef xmlns:dgm="http://schemas.openxmlformats.org/drawingml/2006/diagram" xmlns:a="http://schemas.openxmlformats.org/drawingml/2006/main" uniqueId="urn:microsoft.com/office/officeart/2005/8/quickstyle/simple4">
+  <dgm:title val=""/>
+  <dgm:desc val=""/>
+  <dgm:catLst>
+    <dgm:cat type="simple" pri="10400"/>
+  </dgm:catLst>
+  <dgm:scene3d>
+    <a:camera prst="orthographicFront"/>
+    <a:lightRig rig="threePt" dir="t"/>
+  </dgm:scene3d>
+  <dgm:styleLbl name="node0">
+    <dgm:scene3d>
+      <a:camera prst="orthographicFront"/>
+      <a:lightRig rig="threePt" dir="t"/>
+    </dgm:scene3d>
+    <dgm:sp3d/>
+    <dgm:txPr/>
+    <dgm:style>
+      <a:lnRef idx="0">
+        <a:scrgbClr r="0" g="0" b="0"/>
+      </a:lnRef>
+      <a:fillRef idx="3">
+        <a:scrgbClr r="0" g="0" b="0"/>
+      </a:fillRef>
+      <a:effectRef idx="2">
+        <a:scrgbClr r="0" g="0" b="0"/>
+      </a:effectRef>
+      <a:fontRef idx="minor">
+        <a:schemeClr val="lt1"/>
+      </a:fontRef>
+    </dgm:style>
+  </dgm:styleLbl>
+  <dgm:styleLbl name="lnNode1">
+    <dgm:scene3d>
+      <a:camera prst="orthographicFront"/>
+      <a:lightRig rig="threePt" dir="t"/>
+    </dgm:scene3d>
+    <dgm:sp3d/>
+    <dgm:txPr/>
+    <dgm:style>
+      <a:lnRef idx="1">
+        <a:scrgbClr r="0" g="0" b="0"/>
+      </a:lnRef>
+      <a:fillRef idx="3">
+        <a:scrgbClr r="0" g="0" b="0"/>
+      </a:fillRef>
+      <a:effectRef idx="2">
+        <a:scrgbClr r="0" g="0" b="0"/>
+      </a:effectRef>
+      <a:fontRef idx="minor">
+        <a:schemeClr val="lt1"/>
+      </a:fontRef>
+    </dgm:style>
+  </dgm:styleLbl>
+  <dgm:styleLbl name="vennNode1">
+    <dgm:scene3d>
+      <a:camera prst="orthographicFront"/>
+      <a:lightRig rig="threePt" dir="t"/>
+    </dgm:scene3d>
+    <dgm:sp3d/>
+    <dgm:txPr/>
+    <dgm:style>
+      <a:lnRef idx="0">
+        <a:scrgbClr r="0" g="0" b="0"/>
+      </a:lnRef>
+      <a:fillRef idx="3">
+        <a:scrgbClr r="0" g="0" b="0"/>
+      </a:fillRef>
+      <a:effectRef idx="0">
+        <a:scrgbClr r="0" g="0" b="0"/>
+      </a:effectRef>
+      <a:fontRef idx="minor">
+        <a:schemeClr val="tx1"/>
+      </a:fontRef>
+    </dgm:style>
+  </dgm:styleLbl>
+  <dgm:styleLbl name="alignNode1">
+    <dgm:scene3d>
+      <a:camera prst="orthographicFront"/>
+      <a:lightRig rig="threePt" dir="t"/>
+    </dgm:scene3d>
+    <dgm:sp3d/>
+    <dgm:txPr/>
+    <dgm:style>
+      <a:lnRef idx="1">
+        <a:scrgbClr r="0" g="0" b="0"/>
+      </a:lnRef>
+      <a:fillRef idx="3">
+        <a:scrgbClr r="0" g="0" b="0"/>
+      </a:fillRef>
+      <a:effectRef idx="2">
+        <a:scrgbClr r="0" g="0" b="0"/>
+      </a:effectRef>
+      <a:fontRef idx="minor">
+        <a:schemeClr val="lt1"/>
+      </a:fontRef>
+    </dgm:style>
+  </dgm:styleLbl>
+  <dgm:styleLbl name="node1">
+    <dgm:scene3d>
+      <a:camera prst="orthographicFront"/>
+      <a:lightRig rig="threePt" dir="t"/>
+    </dgm:scene3d>
+    <dgm:sp3d/>
+    <dgm:txPr/>
+    <dgm:style>
+      <a:lnRef idx="0">
+        <a:scrgbClr r="0" g="0" b="0"/>
+      </a:lnRef>
+      <a:fillRef idx="3">
+        <a:scrgbClr r="0" g="0" b="0"/>
+      </a:fillRef>
+      <a:effectRef idx="2">
+        <a:scrgbClr r="0" g="0" b="0"/>
+      </a:effectRef>
+      <a:fontRef idx="minor">
+        <a:schemeClr val="lt1"/>
+      </a:fontRef>
+    </dgm:style>
+  </dgm:styleLbl>
+  <dgm:styleLbl name="node2">
+    <dgm:scene3d>
+      <a:camera prst="orthographicFront"/>
+      <a:lightRig rig="threePt" dir="t"/>
+    </dgm:scene3d>
+    <dgm:sp3d/>
+    <dgm:txPr/>
+    <dgm:style>
+      <a:lnRef idx="0">
+        <a:scrgbClr r="0" g="0" b="0"/>
+      </a:lnRef>
+      <a:fillRef idx="3">
+        <a:scrgbClr r="0" g="0" b="0"/>
+      </a:fillRef>
+      <a:effectRef idx="2">
+        <a:scrgbClr r="0" g="0" b="0"/>
+      </a:effectRef>
+      <a:fontRef idx="minor">
+        <a:schemeClr val="lt1"/>
+      </a:fontRef>
+    </dgm:style>
+  </dgm:styleLbl>
+  <dgm:styleLbl name="node3">
+    <dgm:scene3d>
+      <a:camera prst="orthographicFront"/>
+      <a:lightRig rig="threePt" dir="t"/>
+    </dgm:scene3d>
+    <dgm:sp3d/>
+    <dgm:txPr/>
+    <dgm:style>
+      <a:lnRef idx="0">
+        <a:scrgbClr r="0" g="0" b="0"/>
+      </a:lnRef>
+      <a:fillRef idx="3">
+        <a:scrgbClr r="0" g="0" b="0"/>
+      </a:fillRef>
+      <a:effectRef idx="2">
+        <a:scrgbClr r="0" g="0" b="0"/>
+      </a:effectRef>
+      <a:fontRef idx="minor">
+        <a:schemeClr val="lt1"/>
+      </a:fontRef>
+    </dgm:style>
+  </dgm:styleLbl>
+  <dgm:styleLbl name="node4">
+    <dgm:scene3d>
+      <a:camera prst="orthographicFront"/>
+      <a:lightRig rig="threePt" dir="t"/>
+    </dgm:scene3d>
+    <dgm:sp3d/>
+    <dgm:txPr/>
+    <dgm:style>
+      <a:lnRef idx="0">
+        <a:scrgbClr r="0" g="0" b="0"/>
+      </a:lnRef>
+      <a:fillRef idx="3">
+        <a:scrgbClr r="0" g="0" b="0"/>
+      </a:fillRef>
+      <a:effectRef idx="2">
+        <a:scrgbClr r="0" g="0" b="0"/>
+      </a:effectRef>
+      <a:fontRef idx="minor">
+        <a:schemeClr val="lt1"/>
+      </a:fontRef>
+    </dgm:style>
+  </dgm:styleLbl>
+  <dgm:styleLbl name="fgImgPlace1">
+    <dgm:scene3d>
+      <a:camera prst="orthographicFront"/>
+      <a:lightRig rig="threePt" dir="t"/>
+    </dgm:scene3d>
+    <dgm:sp3d/>
+    <dgm:txPr/>
+    <dgm:style>
+      <a:lnRef idx="0">
+        <a:scrgbClr r="0" g="0" b="0"/>
+      </a:lnRef>
+      <a:fillRef idx="1">
+        <a:scrgbClr r="0" g="0" b="0"/>
+      </a:fillRef>
+      <a:effectRef idx="2">
+        <a:scrgbClr r="0" g="0" b="0"/>
+      </a:effectRef>
+      <a:fontRef idx="minor"/>
+    </dgm:style>
+  </dgm:styleLbl>
+  <dgm:styleLbl name="alignImgPlace1">
+    <dgm:scene3d>
+      <a:camera prst="orthographicFront"/>
+      <a:lightRig rig="threePt" dir="t"/>
+    </dgm:scene3d>
+    <dgm:sp3d/>
+    <dgm:txPr/>
+    <dgm:style>
+      <a:lnRef idx="0">
+        <a:scrgbClr r="0" g="0" b="0"/>
+      </a:lnRef>
+      <a:fillRef idx="1">
+        <a:scrgbClr r="0" g="0" b="0"/>
+      </a:fillRef>
+      <a:effectRef idx="2">
+        <a:scrgbClr r="0" g="0" b="0"/>
+      </a:effectRef>
+      <a:fontRef idx="minor"/>
+    </dgm:style>
+  </dgm:styleLbl>
+  <dgm:styleLbl name="bgImgPlace1">
+    <dgm:scene3d>
+      <a:camera prst="orthographicFront"/>
+      <a:lightRig rig="threePt" dir="t"/>
+    </dgm:scene3d>
+    <dgm:sp3d/>
+    <dgm:txPr/>
+    <dgm:style>
+      <a:lnRef idx="0">
+        <a:scrgbClr r="0" g="0" b="0"/>
+      </a:lnRef>
+      <a:fillRef idx="1">
+        <a:scrgbClr r="0" g="0" b="0"/>
+      </a:fillRef>
+      <a:effectRef idx="2">
+        <a:scrgbClr r="0" g="0" b="0"/>
+      </a:effectRef>
+      <a:fontRef idx="minor"/>
+    </dgm:style>
+  </dgm:styleLbl>
+  <dgm:styleLbl name="sibTrans2D1">
+    <dgm:scene3d>
+      <a:camera prst="orthographicFront"/>
+      <a:lightRig rig="threePt" dir="t"/>
+    </dgm:scene3d>
+    <dgm:sp3d/>
+    <dgm:txPr/>
+    <dgm:style>
+      <a:lnRef idx="0">
+        <a:scrgbClr r="0" g="0" b="0"/>
+      </a:lnRef>
+      <a:fillRef idx="3">
+        <a:scrgbClr r="0" g="0" b="0"/>
+      </a:fillRef>
+      <a:effectRef idx="2">
+        <a:scrgbClr r="0" g="0" b="0"/>
+      </a:effectRef>
+      <a:fontRef idx="minor">
+        <a:schemeClr val="lt1"/>
+      </a:fontRef>
+    </dgm:style>
+  </dgm:styleLbl>
+  <dgm:styleLbl name="fgSibTrans2D1">
+    <dgm:scene3d>
+      <a:camera prst="orthographicFront"/>
+      <a:lightRig rig="threePt" dir="t"/>
+    </dgm:scene3d>
+    <dgm:sp3d/>
+    <dgm:txPr/>
+    <dgm:style>
+      <a:lnRef idx="0">
+        <a:scrgbClr r="0" g="0" b="0"/>
+      </a:lnRef>
+      <a:fillRef idx="3">
+        <a:scrgbClr r="0" g="0" b="0"/>
+      </a:fillRef>
+      <a:effectRef idx="2">
+        <a:scrgbClr r="0" g="0" b="0"/>
+      </a:effectRef>
+      <a:fontRef idx="minor">
+        <a:schemeClr val="lt1"/>
+      </a:fontRef>
+    </dgm:style>
+  </dgm:styleLbl>
+  <dgm:styleLbl name="bgSibTrans2D1">
+    <dgm:scene3d>
+      <a:camera prst="orthographicFront"/>
+      <a:lightRig rig="threePt" dir="t"/>
+    </dgm:scene3d>
+    <dgm:sp3d/>
+    <dgm:txPr/>
+    <dgm:style>
+      <a:lnRef idx="0">
+        <a:scrgbClr r="0" g="0" b="0"/>
+      </a:lnRef>
+      <a:fillRef idx="3">
+        <a:scrgbClr r="0" g="0" b="0"/>
+      </a:fillRef>
+      <a:effectRef idx="2">
+        <a:scrgbClr r="0" g="0" b="0"/>
+      </a:effectRef>
+      <a:fontRef idx="minor">
+        <a:schemeClr val="lt1"/>
+      </a:fontRef>
+    </dgm:style>
+  </dgm:styleLbl>
+  <dgm:styleLbl name="sibTrans1D1">
+    <dgm:scene3d>
+      <a:camera prst="orthographicFront"/>
+      <a:lightRig rig="threePt" dir="t"/>
+    </dgm:scene3d>
+    <dgm:sp3d/>
+    <dgm:txPr/>
+    <dgm:style>
+      <a:lnRef idx="1">
+        <a:scrgbClr r="0" g="0" b="0"/>
+      </a:lnRef>
+      <a:fillRef idx="0">
+        <a:scrgbClr r="0" g="0" b="0"/>
+      </a:fillRef>
+      <a:effectRef idx="0">
+        <a:scrgbClr r="0" g="0" b="0"/>
+      </a:effectRef>
+      <a:fontRef idx="minor"/>
+    </dgm:style>
+  </dgm:styleLbl>
+  <dgm:styleLbl name="callout">
+    <dgm:scene3d>
+      <a:camera prst="orthographicFront"/>
+      <a:lightRig rig="threePt" dir="t"/>
+    </dgm:scene3d>
+    <dgm:sp3d/>
+    <dgm:txPr/>
+    <dgm:style>
+      <a:lnRef idx="2">
+        <a:scrgbClr r="0" g="0" b="0"/>
+      </a:lnRef>
+      <a:fillRef idx="1">
+        <a:scrgbClr r="0" g="0" b="0"/>
+      </a:fillRef>
+      <a:effectRef idx="1">
+        <a:scrgbClr r="0" g="0" b="0"/>
+      </a:effectRef>
+      <a:fontRef idx="minor"/>
+    </dgm:style>
+  </dgm:styleLbl>
+  <dgm:styleLbl name="asst0">
+    <dgm:scene3d>
+      <a:camera prst="orthographicFront"/>
+      <a:lightRig rig="threePt" dir="t"/>
+    </dgm:scene3d>
+    <dgm:sp3d/>
+    <dgm:txPr/>
+    <dgm:style>
+      <a:lnRef idx="0">
+        <a:scrgbClr r="0" g="0" b="0"/>
+      </a:lnRef>
+      <a:fillRef idx="3">
+        <a:scrgbClr r="0" g="0" b="0"/>
+      </a:fillRef>
+      <a:effectRef idx="2">
+        <a:scrgbClr r="0" g="0" b="0"/>
+      </a:effectRef>
+      <a:fontRef idx="minor">
+        <a:schemeClr val="lt1"/>
+      </a:fontRef>
+    </dgm:style>
+  </dgm:styleLbl>
+  <dgm:styleLbl name="asst1">
+    <dgm:scene3d>
+      <a:camera prst="orthographicFront"/>
+      <a:lightRig rig="threePt" dir="t"/>
+    </dgm:scene3d>
+    <dgm:sp3d/>
+    <dgm:txPr/>
+    <dgm:style>
+      <a:lnRef idx="0">
+        <a:scrgbClr r="0" g="0" b="0"/>
+      </a:lnRef>
+      <a:fillRef idx="3">
+        <a:scrgbClr r="0" g="0" b="0"/>
+      </a:fillRef>
+      <a:effectRef idx="2">
+        <a:scrgbClr r="0" g="0" b="0"/>
+      </a:effectRef>
+      <a:fontRef idx="minor">
+        <a:schemeClr val="lt1"/>
+      </a:fontRef>
+    </dgm:style>
+  </dgm:styleLbl>
+  <dgm:styleLbl name="asst2">
+    <dgm:scene3d>
+      <a:camera prst="orthographicFront"/>
+      <a:lightRig rig="threePt" dir="t"/>
+    </dgm:scene3d>
+    <dgm:sp3d/>
+    <dgm:txPr/>
+    <dgm:style>
+      <a:lnRef idx="0">
+        <a:scrgbClr r="0" g="0" b="0"/>
+      </a:lnRef>
+      <a:fillRef idx="3">
+        <a:scrgbClr r="0" g="0" b="0"/>
+      </a:fillRef>
+      <a:effectRef idx="2">
+        <a:scrgbClr r="0" g="0" b="0"/>
+      </a:effectRef>
+      <a:fontRef idx="minor">
+        <a:schemeClr val="lt1"/>
+      </a:fontRef>
+    </dgm:style>
+  </dgm:styleLbl>
+  <dgm:styleLbl name="asst3">
+    <dgm:scene3d>
+      <a:camera prst="orthographicFront"/>
+      <a:lightRig rig="threePt" dir="t"/>
+    </dgm:scene3d>
+    <dgm:sp3d/>
+    <dgm:txPr/>
+    <dgm:style>
+      <a:lnRef idx="0">
+        <a:scrgbClr r="0" g="0" b="0"/>
+      </a:lnRef>
+      <a:fillRef idx="3">
+        <a:scrgbClr r="0" g="0" b="0"/>
+      </a:fillRef>
+      <a:effectRef idx="2">
+        <a:scrgbClr r="0" g="0" b="0"/>
+      </a:effectRef>
+      <a:fontRef idx="minor">
+        <a:schemeClr val="lt1"/>
+      </a:fontRef>
+    </dgm:style>
+  </dgm:styleLbl>
+  <dgm:styleLbl name="asst4">
+    <dgm:scene3d>
+      <a:camera prst="orthographicFront"/>
+      <a:lightRig rig="threePt" dir="t"/>
+    </dgm:scene3d>
+    <dgm:sp3d/>
+    <dgm:txPr/>
+    <dgm:style>
+      <a:lnRef idx="0">
+        <a:scrgbClr r="0" g="0" b="0"/>
+      </a:lnRef>
+      <a:fillRef idx="3">
+        <a:scrgbClr r="0" g="0" b="0"/>
+      </a:fillRef>
+      <a:effectRef idx="2">
+        <a:scrgbClr r="0" g="0" b="0"/>
+      </a:effectRef>
+      <a:fontRef idx="minor">
+        <a:schemeClr val="lt1"/>
+      </a:fontRef>
+    </dgm:style>
+  </dgm:styleLbl>
+  <dgm:styleLbl name="parChTrans2D1">
+    <dgm:scene3d>
+      <a:camera prst="orthographicFront"/>
+      <a:lightRig rig="threePt" dir="t"/>
+    </dgm:scene3d>
+    <dgm:sp3d/>
+    <dgm:txPr/>
+    <dgm:style>
+      <a:lnRef idx="0">
+        <a:scrgbClr r="0" g="0" b="0"/>
+      </a:lnRef>
+      <a:fillRef idx="3">
+        <a:scrgbClr r="0" g="0" b="0"/>
+      </a:fillRef>
+      <a:effectRef idx="2">
+        <a:scrgbClr r="0" g="0" b="0"/>
+      </a:effectRef>
+      <a:fontRef idx="minor">
+        <a:schemeClr val="lt1"/>
+      </a:fontRef>
+    </dgm:style>
+  </dgm:styleLbl>
+  <dgm:styleLbl name="parChTrans2D2">
+    <dgm:scene3d>
+      <a:camera prst="orthographicFront"/>
+      <a:lightRig rig="threePt" dir="t"/>
+    </dgm:scene3d>
+    <dgm:sp3d/>
+    <dgm:txPr/>
+    <dgm:style>
+      <a:lnRef idx="0">
+        <a:scrgbClr r="0" g="0" b="0"/>
+      </a:lnRef>
+      <a:fillRef idx="3">
+        <a:scrgbClr r="0" g="0" b="0"/>
+      </a:fillRef>
+      <a:effectRef idx="2">
+        <a:scrgbClr r="0" g="0" b="0"/>
+      </a:effectRef>
+      <a:fontRef idx="minor">
+        <a:schemeClr val="lt1"/>
+      </a:fontRef>
+    </dgm:style>
+  </dgm:styleLbl>
+  <dgm:styleLbl name="parChTrans2D3">
+    <dgm:scene3d>
+      <a:camera prst="orthographicFront"/>
+      <a:lightRig rig="threePt" dir="t"/>
+    </dgm:scene3d>
+    <dgm:sp3d/>
+    <dgm:txPr/>
+    <dgm:style>
+      <a:lnRef idx="1">
+        <a:scrgbClr r="0" g="0" b="0"/>
+      </a:lnRef>
+      <a:fillRef idx="3">
+        <a:scrgbClr r="0" g="0" b="0"/>
+      </a:fillRef>
+      <a:effectRef idx="2">
+        <a:scrgbClr r="0" g="0" b="0"/>
+      </a:effectRef>
+      <a:fontRef idx="minor">
+        <a:schemeClr val="lt1"/>
+      </a:fontRef>
+    </dgm:style>
+  </dgm:styleLbl>
+  <dgm:styleLbl name="parChTrans2D4">
+    <dgm:scene3d>
+      <a:camera prst="orthographicFront"/>
+      <a:lightRig rig="threePt" dir="t"/>
+    </dgm:scene3d>
+    <dgm:sp3d/>
+    <dgm:txPr/>
+    <dgm:style>
+      <a:lnRef idx="1">
+        <a:scrgbClr r="0" g="0" b="0"/>
+      </a:lnRef>
+      <a:fillRef idx="3">
+        <a:scrgbClr r="0" g="0" b="0"/>
+      </a:fillRef>
+      <a:effectRef idx="2">
+        <a:scrgbClr r="0" g="0" b="0"/>
+      </a:effectRef>
+      <a:fontRef idx="minor">
+        <a:schemeClr val="lt1"/>
+      </a:fontRef>
+    </dgm:style>
+  </dgm:styleLbl>
+  <dgm:styleLbl name="parChTrans1D1">
+    <dgm:scene3d>
+      <a:camera prst="orthographicFront"/>
+      <a:lightRig rig="threePt" dir="t"/>
+    </dgm:scene3d>
+    <dgm:sp3d/>
+    <dgm:txPr/>
+    <dgm:style>
+      <a:lnRef idx="1">
+        <a:scrgbClr r="0" g="0" b="0"/>
+      </a:lnRef>
+      <a:fillRef idx="0">
+        <a:scrgbClr r="0" g="0" b="0"/>
+      </a:fillRef>
+      <a:effectRef idx="0">
+        <a:scrgbClr r="0" g="0" b="0"/>
+      </a:effectRef>
+      <a:fontRef idx="minor"/>
+    </dgm:style>
+  </dgm:styleLbl>
+  <dgm:styleLbl name="parChTrans1D2">
+    <dgm:scene3d>
+      <a:camera prst="orthographicFront"/>
+      <a:lightRig rig="threePt" dir="t"/>
+    </dgm:scene3d>
+    <dgm:sp3d/>
+    <dgm:txPr/>
+    <dgm:style>
+      <a:lnRef idx="1">
+        <a:scrgbClr r="0" g="0" b="0"/>
+      </a:lnRef>
+      <a:fillRef idx="0">
+        <a:scrgbClr r="0" g="0" b="0"/>
+      </a:fillRef>
+      <a:effectRef idx="0">
+        <a:scrgbClr r="0" g="0" b="0"/>
+      </a:effectRef>
+      <a:fontRef idx="minor"/>
+    </dgm:style>
+  </dgm:styleLbl>
+  <dgm:styleLbl name="parChTrans1D3">
+    <dgm:scene3d>
+      <a:camera prst="orthographicFront"/>
+      <a:lightRig rig="threePt" dir="t"/>
+    </dgm:scene3d>
+    <dgm:sp3d/>
+    <dgm:txPr/>
+    <dgm:style>
+      <a:lnRef idx="1">
+        <a:scrgbClr r="0" g="0" b="0"/>
+      </a:lnRef>
+      <a:fillRef idx="0">
+        <a:scrgbClr r="0" g="0" b="0"/>
+      </a:fillRef>
+      <a:effectRef idx="0">
+        <a:scrgbClr r="0" g="0" b="0"/>
+      </a:effectRef>
+      <a:fontRef idx="minor"/>
+    </dgm:style>
+  </dgm:styleLbl>
+  <dgm:styleLbl name="parChTrans1D4">
+    <dgm:scene3d>
+      <a:camera prst="orthographicFront"/>
+      <a:lightRig rig="threePt" dir="t"/>
+    </dgm:scene3d>
+    <dgm:sp3d/>
+    <dgm:txPr/>
+    <dgm:style>
+      <a:lnRef idx="1">
+        <a:scrgbClr r="0" g="0" b="0"/>
+      </a:lnRef>
+      <a:fillRef idx="0">
+        <a:scrgbClr r="0" g="0" b="0"/>
+      </a:fillRef>
+      <a:effectRef idx="0">
+        <a:scrgbClr r="0" g="0" b="0"/>
+      </a:effectRef>
+      <a:fontRef idx="minor"/>
+    </dgm:style>
+  </dgm:styleLbl>
+  <dgm:styleLbl name="fgAcc1">
+    <dgm:scene3d>
+      <a:camera prst="orthographicFront"/>
+      <a:lightRig rig="threePt" dir="t"/>
+    </dgm:scene3d>
+    <dgm:sp3d/>
+    <dgm:txPr/>
+    <dgm:style>
+      <a:lnRef idx="1">
+        <a:scrgbClr r="0" g="0" b="0"/>
+      </a:lnRef>
+      <a:fillRef idx="1">
+        <a:scrgbClr r="0" g="0" b="0"/>
+      </a:fillRef>
+      <a:effectRef idx="0">
+        <a:scrgbClr r="0" g="0" b="0"/>
+      </a:effectRef>
+      <a:fontRef idx="minor"/>
+    </dgm:style>
+  </dgm:styleLbl>
+  <dgm:styleLbl name="conFgAcc1">
+    <dgm:scene3d>
+      <a:camera prst="orthographicFront"/>
+      <a:lightRig rig="threePt" dir="t"/>
+    </dgm:scene3d>
+    <dgm:sp3d/>
+    <dgm:txPr/>
+    <dgm:style>
+      <a:lnRef idx="1">
+        <a:scrgbClr r="0" g="0" b="0"/>
+      </a:lnRef>
+      <a:fillRef idx="1">
+        <a:scrgbClr r="0" g="0" b="0"/>
+      </a:fillRef>
+      <a:effectRef idx="0">
+        <a:scrgbClr r="0" g="0" b="0"/>
+      </a:effectRef>
+      <a:fontRef idx="minor"/>
+    </dgm:style>
+  </dgm:styleLbl>
+  <dgm:styleLbl name="alignAcc1">
+    <dgm:scene3d>
+      <a:camera prst="orthographicFront"/>
+      <a:lightRig rig="threePt" dir="t"/>
+    </dgm:scene3d>
+    <dgm:sp3d/>
+    <dgm:txPr/>
+    <dgm:style>
+      <a:lnRef idx="1">
+        <a:scrgbClr r="0" g="0" b="0"/>
+      </a:lnRef>
+      <a:fillRef idx="1">
+        <a:scrgbClr r="0" g="0" b="0"/>
+      </a:fillRef>
+      <a:effectRef idx="0">
+        <a:scrgbClr r="0" g="0" b="0"/>
+      </a:effectRef>
+      <a:fontRef idx="minor"/>
+    </dgm:style>
+  </dgm:styleLbl>
+  <dgm:styleLbl name="trAlignAcc1">
+    <dgm:scene3d>
+      <a:camera prst="orthographicFront"/>
+      <a:lightRig rig="threePt" dir="t"/>
+    </dgm:scene3d>
+    <dgm:sp3d/>
+    <dgm:txPr/>
+    <dgm:style>
+      <a:lnRef idx="1">
+        <a:scrgbClr r="0" g="0" b="0"/>
+      </a:lnRef>
+      <a:fillRef idx="1">
+        <a:scrgbClr r="0" g="0" b="0"/>
+      </a:fillRef>
+      <a:effectRef idx="0">
+        <a:scrgbClr r="0" g="0" b="0"/>
+      </a:effectRef>
+      <a:fontRef idx="minor"/>
+    </dgm:style>
+  </dgm:styleLbl>
+  <dgm:styleLbl name="bgAcc1">
+    <dgm:scene3d>
+      <a:camera prst="orthographicFront"/>
+      <a:lightRig rig="threePt" dir="t"/>
+    </dgm:scene3d>
+    <dgm:sp3d/>
+    <dgm:txPr/>
+    <dgm:style>
+      <a:lnRef idx="1">
+        <a:scrgbClr r="0" g="0" b="0"/>
+      </a:lnRef>
+      <a:fillRef idx="1">
+        <a:scrgbClr r="0" g="0" b="0"/>
+      </a:fillRef>
+      <a:effectRef idx="0">
+        <a:scrgbClr r="0" g="0" b="0"/>
+      </a:effectRef>
+      <a:fontRef idx="minor"/>
+    </dgm:style>
+  </dgm:styleLbl>
+  <dgm:styleLbl name="solidFgAcc1">
+    <dgm:scene3d>
+      <a:camera prst="orthographicFront"/>
+      <a:lightRig rig="threePt" dir="t"/>
+    </dgm:scene3d>
+    <dgm:sp3d/>
+    <dgm:txPr/>
+    <dgm:style>
+      <a:lnRef idx="1">
+        <a:scrgbClr r="0" g="0" b="0"/>
+      </a:lnRef>
+      <a:fillRef idx="1">
+        <a:scrgbClr r="0" g="0" b="0"/>
+      </a:fillRef>
+      <a:effectRef idx="0">
+        <a:scrgbClr r="0" g="0" b="0"/>
+      </a:effectRef>
+      <a:fontRef idx="minor"/>
+    </dgm:style>
+  </dgm:styleLbl>
+  <dgm:styleLbl name="solidAlignAcc1">
+    <dgm:scene3d>
+      <a:camera prst="orthographicFront"/>
+      <a:lightRig rig="threePt" dir="t"/>
+    </dgm:scene3d>
+    <dgm:sp3d/>
+    <dgm:txPr/>
+    <dgm:style>
+      <a:lnRef idx="1">
+        <a:scrgbClr r="0" g="0" b="0"/>
+      </a:lnRef>
+      <a:fillRef idx="1">
+        <a:scrgbClr r="0" g="0" b="0"/>
+      </a:fillRef>
+      <a:effectRef idx="0">
+        <a:scrgbClr r="0" g="0" b="0"/>
+      </a:effectRef>
+      <a:fontRef idx="minor"/>
+    </dgm:style>
+  </dgm:styleLbl>
+  <dgm:styleLbl name="solidBgAcc1">
+    <dgm:scene3d>
+      <a:camera prst="orthographicFront"/>
+      <a:lightRig rig="threePt" dir="t"/>
+    </dgm:scene3d>
+    <dgm:sp3d/>
+    <dgm:txPr/>
+    <dgm:style>
+      <a:lnRef idx="1">
+        <a:scrgbClr r="0" g="0" b="0"/>
+      </a:lnRef>
+      <a:fillRef idx="1">
+        <a:scrgbClr r="0" g="0" b="0"/>
+      </a:fillRef>
+      <a:effectRef idx="0">
+        <a:scrgbClr r="0" g="0" b="0"/>
+      </a:effectRef>
+      <a:fontRef idx="minor"/>
+    </dgm:style>
+  </dgm:styleLbl>
+  <dgm:styleLbl name="fgAccFollowNode1">
+    <dgm:scene3d>
+      <a:camera prst="orthographicFront"/>
+      <a:lightRig rig="threePt" dir="t"/>
+    </dgm:scene3d>
+    <dgm:sp3d/>
+    <dgm:txPr/>
+    <dgm:style>
+      <a:lnRef idx="1">
+        <a:scrgbClr r="0" g="0" b="0"/>
+      </a:lnRef>
+      <a:fillRef idx="1">
+        <a:scrgbClr r="0" g="0" b="0"/>
+      </a:fillRef>
+      <a:effectRef idx="0">
+        <a:scrgbClr r="0" g="0" b="0"/>
+      </a:effectRef>
+      <a:fontRef idx="minor"/>
+    </dgm:style>
+  </dgm:styleLbl>
+  <dgm:styleLbl name="alignAccFollowNode1">
+    <dgm:scene3d>
+      <a:camera prst="orthographicFront"/>
+      <a:lightRig rig="threePt" dir="t"/>
+    </dgm:scene3d>
+    <dgm:sp3d/>
+    <dgm:txPr/>
+    <dgm:style>
+      <a:lnRef idx="1">
+        <a:scrgbClr r="0" g="0" b="0"/>
+      </a:lnRef>
+      <a:fillRef idx="1">
+        <a:scrgbClr r="0" g="0" b="0"/>
+      </a:fillRef>
+      <a:effectRef idx="0">
+        <a:scrgbClr r="0" g="0" b="0"/>
+      </a:effectRef>
+      <a:fontRef idx="minor"/>
+    </dgm:style>
+  </dgm:styleLbl>
+  <dgm:styleLbl name="bgAccFollowNode1">
+    <dgm:scene3d>
+      <a:camera prst="orthographicFront"/>
+      <a:lightRig rig="threePt" dir="t"/>
+    </dgm:scene3d>
+    <dgm:sp3d/>
+    <dgm:txPr/>
+    <dgm:style>
+      <a:lnRef idx="1">
+        <a:scrgbClr r="0" g="0" b="0"/>
+      </a:lnRef>
+      <a:fillRef idx="1">
+        <a:scrgbClr r="0" g="0" b="0"/>
+      </a:fillRef>
+      <a:effectRef idx="0">
+        <a:scrgbClr r="0" g="0" b="0"/>
+      </a:effectRef>
+      <a:fontRef idx="minor"/>
+    </dgm:style>
+  </dgm:styleLbl>
+  <dgm:styleLbl name="fgAcc0">
+    <dgm:scene3d>
+      <a:camera prst="orthographicFront"/>
+      <a:lightRig rig="threePt" dir="t"/>
+    </dgm:scene3d>
+    <dgm:sp3d/>
+    <dgm:txPr/>
+    <dgm:style>
+      <a:lnRef idx="1">
+        <a:scrgbClr r="0" g="0" b="0"/>
+      </a:lnRef>
+      <a:fillRef idx="1">
+        <a:scrgbClr r="0" g="0" b="0"/>
+      </a:fillRef>
+      <a:effectRef idx="0">
+        <a:scrgbClr r="0" g="0" b="0"/>
+      </a:effectRef>
+      <a:fontRef idx="minor"/>
+    </dgm:style>
+  </dgm:styleLbl>
+  <dgm:styleLbl name="fgAcc2">
+    <dgm:scene3d>
+      <a:camera prst="orthographicFront"/>
+      <a:lightRig rig="threePt" dir="t"/>
+    </dgm:scene3d>
+    <dgm:sp3d/>
+    <dgm:txPr/>
+    <dgm:style>
+      <a:lnRef idx="1">
+        <a:scrgbClr r="0" g="0" b="0"/>
+      </a:lnRef>
+      <a:fillRef idx="1">
+        <a:scrgbClr r="0" g="0" b="0"/>
+      </a:fillRef>
+      <a:effectRef idx="0">
+        <a:scrgbClr r="0" g="0" b="0"/>
+      </a:effectRef>
+      <a:fontRef idx="minor"/>
+    </dgm:style>
+  </dgm:styleLbl>
+  <dgm:styleLbl name="fgAcc3">
+    <dgm:scene3d>
+      <a:camera prst="orthographicFront"/>
+      <a:lightRig rig="threePt" dir="t"/>
+    </dgm:scene3d>
+    <dgm:sp3d/>
+    <dgm:txPr/>
+    <dgm:style>
+      <a:lnRef idx="1">
+        <a:scrgbClr r="0" g="0" b="0"/>
+      </a:lnRef>
+      <a:fillRef idx="1">
+        <a:scrgbClr r="0" g="0" b="0"/>
+      </a:fillRef>
+      <a:effectRef idx="0">
+        <a:scrgbClr r="0" g="0" b="0"/>
+      </a:effectRef>
+      <a:fontRef idx="minor"/>
+    </dgm:style>
+  </dgm:styleLbl>
+  <dgm:styleLbl name="fgAcc4">
+    <dgm:scene3d>
+      <a:camera prst="orthographicFront"/>
+      <a:lightRig rig="threePt" dir="t"/>
+    </dgm:scene3d>
+    <dgm:sp3d/>
+    <dgm:txPr/>
+    <dgm:style>
+      <a:lnRef idx="1">
+        <a:scrgbClr r="0" g="0" b="0"/>
+      </a:lnRef>
+      <a:fillRef idx="1">
+        <a:scrgbClr r="0" g="0" b="0"/>
+      </a:fillRef>
+      <a:effectRef idx="0">
+        <a:scrgbClr r="0" g="0" b="0"/>
+      </a:effectRef>
+      <a:fontRef idx="minor"/>
+    </dgm:style>
+  </dgm:styleLbl>
+  <dgm:styleLbl name="bgShp">
+    <dgm:scene3d>
+      <a:camera prst="orthographicFront"/>
+      <a:lightRig rig="threePt" dir="t"/>
+    </dgm:scene3d>
+    <dgm:sp3d/>
+    <dgm:txPr/>
+    <dgm:style>
+      <a:lnRef idx="0">
+        <a:scrgbClr r="0" g="0" b="0"/>
+      </a:lnRef>
+      <a:fillRef idx="1">
+        <a:scrgbClr r="0" g="0" b="0"/>
+      </a:fillRef>
+      <a:effectRef idx="2">
+        <a:scrgbClr r="0" g="0" b="0"/>
+      </a:effectRef>
+      <a:fontRef idx="minor"/>
+    </dgm:style>
+  </dgm:styleLbl>
+  <dgm:styleLbl name="dkBgShp">
+    <dgm:scene3d>
+      <a:camera prst="orthographicFront"/>
+      <a:lightRig rig="threePt" dir="t"/>
+    </dgm:scene3d>
+    <dgm:sp3d/>
+    <dgm:txPr/>
+    <dgm:style>
+      <a:lnRef idx="0">
+        <a:scrgbClr r="0" g="0" b="0"/>
+      </a:lnRef>
+      <a:fillRef idx="1">
+        <a:scrgbClr r="0" g="0" b="0"/>
+      </a:fillRef>
+      <a:effectRef idx="2">
+        <a:scrgbClr r="0" g="0" b="0"/>
+      </a:effectRef>
+      <a:fontRef idx="minor"/>
+    </dgm:style>
+  </dgm:styleLbl>
+  <dgm:styleLbl name="trBgShp">
+    <dgm:scene3d>
+      <a:camera prst="orthographicFront"/>
+      <a:lightRig rig="threePt" dir="t"/>
+    </dgm:scene3d>
+    <dgm:sp3d/>
+    <dgm:txPr/>
+    <dgm:style>
+      <a:lnRef idx="0">
+        <a:scrgbClr r="0" g="0" b="0"/>
+      </a:lnRef>
+      <a:fillRef idx="1">
+        <a:scrgbClr r="0" g="0" b="0"/>
+      </a:fillRef>
+      <a:effectRef idx="0">
+        <a:scrgbClr r="0" g="0" b="0"/>
+      </a:effectRef>
+      <a:fontRef idx="minor"/>
+    </dgm:style>
+  </dgm:styleLbl>
+  <dgm:styleLbl name="fgShp">
+    <dgm:scene3d>
+      <a:camera prst="orthographicFront"/>
+      <a:lightRig rig="threePt" dir="t"/>
+    </dgm:scene3d>
+    <dgm:sp3d/>
+    <dgm:txPr/>
+    <dgm:style>
+      <a:lnRef idx="0">
+        <a:scrgbClr r="0" g="0" b="0"/>
+      </a:lnRef>
+      <a:fillRef idx="3">
+        <a:scrgbClr r="0" g="0" b="0"/>
+      </a:fillRef>
+      <a:effectRef idx="2">
+        <a:scrgbClr r="0" g="0" b="0"/>
+      </a:effectRef>
+      <a:fontRef idx="minor"/>
+    </dgm:style>
+  </dgm:styleLbl>
+  <dgm:styleLbl name="revTx">
+    <dgm:scene3d>
+      <a:camera prst="orthographicFront"/>
+      <a:lightRig rig="threePt" dir="t"/>
+    </dgm:scene3d>
+    <dgm:sp3d/>
+    <dgm:txPr/>
+    <dgm:style>
+      <a:lnRef idx="0">
+        <a:scrgbClr r="0" g="0" b="0"/>
+      </a:lnRef>
+      <a:fillRef idx="0">
+        <a:scrgbClr r="0" g="0" b="0"/>
+      </a:fillRef>
+      <a:effectRef idx="0">
+        <a:scrgbClr r="0" g="0" b="0"/>
+      </a:effectRef>
+      <a:fontRef idx="minor"/>
+    </dgm:style>
+  </dgm:styleLbl>
+</dgm:styleDef>
+</file>
+
+<file path=ppt/notesMasters/notesMaster1.xml><?xml version="1.0" encoding="utf-8"?>
+<p:notesMaster xmlns:a="http://schemas.openxmlformats.org/drawingml/2006/main" xmlns:r="http://schemas.openxmlformats.org/officeDocument/2006/relationships" xmlns:p="http://schemas.openxmlformats.org/presentationml/2006/main">
+  <p:cSld>
+    <p:bg>
+      <p:bgRef idx="1001">
+        <a:schemeClr val="bg1"/>
+      </p:bgRef>
+    </p:bg>
+    <p:spTree>
+      <p:nvGrpSpPr>
+        <p:cNvPr id="1" name=""/>
+        <p:cNvGrpSpPr/>
+        <p:nvPr/>
+      </p:nvGrpSpPr>
+      <p:grpSpPr>
+        <a:xfrm>
+          <a:off x="0" y="0"/>
+          <a:ext cx="0" cy="0"/>
+          <a:chOff x="0" y="0"/>
+          <a:chExt cx="0" cy="0"/>
+        </a:xfrm>
+      </p:grpSpPr>
+      <p:sp>
+        <p:nvSpPr>
+          <p:cNvPr id="2" name="Header Placeholder 1"/>
+          <p:cNvSpPr>
+            <a:spLocks noGrp="1"/>
+          </p:cNvSpPr>
+          <p:nvPr>
+            <p:ph type="hdr" sz="quarter"/>
+          </p:nvPr>
+        </p:nvSpPr>
+        <p:spPr>
+          <a:xfrm>
+            <a:off x="0" y="0"/>
+            <a:ext cx="2971800" cy="458788"/>
+          </a:xfrm>
+          <a:prstGeom prst="rect">
+            <a:avLst/>
+          </a:prstGeom>
+        </p:spPr>
+        <p:txBody>
+          <a:bodyPr vert="horz" lIns="91440" tIns="45720" rIns="91440" bIns="45720" rtlCol="0"/>
+          <a:lstStyle>
+            <a:lvl1pPr algn="l">
+              <a:defRPr sz="1200"/>
+            </a:lvl1pPr>
+          </a:lstStyle>
+          <a:p>
+            <a:endParaRPr lang="en-US"/>
+          </a:p>
+        </p:txBody>
+      </p:sp>
+      <p:sp>
+        <p:nvSpPr>
+          <p:cNvPr id="3" name="Date Placeholder 2"/>
+          <p:cNvSpPr>
+            <a:spLocks noGrp="1"/>
+          </p:cNvSpPr>
+          <p:nvPr>
+            <p:ph type="dt" idx="1"/>
+          </p:nvPr>
+        </p:nvSpPr>
+        <p:spPr>
+          <a:xfrm>
+            <a:off x="3884613" y="0"/>
+            <a:ext cx="2971800" cy="458788"/>
+          </a:xfrm>
+          <a:prstGeom prst="rect">
+            <a:avLst/>
+          </a:prstGeom>
+        </p:spPr>
+        <p:txBody>
+          <a:bodyPr vert="horz" lIns="91440" tIns="45720" rIns="91440" bIns="45720" rtlCol="0"/>
+          <a:lstStyle>
+            <a:lvl1pPr algn="r">
+              <a:defRPr sz="1200"/>
+            </a:lvl1pPr>
+          </a:lstStyle>
+          <a:p>
+            <a:fld id="{03C93BE2-99B6-48DB-96C0-DD5EE474C4BD}" type="datetimeFigureOut">
+              <a:rPr lang="en-US" smtClean="0"/>
+              <a:t>3/9/21</a:t>
+            </a:fld>
+            <a:endParaRPr lang="en-US"/>
+          </a:p>
+        </p:txBody>
+      </p:sp>
+      <p:sp>
+        <p:nvSpPr>
+          <p:cNvPr id="4" name="Slide Image Placeholder 3"/>
+          <p:cNvSpPr>
+            <a:spLocks noGrp="1" noRot="1" noChangeAspect="1"/>
+          </p:cNvSpPr>
+          <p:nvPr>
+            <p:ph type="sldImg" idx="2"/>
+          </p:nvPr>
+        </p:nvSpPr>
+        <p:spPr>
+          <a:xfrm>
+            <a:off x="685800" y="1143000"/>
+            <a:ext cx="5486400" cy="3086100"/>
+          </a:xfrm>
+          <a:prstGeom prst="rect">
+            <a:avLst/>
+          </a:prstGeom>
+          <a:noFill/>
+          <a:ln w="12700">
+            <a:solidFill>
+              <a:prstClr val="black"/>
+            </a:solidFill>
+          </a:ln>
+        </p:spPr>
+        <p:txBody>
+          <a:bodyPr vert="horz" lIns="91440" tIns="45720" rIns="91440" bIns="45720" rtlCol="0" anchor="ctr"/>
+          <a:lstStyle/>
+          <a:p>
+            <a:endParaRPr lang="en-US"/>
+          </a:p>
+        </p:txBody>
+      </p:sp>
+      <p:sp>
+        <p:nvSpPr>
+          <p:cNvPr id="5" name="Notes Placeholder 4"/>
+          <p:cNvSpPr>
+            <a:spLocks noGrp="1"/>
+          </p:cNvSpPr>
+          <p:nvPr>
+            <p:ph type="body" sz="quarter" idx="3"/>
+          </p:nvPr>
+        </p:nvSpPr>
+        <p:spPr>
+          <a:xfrm>
+            <a:off x="685800" y="4400550"/>
+            <a:ext cx="5486400" cy="3600450"/>
+          </a:xfrm>
+          <a:prstGeom prst="rect">
+            <a:avLst/>
+          </a:prstGeom>
+        </p:spPr>
+        <p:txBody>
+          <a:bodyPr vert="horz" lIns="91440" tIns="45720" rIns="91440" bIns="45720" rtlCol="0"/>
+          <a:lstStyle/>
+          <a:p>
+            <a:pPr lvl="0"/>
+            <a:r>
+              <a:rPr lang="en-US"/>
+              <a:t>Click to edit Master text styles</a:t>
+            </a:r>
+          </a:p>
+          <a:p>
+            <a:pPr lvl="1"/>
+            <a:r>
+              <a:rPr lang="en-US"/>
+              <a:t>Second level</a:t>
+            </a:r>
+          </a:p>
+          <a:p>
+            <a:pPr lvl="2"/>
+            <a:r>
+              <a:rPr lang="en-US"/>
+              <a:t>Third level</a:t>
+            </a:r>
+          </a:p>
+          <a:p>
+            <a:pPr lvl="3"/>
+            <a:r>
+              <a:rPr lang="en-US"/>
+              <a:t>Fourth level</a:t>
+            </a:r>
+          </a:p>
+          <a:p>
+            <a:pPr lvl="4"/>
+            <a:r>
+              <a:rPr lang="en-US"/>
+              <a:t>Fifth level</a:t>
+            </a:r>
+          </a:p>
+        </p:txBody>
+      </p:sp>
+      <p:sp>
+        <p:nvSpPr>
+          <p:cNvPr id="6" name="Footer Placeholder 5"/>
+          <p:cNvSpPr>
+            <a:spLocks noGrp="1"/>
+          </p:cNvSpPr>
+          <p:nvPr>
+            <p:ph type="ftr" sz="quarter" idx="4"/>
+          </p:nvPr>
+        </p:nvSpPr>
+        <p:spPr>
+          <a:xfrm>
+            <a:off x="0" y="8685213"/>
+            <a:ext cx="2971800" cy="458787"/>
+          </a:xfrm>
+          <a:prstGeom prst="rect">
+            <a:avLst/>
+          </a:prstGeom>
+        </p:spPr>
+        <p:txBody>
+          <a:bodyPr vert="horz" lIns="91440" tIns="45720" rIns="91440" bIns="45720" rtlCol="0" anchor="b"/>
+          <a:lstStyle>
+            <a:lvl1pPr algn="l">
+              <a:defRPr sz="1200"/>
+            </a:lvl1pPr>
+          </a:lstStyle>
+          <a:p>
+            <a:endParaRPr lang="en-US"/>
+          </a:p>
+        </p:txBody>
+      </p:sp>
+      <p:sp>
+        <p:nvSpPr>
+          <p:cNvPr id="7" name="Slide Number Placeholder 6"/>
+          <p:cNvSpPr>
+            <a:spLocks noGrp="1"/>
+          </p:cNvSpPr>
+          <p:nvPr>
+            <p:ph type="sldNum" sz="quarter" idx="5"/>
+          </p:nvPr>
+        </p:nvSpPr>
+        <p:spPr>
+          <a:xfrm>
+            <a:off x="3884613" y="8685213"/>
+            <a:ext cx="2971800" cy="458787"/>
+          </a:xfrm>
+          <a:prstGeom prst="rect">
+            <a:avLst/>
+          </a:prstGeom>
+        </p:spPr>
+        <p:txBody>
+          <a:bodyPr vert="horz" lIns="91440" tIns="45720" rIns="91440" bIns="45720" rtlCol="0" anchor="b"/>
+          <a:lstStyle>
+            <a:lvl1pPr algn="r">
+              <a:defRPr sz="1200"/>
+            </a:lvl1pPr>
+          </a:lstStyle>
+          <a:p>
+            <a:fld id="{F0AFECA2-6CFA-4041-A0D4-B4D716B2F175}" type="slidenum">
+              <a:rPr lang="en-US" smtClean="0"/>
+              <a:t>‹#›</a:t>
+            </a:fld>
+            <a:endParaRPr lang="en-US"/>
+          </a:p>
+        </p:txBody>
+      </p:sp>
+    </p:spTree>
+    <p:extLst>
+      <p:ext uri="{BB962C8B-B14F-4D97-AF65-F5344CB8AC3E}">
+        <p14:creationId xmlns:p14="http://schemas.microsoft.com/office/powerpoint/2010/main" val="2214232339"/>
+      </p:ext>
+    </p:extLst>
+  </p:cSld>
+  <p:clrMap bg1="lt1" tx1="dk1" bg2="lt2" tx2="dk2" accent1="accent1" accent2="accent2" accent3="accent3" accent4="accent4" accent5="accent5" accent6="accent6" hlink="hlink" folHlink="folHlink"/>
+  <p:notesStyle>
+    <a:lvl1pPr marL="0" algn="l" defTabSz="914400" rtl="0" eaLnBrk="1" latinLnBrk="0" hangingPunct="1">
+      <a:defRPr sz="1200" kern="1200">
+        <a:solidFill>
+          <a:schemeClr val="tx1"/>
+        </a:solidFill>
+        <a:latin typeface="+mn-lt"/>
+        <a:ea typeface="+mn-ea"/>
+        <a:cs typeface="+mn-cs"/>
+      </a:defRPr>
+    </a:lvl1pPr>
+    <a:lvl2pPr marL="457200" algn="l" defTabSz="914400" rtl="0" eaLnBrk="1" latinLnBrk="0" hangingPunct="1">
+      <a:defRPr sz="1200" kern="1200">
+        <a:solidFill>
+          <a:schemeClr val="tx1"/>
+        </a:solidFill>
+        <a:latin typeface="+mn-lt"/>
+        <a:ea typeface="+mn-ea"/>
+        <a:cs typeface="+mn-cs"/>
+      </a:defRPr>
+    </a:lvl2pPr>
+    <a:lvl3pPr marL="914400" algn="l" defTabSz="914400" rtl="0" eaLnBrk="1" latinLnBrk="0" hangingPunct="1">
+      <a:defRPr sz="1200" kern="1200">
+        <a:solidFill>
+          <a:schemeClr val="tx1"/>
+        </a:solidFill>
+        <a:latin typeface="+mn-lt"/>
+        <a:ea typeface="+mn-ea"/>
+        <a:cs typeface="+mn-cs"/>
+      </a:defRPr>
+    </a:lvl3pPr>
+    <a:lvl4pPr marL="1371600" algn="l" defTabSz="914400" rtl="0" eaLnBrk="1" latinLnBrk="0" hangingPunct="1">
+      <a:defRPr sz="1200" kern="1200">
+        <a:solidFill>
+          <a:schemeClr val="tx1"/>
+        </a:solidFill>
+        <a:latin typeface="+mn-lt"/>
+        <a:ea typeface="+mn-ea"/>
+        <a:cs typeface="+mn-cs"/>
+      </a:defRPr>
+    </a:lvl4pPr>
+    <a:lvl5pPr marL="1828800" algn="l" defTabSz="914400" rtl="0" eaLnBrk="1" latinLnBrk="0" hangingPunct="1">
+      <a:defRPr sz="1200" kern="1200">
+        <a:solidFill>
+          <a:schemeClr val="tx1"/>
+        </a:solidFill>
+        <a:latin typeface="+mn-lt"/>
+        <a:ea typeface="+mn-ea"/>
+        <a:cs typeface="+mn-cs"/>
+      </a:defRPr>
+    </a:lvl5pPr>
+    <a:lvl6pPr marL="2286000" algn="l" defTabSz="914400" rtl="0" eaLnBrk="1" latinLnBrk="0" hangingPunct="1">
+      <a:defRPr sz="1200" kern="1200">
+        <a:solidFill>
+          <a:schemeClr val="tx1"/>
+        </a:solidFill>
+        <a:latin typeface="+mn-lt"/>
+        <a:ea typeface="+mn-ea"/>
+        <a:cs typeface="+mn-cs"/>
+      </a:defRPr>
+    </a:lvl6pPr>
+    <a:lvl7pPr marL="2743200" algn="l" defTabSz="914400" rtl="0" eaLnBrk="1" latinLnBrk="0" hangingPunct="1">
+      <a:defRPr sz="1200" kern="1200">
+        <a:solidFill>
+          <a:schemeClr val="tx1"/>
+        </a:solidFill>
+        <a:latin typeface="+mn-lt"/>
+        <a:ea typeface="+mn-ea"/>
+        <a:cs typeface="+mn-cs"/>
+      </a:defRPr>
+    </a:lvl7pPr>
+    <a:lvl8pPr marL="3200400" algn="l" defTabSz="914400" rtl="0" eaLnBrk="1" latinLnBrk="0" hangingPunct="1">
+      <a:defRPr sz="1200" kern="1200">
+        <a:solidFill>
+          <a:schemeClr val="tx1"/>
+        </a:solidFill>
+        <a:latin typeface="+mn-lt"/>
+        <a:ea typeface="+mn-ea"/>
+        <a:cs typeface="+mn-cs"/>
+      </a:defRPr>
+    </a:lvl8pPr>
+    <a:lvl9pPr marL="3657600" algn="l" defTabSz="914400" rtl="0" eaLnBrk="1" latinLnBrk="0" hangingPunct="1">
+      <a:defRPr sz="1200" kern="1200">
+        <a:solidFill>
+          <a:schemeClr val="tx1"/>
+        </a:solidFill>
+        <a:latin typeface="+mn-lt"/>
+        <a:ea typeface="+mn-ea"/>
+        <a:cs typeface="+mn-cs"/>
+      </a:defRPr>
+    </a:lvl9pPr>
+  </p:notesStyle>
+</p:notesMaster>
+</file>
+
+<file path=ppt/notesSlides/notesSlide1.xml><?xml version="1.0" encoding="utf-8"?>
+<p:notes xmlns:a="http://schemas.openxmlformats.org/drawingml/2006/main" xmlns:r="http://schemas.openxmlformats.org/officeDocument/2006/relationships" xmlns:p="http://schemas.openxmlformats.org/presentationml/2006/main">
+  <p:cSld>
+    <p:spTree>
+      <p:nvGrpSpPr>
+        <p:cNvPr id="1" name=""/>
+        <p:cNvGrpSpPr/>
+        <p:nvPr/>
+      </p:nvGrpSpPr>
+      <p:grpSpPr>
+        <a:xfrm>
+          <a:off x="0" y="0"/>
+          <a:ext cx="0" cy="0"/>
+          <a:chOff x="0" y="0"/>
+          <a:chExt cx="0" cy="0"/>
+        </a:xfrm>
+      </p:grpSpPr>
+      <p:sp>
+        <p:nvSpPr>
+          <p:cNvPr id="2" name="Slide Image Placeholder 1"/>
+          <p:cNvSpPr>
+            <a:spLocks noGrp="1" noRot="1" noChangeAspect="1"/>
+          </p:cNvSpPr>
+          <p:nvPr>
+            <p:ph type="sldImg"/>
+          </p:nvPr>
+        </p:nvSpPr>
+        <p:spPr/>
+      </p:sp>
+      <p:sp>
+        <p:nvSpPr>
+          <p:cNvPr id="3" name="Notes Placeholder 2"/>
+          <p:cNvSpPr>
+            <a:spLocks noGrp="1"/>
+          </p:cNvSpPr>
+          <p:nvPr>
+            <p:ph type="body" idx="1"/>
+          </p:nvPr>
+        </p:nvSpPr>
+        <p:spPr/>
+        <p:txBody>
+          <a:bodyPr/>
+          <a:lstStyle/>
+          <a:p>
+            <a:r>
+              <a:rPr lang="en-US" dirty="0"/>
+              <a:t>Three hundred seventeen speech-language pathologists completed an online questionnaire querying their perceptions about EBP, use of EBP in clinical practice, and perceived barriers to incorporating EBP.</a:t>
+            </a:r>
+          </a:p>
+          <a:p>
+            <a:endParaRPr lang="en-US" dirty="0"/>
+          </a:p>
+          <a:p>
+            <a:r>
+              <a:rPr lang="en-US" dirty="0"/>
+              <a:t>Predictors of EBP, Sources of EBP, Perceived barriers, and attitudes toward EBP </a:t>
+            </a:r>
+          </a:p>
+        </p:txBody>
+      </p:sp>
+      <p:sp>
+        <p:nvSpPr>
+          <p:cNvPr id="4" name="Slide Number Placeholder 3"/>
+          <p:cNvSpPr>
+            <a:spLocks noGrp="1"/>
+          </p:cNvSpPr>
+          <p:nvPr>
+            <p:ph type="sldNum" sz="quarter" idx="5"/>
+          </p:nvPr>
+        </p:nvSpPr>
+        <p:spPr/>
+        <p:txBody>
+          <a:bodyPr/>
+          <a:lstStyle/>
+          <a:p>
+            <a:fld id="{F0AFECA2-6CFA-4041-A0D4-B4D716B2F175}" type="slidenum">
+              <a:rPr lang="en-US" smtClean="0"/>
+              <a:t>2</a:t>
+            </a:fld>
+            <a:endParaRPr lang="en-US"/>
+          </a:p>
+        </p:txBody>
+      </p:sp>
+    </p:spTree>
+    <p:extLst>
+      <p:ext uri="{BB962C8B-B14F-4D97-AF65-F5344CB8AC3E}">
+        <p14:creationId xmlns:p14="http://schemas.microsoft.com/office/powerpoint/2010/main" val="3714346414"/>
+      </p:ext>
+    </p:extLst>
+  </p:cSld>
+  <p:clrMapOvr>
+    <a:masterClrMapping/>
+  </p:clrMapOvr>
+</p:notes>
+</file>
+
+<file path=ppt/notesSlides/notesSlide2.xml><?xml version="1.0" encoding="utf-8"?>
+<p:notes xmlns:a="http://schemas.openxmlformats.org/drawingml/2006/main" xmlns:r="http://schemas.openxmlformats.org/officeDocument/2006/relationships" xmlns:p="http://schemas.openxmlformats.org/presentationml/2006/main">
+  <p:cSld>
+    <p:spTree>
+      <p:nvGrpSpPr>
+        <p:cNvPr id="1" name=""/>
+        <p:cNvGrpSpPr/>
+        <p:nvPr/>
+      </p:nvGrpSpPr>
+      <p:grpSpPr>
+        <a:xfrm>
+          <a:off x="0" y="0"/>
+          <a:ext cx="0" cy="0"/>
+          <a:chOff x="0" y="0"/>
+          <a:chExt cx="0" cy="0"/>
+        </a:xfrm>
+      </p:grpSpPr>
+      <p:sp>
+        <p:nvSpPr>
+          <p:cNvPr id="2" name="Slide Image Placeholder 1"/>
+          <p:cNvSpPr>
+            <a:spLocks noGrp="1" noRot="1" noChangeAspect="1"/>
+          </p:cNvSpPr>
+          <p:nvPr>
+            <p:ph type="sldImg"/>
+          </p:nvPr>
+        </p:nvSpPr>
+        <p:spPr/>
+      </p:sp>
+      <p:sp>
+        <p:nvSpPr>
+          <p:cNvPr id="3" name="Notes Placeholder 2"/>
+          <p:cNvSpPr>
+            <a:spLocks noGrp="1"/>
+          </p:cNvSpPr>
+          <p:nvPr>
+            <p:ph type="body" idx="1"/>
+          </p:nvPr>
+        </p:nvSpPr>
+        <p:spPr/>
+        <p:txBody>
+          <a:bodyPr/>
+          <a:lstStyle/>
+          <a:p>
+            <a:r>
+              <a:rPr lang="en-US" dirty="0"/>
+              <a:t>Awareness: Conducting peer support groups is good for adolescents with TBI</a:t>
+            </a:r>
+          </a:p>
+          <a:p>
+            <a:r>
+              <a:rPr lang="en-US" dirty="0"/>
+              <a:t>Acceptance: if an adolescent is showing _________ signs, then I should do __________</a:t>
+            </a:r>
+          </a:p>
+          <a:p>
+            <a:r>
+              <a:rPr lang="en-US" dirty="0"/>
+              <a:t>Adoption: I have</a:t>
+            </a:r>
+          </a:p>
+        </p:txBody>
+      </p:sp>
+      <p:sp>
+        <p:nvSpPr>
+          <p:cNvPr id="4" name="Slide Number Placeholder 3"/>
+          <p:cNvSpPr>
+            <a:spLocks noGrp="1"/>
+          </p:cNvSpPr>
+          <p:nvPr>
+            <p:ph type="sldNum" sz="quarter" idx="5"/>
+          </p:nvPr>
+        </p:nvSpPr>
+        <p:spPr/>
+        <p:txBody>
+          <a:bodyPr/>
+          <a:lstStyle/>
+          <a:p>
+            <a:fld id="{F0AFECA2-6CFA-4041-A0D4-B4D716B2F175}" type="slidenum">
+              <a:rPr lang="en-US" smtClean="0"/>
+              <a:t>4</a:t>
+            </a:fld>
+            <a:endParaRPr lang="en-US"/>
+          </a:p>
+        </p:txBody>
+      </p:sp>
+    </p:spTree>
+    <p:extLst>
+      <p:ext uri="{BB962C8B-B14F-4D97-AF65-F5344CB8AC3E}">
+        <p14:creationId xmlns:p14="http://schemas.microsoft.com/office/powerpoint/2010/main" val="3053591327"/>
+      </p:ext>
+    </p:extLst>
+  </p:cSld>
+  <p:clrMapOvr>
+    <a:masterClrMapping/>
+  </p:clrMapOvr>
+</p:notes>
+</file>
+
+<file path=ppt/notesSlides/notesSlide3.xml><?xml version="1.0" encoding="utf-8"?>
+<p:notes xmlns:a="http://schemas.openxmlformats.org/drawingml/2006/main" xmlns:r="http://schemas.openxmlformats.org/officeDocument/2006/relationships" xmlns:p="http://schemas.openxmlformats.org/presentationml/2006/main">
+  <p:cSld>
+    <p:spTree>
+      <p:nvGrpSpPr>
+        <p:cNvPr id="1" name=""/>
+        <p:cNvGrpSpPr/>
+        <p:nvPr/>
+      </p:nvGrpSpPr>
+      <p:grpSpPr>
+        <a:xfrm>
+          <a:off x="0" y="0"/>
+          <a:ext cx="0" cy="0"/>
+          <a:chOff x="0" y="0"/>
+          <a:chExt cx="0" cy="0"/>
+        </a:xfrm>
+      </p:grpSpPr>
+      <p:sp>
+        <p:nvSpPr>
+          <p:cNvPr id="2" name="Slide Image Placeholder 1"/>
+          <p:cNvSpPr>
+            <a:spLocks noGrp="1" noRot="1" noChangeAspect="1"/>
+          </p:cNvSpPr>
+          <p:nvPr>
+            <p:ph type="sldImg"/>
+          </p:nvPr>
+        </p:nvSpPr>
+        <p:spPr/>
+      </p:sp>
+      <p:sp>
+        <p:nvSpPr>
+          <p:cNvPr id="3" name="Notes Placeholder 2"/>
+          <p:cNvSpPr>
+            <a:spLocks noGrp="1"/>
+          </p:cNvSpPr>
+          <p:nvPr>
+            <p:ph type="body" idx="1"/>
+          </p:nvPr>
+        </p:nvSpPr>
+        <p:spPr/>
+        <p:txBody>
+          <a:bodyPr/>
+          <a:lstStyle/>
+          <a:p>
+            <a:r>
+              <a:rPr lang="en-US" dirty="0"/>
+              <a:t>even for a clinician who is highly motivated to use research to inform clinical decisions and who also has the knowledge and skill to find and evaluate the articles, implementing an evidence-based intervention with only the research article in hand may be difficult. In fact, only 28% of speech-language intervention clinical trials contained a complete description of all intervention elements (</a:t>
+            </a:r>
+            <a:r>
+              <a:rPr lang="en-US" dirty="0" err="1"/>
+              <a:t>Ludemann</a:t>
+            </a:r>
+            <a:r>
+              <a:rPr lang="en-US" dirty="0"/>
+              <a:t> et al., 2017</a:t>
+            </a:r>
+          </a:p>
+          <a:p>
+            <a:endParaRPr lang="en-US" dirty="0"/>
+          </a:p>
+          <a:p>
+            <a:r>
+              <a:rPr lang="en-US" dirty="0"/>
+              <a:t>A systematic review of barriers to evidence-based medicine noted that a lack of clinically relevant studies is the most frequent barrier to use and implementation of EBP (Sadeghi-</a:t>
+            </a:r>
+            <a:r>
+              <a:rPr lang="en-US" dirty="0" err="1"/>
+              <a:t>Bazargani</a:t>
+            </a:r>
+            <a:r>
+              <a:rPr lang="en-US" dirty="0"/>
+              <a:t> et al., 2014). Other identified barriers include (a) resources (e.g., lack of infrastructure, lack of time); (b) attitudes and expectations toward EBP (e.g., EBP not valued by supervisors, EBP not viewed as part of clinical duties); and (c) knowledge (e.g., lack of skills to find, understand, and implement research; Harding et al., 2014). </a:t>
+            </a:r>
+          </a:p>
+          <a:p>
+            <a:endParaRPr lang="en-US" dirty="0"/>
+          </a:p>
+          <a:p>
+            <a:r>
+              <a:rPr lang="en-US" dirty="0"/>
+              <a:t>SLPs report using research studies less than any other form of information when making clinical decisions (</a:t>
+            </a:r>
+            <a:r>
+              <a:rPr lang="en-US" dirty="0" err="1"/>
+              <a:t>McCurtin</a:t>
+            </a:r>
+            <a:r>
+              <a:rPr lang="en-US" dirty="0"/>
+              <a:t> &amp; Clifford, 2015; </a:t>
+            </a:r>
+            <a:r>
+              <a:rPr lang="en-US" dirty="0" err="1"/>
+              <a:t>Zipoli</a:t>
+            </a:r>
+            <a:r>
+              <a:rPr lang="en-US" dirty="0"/>
+              <a:t> &amp; Kennedy, 2005). Instead, continuing education, personal contacts, websites, and books are the most frequently used sources of information to make clinical decisions (</a:t>
+            </a:r>
+            <a:r>
+              <a:rPr lang="en-US" dirty="0" err="1"/>
+              <a:t>NailChiwetalu</a:t>
+            </a:r>
+            <a:r>
+              <a:rPr lang="en-US" dirty="0"/>
+              <a:t> &amp; Bernstein Ratner, 2007; </a:t>
+            </a:r>
+            <a:r>
+              <a:rPr lang="en-US" dirty="0" err="1"/>
+              <a:t>Zipoli</a:t>
+            </a:r>
+            <a:r>
+              <a:rPr lang="en-US" dirty="0"/>
+              <a:t> &amp; Kennedy, 2005). However, when SLPs use research articles to obtain information, ASHA journals are the most frequent journals accessed (Nail-</a:t>
+            </a:r>
+            <a:r>
+              <a:rPr lang="en-US" dirty="0" err="1"/>
+              <a:t>Chiwetalu</a:t>
+            </a:r>
+            <a:r>
+              <a:rPr lang="en-US" dirty="0"/>
+              <a:t> &amp; Bernstein Ratner, 2007)</a:t>
+            </a:r>
+          </a:p>
+          <a:p>
+            <a:endParaRPr lang="en-US" dirty="0"/>
+          </a:p>
+          <a:p>
+            <a:r>
+              <a:rPr lang="en-US" dirty="0"/>
+              <a:t>the results of this study indicate that clinical practice research comprises the minority (~25%) of the research articles published in ASHA journals, and this trend does not appear to be changing. Given the broad scope of practice in speech-language pathology, this yields a dearth of information in any single general area of study and even less when answering a clinical question about a specific population. Even fewer implementation studies included SLPs as the primary participants, calling into question the real-world feasibility of most research available to practicing clinicians. In fact, only a single study tested an implementation strategy specifically for SLPs (Bainbridge et al., 2015).</a:t>
+            </a:r>
+          </a:p>
+        </p:txBody>
+      </p:sp>
+      <p:sp>
+        <p:nvSpPr>
+          <p:cNvPr id="4" name="Slide Number Placeholder 3"/>
+          <p:cNvSpPr>
+            <a:spLocks noGrp="1"/>
+          </p:cNvSpPr>
+          <p:nvPr>
+            <p:ph type="sldNum" sz="quarter" idx="5"/>
+          </p:nvPr>
+        </p:nvSpPr>
+        <p:spPr/>
+        <p:txBody>
+          <a:bodyPr/>
+          <a:lstStyle/>
+          <a:p>
+            <a:fld id="{F0AFECA2-6CFA-4041-A0D4-B4D716B2F175}" type="slidenum">
+              <a:rPr lang="en-US" smtClean="0"/>
+              <a:t>5</a:t>
+            </a:fld>
+            <a:endParaRPr lang="en-US"/>
+          </a:p>
+        </p:txBody>
+      </p:sp>
+    </p:spTree>
+    <p:extLst>
+      <p:ext uri="{BB962C8B-B14F-4D97-AF65-F5344CB8AC3E}">
+        <p14:creationId xmlns:p14="http://schemas.microsoft.com/office/powerpoint/2010/main" val="3135371458"/>
+      </p:ext>
+    </p:extLst>
+  </p:cSld>
+  <p:clrMapOvr>
+    <a:masterClrMapping/>
+  </p:clrMapOvr>
+</p:notes>
+</file>
+
+<file path=ppt/notesSlides/notesSlide4.xml><?xml version="1.0" encoding="utf-8"?>
+<p:notes xmlns:a="http://schemas.openxmlformats.org/drawingml/2006/main" xmlns:r="http://schemas.openxmlformats.org/officeDocument/2006/relationships" xmlns:p="http://schemas.openxmlformats.org/presentationml/2006/main">
+  <p:cSld>
+    <p:spTree>
+      <p:nvGrpSpPr>
+        <p:cNvPr id="1" name=""/>
+        <p:cNvGrpSpPr/>
+        <p:nvPr/>
+      </p:nvGrpSpPr>
+      <p:grpSpPr>
+        <a:xfrm>
+          <a:off x="0" y="0"/>
+          <a:ext cx="0" cy="0"/>
+          <a:chOff x="0" y="0"/>
+          <a:chExt cx="0" cy="0"/>
+        </a:xfrm>
+      </p:grpSpPr>
+      <p:sp>
+        <p:nvSpPr>
+          <p:cNvPr id="2" name="Slide Image Placeholder 1"/>
+          <p:cNvSpPr>
+            <a:spLocks noGrp="1" noRot="1" noChangeAspect="1"/>
+          </p:cNvSpPr>
+          <p:nvPr>
+            <p:ph type="sldImg"/>
+          </p:nvPr>
+        </p:nvSpPr>
+        <p:spPr/>
+      </p:sp>
+      <p:sp>
+        <p:nvSpPr>
+          <p:cNvPr id="3" name="Notes Placeholder 2"/>
+          <p:cNvSpPr>
+            <a:spLocks noGrp="1"/>
+          </p:cNvSpPr>
+          <p:nvPr>
+            <p:ph type="body" idx="1"/>
+          </p:nvPr>
+        </p:nvSpPr>
+        <p:spPr/>
+        <p:txBody>
+          <a:bodyPr/>
+          <a:lstStyle/>
+          <a:p>
+            <a:r>
+              <a:rPr lang="en-US" dirty="0"/>
+              <a:t>How to read a research paper: https://www.ncbi.nlm.nih.gov/pmc/articles/PMC2127173/pdf/9253275.pdf</a:t>
+            </a:r>
+          </a:p>
+          <a:p>
+            <a:r>
+              <a:rPr lang="en-US" dirty="0"/>
+              <a:t>Statistics for the non-statistician: https://www.ncbi.nlm.nih.gov/pmc/articles/PMC2127256/pdf/9270463.pdf</a:t>
+            </a:r>
+          </a:p>
+        </p:txBody>
+      </p:sp>
+      <p:sp>
+        <p:nvSpPr>
+          <p:cNvPr id="4" name="Slide Number Placeholder 3"/>
+          <p:cNvSpPr>
+            <a:spLocks noGrp="1"/>
+          </p:cNvSpPr>
+          <p:nvPr>
+            <p:ph type="sldNum" sz="quarter" idx="5"/>
+          </p:nvPr>
+        </p:nvSpPr>
+        <p:spPr/>
+        <p:txBody>
+          <a:bodyPr/>
+          <a:lstStyle/>
+          <a:p>
+            <a:fld id="{F0AFECA2-6CFA-4041-A0D4-B4D716B2F175}" type="slidenum">
+              <a:rPr lang="en-US" smtClean="0"/>
+              <a:t>9</a:t>
+            </a:fld>
+            <a:endParaRPr lang="en-US"/>
+          </a:p>
+        </p:txBody>
+      </p:sp>
+    </p:spTree>
+    <p:extLst>
+      <p:ext uri="{BB962C8B-B14F-4D97-AF65-F5344CB8AC3E}">
+        <p14:creationId xmlns:p14="http://schemas.microsoft.com/office/powerpoint/2010/main" val="2529184712"/>
+      </p:ext>
+    </p:extLst>
+  </p:cSld>
+  <p:clrMapOvr>
+    <a:masterClrMapping/>
+  </p:clrMapOvr>
+</p:notes>
+</file>
+
 <file path=ppt/slideLayouts/slideLayout1.xml><?xml version="1.0" encoding="utf-8"?>
 <p:sldLayout xmlns:a="http://schemas.openxmlformats.org/drawingml/2006/main" xmlns:r="http://schemas.openxmlformats.org/officeDocument/2006/relationships" xmlns:p="http://schemas.openxmlformats.org/presentationml/2006/main" showMasterSp="0" type="title" preserve="1">
   <p:cSld name="Title Slide">
@@ -290,7 +4850,7 @@
             <a:fld id="{87DE6118-2437-4B30-8E3C-4D2BE6020583}" type="datetimeFigureOut">
               <a:rPr lang="en-US" dirty="0"/>
               <a:pPr/>
-              <a:t>3/3/21</a:t>
+              <a:t>3/9/21</a:t>
             </a:fld>
             <a:endParaRPr lang="en-US" dirty="0"/>
           </a:p>
@@ -616,7 +5176,7 @@
           <a:p>
             <a:fld id="{87DE6118-2437-4B30-8E3C-4D2BE6020583}" type="datetimeFigureOut">
               <a:rPr lang="en-US" dirty="0"/>
-              <a:t>3/3/21</a:t>
+              <a:t>3/9/21</a:t>
             </a:fld>
             <a:endParaRPr lang="en-US" dirty="0"/>
           </a:p>
@@ -791,7 +5351,7 @@
           <a:p>
             <a:fld id="{87DE6118-2437-4B30-8E3C-4D2BE6020583}" type="datetimeFigureOut">
               <a:rPr lang="en-US" dirty="0"/>
-              <a:t>3/3/21</a:t>
+              <a:t>3/9/21</a:t>
             </a:fld>
             <a:endParaRPr lang="en-US" dirty="0"/>
           </a:p>
@@ -956,7 +5516,7 @@
           <a:p>
             <a:fld id="{87DE6118-2437-4B30-8E3C-4D2BE6020583}" type="datetimeFigureOut">
               <a:rPr lang="en-US" dirty="0"/>
-              <a:t>3/3/21</a:t>
+              <a:t>3/9/21</a:t>
             </a:fld>
             <a:endParaRPr lang="en-US" dirty="0"/>
           </a:p>
@@ -1229,7 +5789,7 @@
             <a:fld id="{87DE6118-2437-4B30-8E3C-4D2BE6020583}" type="datetimeFigureOut">
               <a:rPr lang="en-US" dirty="0"/>
               <a:pPr/>
-              <a:t>3/3/21</a:t>
+              <a:t>3/9/21</a:t>
             </a:fld>
             <a:endParaRPr lang="en-US" dirty="0"/>
           </a:p>
@@ -1619,7 +6179,7 @@
           <a:p>
             <a:fld id="{87DE6118-2437-4B30-8E3C-4D2BE6020583}" type="datetimeFigureOut">
               <a:rPr lang="en-US" dirty="0"/>
-              <a:t>3/3/21</a:t>
+              <a:t>3/9/21</a:t>
             </a:fld>
             <a:endParaRPr lang="en-US" dirty="0"/>
           </a:p>
@@ -2091,7 +6651,7 @@
           <a:p>
             <a:fld id="{87DE6118-2437-4B30-8E3C-4D2BE6020583}" type="datetimeFigureOut">
               <a:rPr lang="en-US" dirty="0"/>
-              <a:t>3/3/21</a:t>
+              <a:t>3/9/21</a:t>
             </a:fld>
             <a:endParaRPr lang="en-US" dirty="0"/>
           </a:p>
@@ -2204,7 +6764,7 @@
           <a:p>
             <a:fld id="{87DE6118-2437-4B30-8E3C-4D2BE6020583}" type="datetimeFigureOut">
               <a:rPr lang="en-US" dirty="0"/>
-              <a:t>3/3/21</a:t>
+              <a:t>3/9/21</a:t>
             </a:fld>
             <a:endParaRPr lang="en-US" dirty="0"/>
           </a:p>
@@ -2294,7 +6854,7 @@
           <a:p>
             <a:fld id="{87DE6118-2437-4B30-8E3C-4D2BE6020583}" type="datetimeFigureOut">
               <a:rPr lang="en-US" dirty="0"/>
-              <a:t>3/3/21</a:t>
+              <a:t>3/9/21</a:t>
             </a:fld>
             <a:endParaRPr lang="en-US" dirty="0"/>
           </a:p>
@@ -2636,7 +7196,7 @@
             <a:fld id="{87DE6118-2437-4B30-8E3C-4D2BE6020583}" type="datetimeFigureOut">
               <a:rPr lang="en-US" dirty="0"/>
               <a:pPr/>
-              <a:t>3/3/21</a:t>
+              <a:t>3/9/21</a:t>
             </a:fld>
             <a:endParaRPr lang="en-US" dirty="0"/>
           </a:p>
@@ -3021,7 +7581,7 @@
             <a:fld id="{87DE6118-2437-4B30-8E3C-4D2BE6020583}" type="datetimeFigureOut">
               <a:rPr lang="en-US" dirty="0"/>
               <a:pPr/>
-              <a:t>3/3/21</a:t>
+              <a:t>3/9/21</a:t>
             </a:fld>
             <a:endParaRPr lang="en-US" dirty="0"/>
           </a:p>
@@ -3296,7 +7856,7 @@
             <a:fld id="{87DE6118-2437-4B30-8E3C-4D2BE6020583}" type="datetimeFigureOut">
               <a:rPr lang="en-US" dirty="0"/>
               <a:pPr/>
-              <a:t>3/3/21</a:t>
+              <a:t>3/9/21</a:t>
             </a:fld>
             <a:endParaRPr lang="en-US" dirty="0"/>
           </a:p>
@@ -3879,7 +8439,591 @@
 </p:sld>
 </file>
 
-<file path=ppt/slides/slide2.xml><?xml version="1.0" encoding="utf-8"?>
+<file path=ppt/slides/slide10.xml><?xml version="1.0" encoding="utf-8"?>
+<p:sld xmlns:a="http://schemas.openxmlformats.org/drawingml/2006/main" xmlns:r="http://schemas.openxmlformats.org/officeDocument/2006/relationships" xmlns:p="http://schemas.openxmlformats.org/presentationml/2006/main">
+  <p:cSld>
+    <p:bg>
+      <p:bgPr>
+        <a:solidFill>
+          <a:schemeClr val="bg2"/>
+        </a:solidFill>
+        <a:effectLst/>
+      </p:bgPr>
+    </p:bg>
+    <p:spTree>
+      <p:nvGrpSpPr>
+        <p:cNvPr id="1" name=""/>
+        <p:cNvGrpSpPr/>
+        <p:nvPr/>
+      </p:nvGrpSpPr>
+      <p:grpSpPr>
+        <a:xfrm>
+          <a:off x="0" y="0"/>
+          <a:ext cx="0" cy="0"/>
+          <a:chOff x="0" y="0"/>
+          <a:chExt cx="0" cy="0"/>
+        </a:xfrm>
+      </p:grpSpPr>
+      <p:grpSp>
+        <p:nvGrpSpPr>
+          <p:cNvPr id="15" name="Group 14">
+            <a:extLst>
+              <a:ext uri="{FF2B5EF4-FFF2-40B4-BE49-F238E27FC236}">
+                <a16:creationId xmlns:a16="http://schemas.microsoft.com/office/drawing/2014/main" id="{57500303-A207-4812-BEB9-51E132FEB73F}"/>
+              </a:ext>
+              <a:ext uri="{C183D7F6-B498-43B3-948B-1728B52AA6E4}">
+                <adec:decorative xmlns:adec="http://schemas.microsoft.com/office/drawing/2017/decorative" val="1"/>
+              </a:ext>
+            </a:extLst>
+          </p:cNvPr>
+          <p:cNvGrpSpPr>
+            <a:grpSpLocks noGrp="1" noUngrp="1" noRot="1" noChangeAspect="1" noMove="1" noResize="1"/>
+          </p:cNvGrpSpPr>
+          <p:nvPr>
+            <p:extLst>
+              <p:ext uri="{386F3935-93C4-4BCD-93E2-E3B085C9AB24}">
+                <p16:designElem xmlns:p16="http://schemas.microsoft.com/office/powerpoint/2015/main" val="1"/>
+              </p:ext>
+            </p:extLst>
+          </p:nvPr>
+        </p:nvGrpSpPr>
+        <p:grpSpPr>
+          <a:xfrm>
+            <a:off x="752858" y="744469"/>
+            <a:ext cx="10674117" cy="5349671"/>
+            <a:chOff x="752858" y="744469"/>
+            <a:chExt cx="10674117" cy="5349671"/>
+          </a:xfrm>
+        </p:grpSpPr>
+        <p:sp>
+          <p:nvSpPr>
+            <p:cNvPr id="16" name="Freeform 6">
+              <a:extLst>
+                <a:ext uri="{FF2B5EF4-FFF2-40B4-BE49-F238E27FC236}">
+                  <a16:creationId xmlns:a16="http://schemas.microsoft.com/office/drawing/2014/main" id="{10118C91-C025-4776-BE95-E9926378E790}"/>
+                </a:ext>
+                <a:ext uri="{C183D7F6-B498-43B3-948B-1728B52AA6E4}">
+                  <adec:decorative xmlns:adec="http://schemas.microsoft.com/office/drawing/2017/decorative" val="1"/>
+                </a:ext>
+              </a:extLst>
+            </p:cNvPr>
+            <p:cNvSpPr/>
+            <p:nvPr>
+              <p:extLst>
+                <p:ext uri="{386F3935-93C4-4BCD-93E2-E3B085C9AB24}">
+                  <p16:designElem xmlns:p16="http://schemas.microsoft.com/office/powerpoint/2015/main" val="1"/>
+                </p:ext>
+              </p:extLst>
+            </p:nvPr>
+          </p:nvSpPr>
+          <p:spPr bwMode="auto">
+            <a:xfrm>
+              <a:off x="8151962" y="1685652"/>
+              <a:ext cx="3275013" cy="4408488"/>
+            </a:xfrm>
+            <a:custGeom>
+              <a:avLst/>
+              <a:gdLst/>
+              <a:ahLst/>
+              <a:cxnLst/>
+              <a:rect l="l" t="t" r="r" b="b"/>
+              <a:pathLst>
+                <a:path w="10000" h="10000">
+                  <a:moveTo>
+                    <a:pt x="8761" y="0"/>
+                  </a:moveTo>
+                  <a:lnTo>
+                    <a:pt x="10000" y="0"/>
+                  </a:lnTo>
+                  <a:lnTo>
+                    <a:pt x="10000" y="10000"/>
+                  </a:lnTo>
+                  <a:lnTo>
+                    <a:pt x="0" y="10000"/>
+                  </a:lnTo>
+                  <a:lnTo>
+                    <a:pt x="0" y="9126"/>
+                  </a:lnTo>
+                  <a:lnTo>
+                    <a:pt x="8761" y="9127"/>
+                  </a:lnTo>
+                  <a:lnTo>
+                    <a:pt x="8761" y="0"/>
+                  </a:lnTo>
+                  <a:close/>
+                </a:path>
+              </a:pathLst>
+            </a:custGeom>
+            <a:solidFill>
+              <a:schemeClr val="tx2"/>
+            </a:solidFill>
+            <a:ln w="0">
+              <a:noFill/>
+              <a:prstDash val="solid"/>
+              <a:round/>
+              <a:headEnd/>
+              <a:tailEnd/>
+            </a:ln>
+          </p:spPr>
+        </p:sp>
+        <p:sp>
+          <p:nvSpPr>
+            <p:cNvPr id="17" name="Freeform 6">
+              <a:extLst>
+                <a:ext uri="{FF2B5EF4-FFF2-40B4-BE49-F238E27FC236}">
+                  <a16:creationId xmlns:a16="http://schemas.microsoft.com/office/drawing/2014/main" id="{339174D0-30E8-4BBF-BF81-5DDAC33C0C0E}"/>
+                </a:ext>
+                <a:ext uri="{C183D7F6-B498-43B3-948B-1728B52AA6E4}">
+                  <adec:decorative xmlns:adec="http://schemas.microsoft.com/office/drawing/2017/decorative" val="1"/>
+                </a:ext>
+              </a:extLst>
+            </p:cNvPr>
+            <p:cNvSpPr/>
+            <p:nvPr>
+              <p:extLst>
+                <p:ext uri="{386F3935-93C4-4BCD-93E2-E3B085C9AB24}">
+                  <p16:designElem xmlns:p16="http://schemas.microsoft.com/office/powerpoint/2015/main" val="1"/>
+                </p:ext>
+              </p:extLst>
+            </p:nvPr>
+          </p:nvSpPr>
+          <p:spPr bwMode="auto">
+            <a:xfrm flipH="1" flipV="1">
+              <a:off x="752858" y="744469"/>
+              <a:ext cx="3275668" cy="4408488"/>
+            </a:xfrm>
+            <a:custGeom>
+              <a:avLst/>
+              <a:gdLst/>
+              <a:ahLst/>
+              <a:cxnLst/>
+              <a:rect l="l" t="t" r="r" b="b"/>
+              <a:pathLst>
+                <a:path w="10002" h="10000">
+                  <a:moveTo>
+                    <a:pt x="8763" y="0"/>
+                  </a:moveTo>
+                  <a:lnTo>
+                    <a:pt x="10002" y="0"/>
+                  </a:lnTo>
+                  <a:lnTo>
+                    <a:pt x="10002" y="10000"/>
+                  </a:lnTo>
+                  <a:lnTo>
+                    <a:pt x="2" y="10000"/>
+                  </a:lnTo>
+                  <a:cubicBezTo>
+                    <a:pt x="-2" y="9698"/>
+                    <a:pt x="4" y="9427"/>
+                    <a:pt x="0" y="9125"/>
+                  </a:cubicBezTo>
+                  <a:lnTo>
+                    <a:pt x="8763" y="9128"/>
+                  </a:lnTo>
+                  <a:lnTo>
+                    <a:pt x="8763" y="0"/>
+                  </a:lnTo>
+                  <a:close/>
+                </a:path>
+              </a:pathLst>
+            </a:custGeom>
+            <a:solidFill>
+              <a:schemeClr val="tx2"/>
+            </a:solidFill>
+            <a:ln w="0">
+              <a:noFill/>
+              <a:prstDash val="solid"/>
+              <a:round/>
+              <a:headEnd/>
+              <a:tailEnd/>
+            </a:ln>
+          </p:spPr>
+        </p:sp>
+      </p:grpSp>
+      <p:sp useBgFill="1">
+        <p:nvSpPr>
+          <p:cNvPr id="19" name="Rectangle 18">
+            <a:extLst>
+              <a:ext uri="{FF2B5EF4-FFF2-40B4-BE49-F238E27FC236}">
+                <a16:creationId xmlns:a16="http://schemas.microsoft.com/office/drawing/2014/main" id="{7BB74091-09FE-44AF-8325-7FE6E175F727}"/>
+              </a:ext>
+              <a:ext uri="{C183D7F6-B498-43B3-948B-1728B52AA6E4}">
+                <adec:decorative xmlns:adec="http://schemas.microsoft.com/office/drawing/2017/decorative" val="1"/>
+              </a:ext>
+            </a:extLst>
+          </p:cNvPr>
+          <p:cNvSpPr>
+            <a:spLocks noGrp="1" noRot="1" noChangeAspect="1" noMove="1" noResize="1" noEditPoints="1" noAdjustHandles="1" noChangeArrowheads="1" noChangeShapeType="1" noTextEdit="1"/>
+          </p:cNvSpPr>
+          <p:nvPr>
+            <p:extLst>
+              <p:ext uri="{386F3935-93C4-4BCD-93E2-E3B085C9AB24}">
+                <p16:designElem xmlns:p16="http://schemas.microsoft.com/office/powerpoint/2015/main" val="1"/>
+              </p:ext>
+            </p:extLst>
+          </p:nvPr>
+        </p:nvSpPr>
+        <p:spPr>
+          <a:xfrm>
+            <a:off x="0" y="0"/>
+            <a:ext cx="12192000" cy="6858000"/>
+          </a:xfrm>
+          <a:prstGeom prst="rect">
+            <a:avLst/>
+          </a:prstGeom>
+          <a:ln>
+            <a:noFill/>
+          </a:ln>
+        </p:spPr>
+        <p:style>
+          <a:lnRef idx="2">
+            <a:schemeClr val="accent1">
+              <a:shade val="50000"/>
+            </a:schemeClr>
+          </a:lnRef>
+          <a:fillRef idx="1">
+            <a:schemeClr val="accent1"/>
+          </a:fillRef>
+          <a:effectRef idx="0">
+            <a:schemeClr val="accent1"/>
+          </a:effectRef>
+          <a:fontRef idx="minor">
+            <a:schemeClr val="lt1"/>
+          </a:fontRef>
+        </p:style>
+        <p:txBody>
+          <a:bodyPr rtlCol="0" anchor="ctr"/>
+          <a:lstStyle/>
+          <a:p>
+            <a:pPr algn="ctr"/>
+            <a:endParaRPr lang="en-US"/>
+          </a:p>
+        </p:txBody>
+      </p:sp>
+      <p:sp>
+        <p:nvSpPr>
+          <p:cNvPr id="2" name="Title 1">
+            <a:extLst>
+              <a:ext uri="{FF2B5EF4-FFF2-40B4-BE49-F238E27FC236}">
+                <a16:creationId xmlns:a16="http://schemas.microsoft.com/office/drawing/2014/main" id="{02307392-F38E-482E-B4AC-E903F77BD108}"/>
+              </a:ext>
+            </a:extLst>
+          </p:cNvPr>
+          <p:cNvSpPr>
+            <a:spLocks noGrp="1"/>
+          </p:cNvSpPr>
+          <p:nvPr>
+            <p:ph type="title"/>
+          </p:nvPr>
+        </p:nvSpPr>
+        <p:spPr>
+          <a:xfrm>
+            <a:off x="752858" y="4736961"/>
+            <a:ext cx="10720685" cy="936769"/>
+          </a:xfrm>
+        </p:spPr>
+        <p:txBody>
+          <a:bodyPr vert="horz" lIns="91440" tIns="45720" rIns="91440" bIns="45720" rtlCol="0" anchor="b">
+            <a:normAutofit/>
+          </a:bodyPr>
+          <a:lstStyle/>
+          <a:p>
+            <a:pPr algn="ctr"/>
+            <a:r>
+              <a:rPr lang="en-US" sz="3000" cap="all"/>
+              <a:t>EVIDENCE-BASED GUIDELINES ON JUDGING RESEARCH APPLICABILITY</a:t>
+            </a:r>
+          </a:p>
+        </p:txBody>
+      </p:sp>
+      <p:pic>
+        <p:nvPicPr>
+          <p:cNvPr id="7" name="Content Placeholder 6">
+            <a:extLst>
+              <a:ext uri="{FF2B5EF4-FFF2-40B4-BE49-F238E27FC236}">
+                <a16:creationId xmlns:a16="http://schemas.microsoft.com/office/drawing/2014/main" id="{1DBB2E8A-1757-4275-9CA7-741BA9723903}"/>
+              </a:ext>
+            </a:extLst>
+          </p:cNvPr>
+          <p:cNvPicPr>
+            <a:picLocks noGrp="1" noChangeAspect="1"/>
+          </p:cNvPicPr>
+          <p:nvPr>
+            <p:ph idx="1"/>
+          </p:nvPr>
+        </p:nvPicPr>
+        <p:blipFill>
+          <a:blip r:embed="rId2"/>
+          <a:stretch>
+            <a:fillRect/>
+          </a:stretch>
+        </p:blipFill>
+        <p:spPr>
+          <a:xfrm>
+            <a:off x="1891444" y="1451952"/>
+            <a:ext cx="7678440" cy="2764236"/>
+          </a:xfrm>
+          <a:prstGeom prst="rect">
+            <a:avLst/>
+          </a:prstGeom>
+        </p:spPr>
+      </p:pic>
+      <p:pic>
+        <p:nvPicPr>
+          <p:cNvPr id="5" name="Picture 4">
+            <a:extLst>
+              <a:ext uri="{FF2B5EF4-FFF2-40B4-BE49-F238E27FC236}">
+                <a16:creationId xmlns:a16="http://schemas.microsoft.com/office/drawing/2014/main" id="{18A3CF5A-D4C4-46D7-A12A-28518DD14ABD}"/>
+              </a:ext>
+            </a:extLst>
+          </p:cNvPr>
+          <p:cNvPicPr>
+            <a:picLocks noChangeAspect="1"/>
+          </p:cNvPicPr>
+          <p:nvPr/>
+        </p:nvPicPr>
+        <p:blipFill>
+          <a:blip r:embed="rId3"/>
+          <a:stretch>
+            <a:fillRect/>
+          </a:stretch>
+        </p:blipFill>
+        <p:spPr>
+          <a:xfrm>
+            <a:off x="752858" y="237803"/>
+            <a:ext cx="5130799" cy="1013332"/>
+          </a:xfrm>
+          <a:prstGeom prst="rect">
+            <a:avLst/>
+          </a:prstGeom>
+        </p:spPr>
+      </p:pic>
+      <p:sp>
+        <p:nvSpPr>
+          <p:cNvPr id="21" name="Freeform: Shape 20">
+            <a:extLst>
+              <a:ext uri="{FF2B5EF4-FFF2-40B4-BE49-F238E27FC236}">
+                <a16:creationId xmlns:a16="http://schemas.microsoft.com/office/drawing/2014/main" id="{0F30CCEB-94C4-4F72-BA5A-9CEA853022DA}"/>
+              </a:ext>
+              <a:ext uri="{C183D7F6-B498-43B3-948B-1728B52AA6E4}">
+                <adec:decorative xmlns:adec="http://schemas.microsoft.com/office/drawing/2017/decorative" val="1"/>
+              </a:ext>
+            </a:extLst>
+          </p:cNvPr>
+          <p:cNvSpPr>
+            <a:spLocks noGrp="1" noRot="1" noChangeAspect="1" noMove="1" noResize="1" noEditPoints="1" noAdjustHandles="1" noChangeArrowheads="1" noChangeShapeType="1" noTextEdit="1"/>
+          </p:cNvSpPr>
+          <p:nvPr>
+            <p:extLst>
+              <p:ext uri="{386F3935-93C4-4BCD-93E2-E3B085C9AB24}">
+                <p16:designElem xmlns:p16="http://schemas.microsoft.com/office/powerpoint/2015/main" val="1"/>
+              </p:ext>
+            </p:extLst>
+          </p:nvPr>
+        </p:nvSpPr>
+        <p:spPr bwMode="auto">
+          <a:xfrm flipH="1" flipV="1">
+            <a:off x="434936" y="4446551"/>
+            <a:ext cx="1957171" cy="1103687"/>
+          </a:xfrm>
+          <a:custGeom>
+            <a:avLst/>
+            <a:gdLst>
+              <a:gd name="connsiteX0" fmla="*/ 2017702 w 2017702"/>
+              <a:gd name="connsiteY0" fmla="*/ 1137821 h 1137821"/>
+              <a:gd name="connsiteX1" fmla="*/ 404 w 2017702"/>
+              <a:gd name="connsiteY1" fmla="*/ 1137821 h 1137821"/>
+              <a:gd name="connsiteX2" fmla="*/ 0 w 2017702"/>
+              <a:gd name="connsiteY2" fmla="*/ 900216 h 1137821"/>
+              <a:gd name="connsiteX3" fmla="*/ 1767759 w 2017702"/>
+              <a:gd name="connsiteY3" fmla="*/ 901031 h 1137821"/>
+              <a:gd name="connsiteX4" fmla="*/ 1767759 w 2017702"/>
+              <a:gd name="connsiteY4" fmla="*/ 0 h 1137821"/>
+              <a:gd name="connsiteX5" fmla="*/ 2017702 w 2017702"/>
+              <a:gd name="connsiteY5" fmla="*/ 0 h 1137821"/>
+            </a:gdLst>
+            <a:ahLst/>
+            <a:cxnLst>
+              <a:cxn ang="0">
+                <a:pos x="connsiteX0" y="connsiteY0"/>
+              </a:cxn>
+              <a:cxn ang="0">
+                <a:pos x="connsiteX1" y="connsiteY1"/>
+              </a:cxn>
+              <a:cxn ang="0">
+                <a:pos x="connsiteX2" y="connsiteY2"/>
+              </a:cxn>
+              <a:cxn ang="0">
+                <a:pos x="connsiteX3" y="connsiteY3"/>
+              </a:cxn>
+              <a:cxn ang="0">
+                <a:pos x="connsiteX4" y="connsiteY4"/>
+              </a:cxn>
+              <a:cxn ang="0">
+                <a:pos x="connsiteX5" y="connsiteY5"/>
+              </a:cxn>
+            </a:cxnLst>
+            <a:rect l="l" t="t" r="r" b="b"/>
+            <a:pathLst>
+              <a:path w="2017702" h="1137821">
+                <a:moveTo>
+                  <a:pt x="2017702" y="1137821"/>
+                </a:moveTo>
+                <a:lnTo>
+                  <a:pt x="404" y="1137821"/>
+                </a:lnTo>
+                <a:cubicBezTo>
+                  <a:pt x="-404" y="1055814"/>
+                  <a:pt x="807" y="982224"/>
+                  <a:pt x="0" y="900216"/>
+                </a:cubicBezTo>
+                <a:lnTo>
+                  <a:pt x="1767759" y="901031"/>
+                </a:lnTo>
+                <a:lnTo>
+                  <a:pt x="1767759" y="0"/>
+                </a:lnTo>
+                <a:lnTo>
+                  <a:pt x="2017702" y="0"/>
+                </a:lnTo>
+                <a:close/>
+              </a:path>
+            </a:pathLst>
+          </a:custGeom>
+          <a:solidFill>
+            <a:schemeClr val="tx2">
+              <a:alpha val="80000"/>
+            </a:schemeClr>
+          </a:solidFill>
+          <a:ln w="0">
+            <a:noFill/>
+            <a:prstDash val="solid"/>
+            <a:round/>
+            <a:headEnd/>
+            <a:tailEnd/>
+          </a:ln>
+        </p:spPr>
+      </p:sp>
+      <p:sp>
+        <p:nvSpPr>
+          <p:cNvPr id="23" name="Freeform: Shape 22">
+            <a:extLst>
+              <a:ext uri="{FF2B5EF4-FFF2-40B4-BE49-F238E27FC236}">
+                <a16:creationId xmlns:a16="http://schemas.microsoft.com/office/drawing/2014/main" id="{0DE1A94F-CC8B-4954-97A7-ADD4F300D647}"/>
+              </a:ext>
+              <a:ext uri="{C183D7F6-B498-43B3-948B-1728B52AA6E4}">
+                <adec:decorative xmlns:adec="http://schemas.microsoft.com/office/drawing/2017/decorative" val="1"/>
+              </a:ext>
+            </a:extLst>
+          </p:cNvPr>
+          <p:cNvSpPr>
+            <a:spLocks noGrp="1" noRot="1" noChangeAspect="1" noMove="1" noResize="1" noEditPoints="1" noAdjustHandles="1" noChangeArrowheads="1" noChangeShapeType="1" noTextEdit="1"/>
+          </p:cNvSpPr>
+          <p:nvPr>
+            <p:extLst>
+              <p:ext uri="{386F3935-93C4-4BCD-93E2-E3B085C9AB24}">
+                <p16:designElem xmlns:p16="http://schemas.microsoft.com/office/powerpoint/2015/main" val="1"/>
+              </p:ext>
+            </p:extLst>
+          </p:nvPr>
+        </p:nvSpPr>
+        <p:spPr bwMode="auto">
+          <a:xfrm>
+            <a:off x="9796837" y="5311230"/>
+            <a:ext cx="2042265" cy="1213486"/>
+          </a:xfrm>
+          <a:custGeom>
+            <a:avLst/>
+            <a:gdLst>
+              <a:gd name="connsiteX0" fmla="*/ 1844618 w 2105428"/>
+              <a:gd name="connsiteY0" fmla="*/ 0 h 1251016"/>
+              <a:gd name="connsiteX1" fmla="*/ 2105428 w 2105428"/>
+              <a:gd name="connsiteY1" fmla="*/ 0 h 1251016"/>
+              <a:gd name="connsiteX2" fmla="*/ 2105428 w 2105428"/>
+              <a:gd name="connsiteY2" fmla="*/ 1251016 h 1251016"/>
+              <a:gd name="connsiteX3" fmla="*/ 421 w 2105428"/>
+              <a:gd name="connsiteY3" fmla="*/ 1251016 h 1251016"/>
+              <a:gd name="connsiteX4" fmla="*/ 0 w 2105428"/>
+              <a:gd name="connsiteY4" fmla="*/ 1003081 h 1251016"/>
+              <a:gd name="connsiteX5" fmla="*/ 1844618 w 2105428"/>
+              <a:gd name="connsiteY5" fmla="*/ 1003931 h 1251016"/>
+            </a:gdLst>
+            <a:ahLst/>
+            <a:cxnLst>
+              <a:cxn ang="0">
+                <a:pos x="connsiteX0" y="connsiteY0"/>
+              </a:cxn>
+              <a:cxn ang="0">
+                <a:pos x="connsiteX1" y="connsiteY1"/>
+              </a:cxn>
+              <a:cxn ang="0">
+                <a:pos x="connsiteX2" y="connsiteY2"/>
+              </a:cxn>
+              <a:cxn ang="0">
+                <a:pos x="connsiteX3" y="connsiteY3"/>
+              </a:cxn>
+              <a:cxn ang="0">
+                <a:pos x="connsiteX4" y="connsiteY4"/>
+              </a:cxn>
+              <a:cxn ang="0">
+                <a:pos x="connsiteX5" y="connsiteY5"/>
+              </a:cxn>
+            </a:cxnLst>
+            <a:rect l="l" t="t" r="r" b="b"/>
+            <a:pathLst>
+              <a:path w="2105428" h="1251016">
+                <a:moveTo>
+                  <a:pt x="1844618" y="0"/>
+                </a:moveTo>
+                <a:lnTo>
+                  <a:pt x="2105428" y="0"/>
+                </a:lnTo>
+                <a:lnTo>
+                  <a:pt x="2105428" y="1251016"/>
+                </a:lnTo>
+                <a:lnTo>
+                  <a:pt x="421" y="1251016"/>
+                </a:lnTo>
+                <a:cubicBezTo>
+                  <a:pt x="-421" y="1165443"/>
+                  <a:pt x="842" y="1088654"/>
+                  <a:pt x="0" y="1003081"/>
+                </a:cubicBezTo>
+                <a:lnTo>
+                  <a:pt x="1844618" y="1003931"/>
+                </a:lnTo>
+                <a:close/>
+              </a:path>
+            </a:pathLst>
+          </a:custGeom>
+          <a:solidFill>
+            <a:schemeClr val="tx2">
+              <a:alpha val="80000"/>
+            </a:schemeClr>
+          </a:solidFill>
+          <a:ln w="0">
+            <a:noFill/>
+            <a:prstDash val="solid"/>
+            <a:round/>
+            <a:headEnd/>
+            <a:tailEnd/>
+          </a:ln>
+        </p:spPr>
+      </p:sp>
+    </p:spTree>
+    <p:extLst>
+      <p:ext uri="{BB962C8B-B14F-4D97-AF65-F5344CB8AC3E}">
+        <p14:creationId xmlns:p14="http://schemas.microsoft.com/office/powerpoint/2010/main" val="394159160"/>
+      </p:ext>
+    </p:extLst>
+  </p:cSld>
+  <p:clrMapOvr>
+    <a:masterClrMapping/>
+  </p:clrMapOvr>
+</p:sld>
+</file>
+
+<file path=ppt/slides/slide11.xml><?xml version="1.0" encoding="utf-8"?>
 <p:sld xmlns:a="http://schemas.openxmlformats.org/drawingml/2006/main" xmlns:r="http://schemas.openxmlformats.org/officeDocument/2006/relationships" xmlns:p="http://schemas.openxmlformats.org/presentationml/2006/main">
   <p:cSld>
     <p:spTree>
@@ -3901,7 +9045,7 @@
           <p:cNvPr id="2" name="Title 1">
             <a:extLst>
               <a:ext uri="{FF2B5EF4-FFF2-40B4-BE49-F238E27FC236}">
-                <a16:creationId xmlns:a16="http://schemas.microsoft.com/office/drawing/2014/main" id="{8037A054-0834-4E3C-A983-9642F4728E22}"/>
+                <a16:creationId xmlns:a16="http://schemas.microsoft.com/office/drawing/2014/main" id="{B43C2AB5-2BB7-4A83-B246-C12F08A053EE}"/>
               </a:ext>
             </a:extLst>
           </p:cNvPr>
@@ -3919,7 +9063,7 @@
           <a:p>
             <a:r>
               <a:rPr lang="en-US" dirty="0"/>
-              <a:t>What do we know about the type of research being published?</a:t>
+              <a:t>What should clinicians know about reading research?</a:t>
             </a:r>
           </a:p>
         </p:txBody>
@@ -3929,7 +9073,7 @@
           <p:cNvPr id="3" name="Content Placeholder 2">
             <a:extLst>
               <a:ext uri="{FF2B5EF4-FFF2-40B4-BE49-F238E27FC236}">
-                <a16:creationId xmlns:a16="http://schemas.microsoft.com/office/drawing/2014/main" id="{1F995A2F-F35D-4204-9E48-1AE3431194B3}"/>
+                <a16:creationId xmlns:a16="http://schemas.microsoft.com/office/drawing/2014/main" id="{EA77EF9B-EBA5-453B-BD1E-8E422D8F33D3}"/>
               </a:ext>
             </a:extLst>
           </p:cNvPr>
@@ -3942,47 +9086,146 @@
         </p:nvSpPr>
         <p:spPr/>
         <p:txBody>
-          <a:bodyPr/>
+          <a:bodyPr>
+            <a:normAutofit fontScale="85000" lnSpcReduction="20000"/>
+          </a:bodyPr>
           <a:lstStyle/>
           <a:p>
-            <a:endParaRPr lang="en-US"/>
+            <a:pPr>
+              <a:buFontTx/>
+              <a:buChar char="-"/>
+            </a:pPr>
+            <a:r>
+              <a:rPr lang="en-US" dirty="0"/>
+              <a:t>Clinical implications section</a:t>
+            </a:r>
+          </a:p>
+          <a:p>
+            <a:pPr>
+              <a:buFontTx/>
+              <a:buChar char="-"/>
+            </a:pPr>
+            <a:r>
+              <a:rPr lang="en-US" dirty="0"/>
+              <a:t>Framework for analyzing clinical utility</a:t>
+            </a:r>
+          </a:p>
+          <a:p>
+            <a:pPr lvl="1">
+              <a:buFontTx/>
+              <a:buChar char="-"/>
+            </a:pPr>
+            <a:r>
+              <a:rPr lang="en-US" dirty="0"/>
+              <a:t>Assessment</a:t>
+            </a:r>
+          </a:p>
+          <a:p>
+            <a:pPr lvl="2">
+              <a:buFontTx/>
+              <a:buChar char="-"/>
+            </a:pPr>
+            <a:r>
+              <a:rPr lang="en-US" dirty="0"/>
+              <a:t>Population?</a:t>
+            </a:r>
+          </a:p>
+          <a:p>
+            <a:pPr lvl="2">
+              <a:buFontTx/>
+              <a:buChar char="-"/>
+            </a:pPr>
+            <a:r>
+              <a:rPr lang="en-US" dirty="0"/>
+              <a:t>Access to tool for free?</a:t>
+            </a:r>
+          </a:p>
+          <a:p>
+            <a:pPr lvl="2">
+              <a:buFontTx/>
+              <a:buChar char="-"/>
+            </a:pPr>
+            <a:r>
+              <a:rPr lang="en-US" dirty="0"/>
+              <a:t>Ease of administration</a:t>
+            </a:r>
+          </a:p>
+          <a:p>
+            <a:pPr lvl="2">
+              <a:buFontTx/>
+              <a:buChar char="-"/>
+            </a:pPr>
+            <a:r>
+              <a:rPr lang="en-US" dirty="0"/>
+              <a:t>Ease of scoring</a:t>
+            </a:r>
+          </a:p>
+          <a:p>
+            <a:pPr lvl="1">
+              <a:buFontTx/>
+              <a:buChar char="-"/>
+            </a:pPr>
+            <a:r>
+              <a:rPr lang="en-US" dirty="0"/>
+              <a:t>Intervention</a:t>
+            </a:r>
+          </a:p>
+          <a:p>
+            <a:pPr lvl="2">
+              <a:buFontTx/>
+              <a:buChar char="-"/>
+            </a:pPr>
+            <a:r>
+              <a:rPr lang="en-US" dirty="0"/>
+              <a:t>Population?</a:t>
+            </a:r>
+          </a:p>
+          <a:p>
+            <a:pPr lvl="2">
+              <a:buFontTx/>
+              <a:buChar char="-"/>
+            </a:pPr>
+            <a:r>
+              <a:rPr lang="en-US" dirty="0"/>
+              <a:t>Methods replicable?</a:t>
+            </a:r>
+          </a:p>
+          <a:p>
+            <a:pPr lvl="2">
+              <a:buFontTx/>
+              <a:buChar char="-"/>
+            </a:pPr>
+            <a:r>
+              <a:rPr lang="en-US" dirty="0"/>
+              <a:t>Clinically feasible dosage/frequency?</a:t>
+            </a:r>
+          </a:p>
+          <a:p>
+            <a:pPr lvl="2">
+              <a:buFontTx/>
+              <a:buChar char="-"/>
+            </a:pPr>
+            <a:r>
+              <a:rPr lang="en-US" dirty="0"/>
+              <a:t>Adaptable ingredients?</a:t>
+            </a:r>
+          </a:p>
+          <a:p>
+            <a:pPr lvl="1">
+              <a:buFontTx/>
+              <a:buChar char="-"/>
+            </a:pPr>
+            <a:r>
+              <a:rPr lang="en-US" dirty="0"/>
+              <a:t>Service delivery / Interprofessional practice</a:t>
+            </a:r>
           </a:p>
         </p:txBody>
       </p:sp>
-      <p:pic>
-        <p:nvPicPr>
-          <p:cNvPr id="5" name="Picture 4">
-            <a:extLst>
-              <a:ext uri="{FF2B5EF4-FFF2-40B4-BE49-F238E27FC236}">
-                <a16:creationId xmlns:a16="http://schemas.microsoft.com/office/drawing/2014/main" id="{FC7C060B-58C6-4A7E-A57C-D8242791AB99}"/>
-              </a:ext>
-            </a:extLst>
-          </p:cNvPr>
-          <p:cNvPicPr>
-            <a:picLocks noChangeAspect="1"/>
-          </p:cNvPicPr>
-          <p:nvPr/>
-        </p:nvPicPr>
-        <p:blipFill>
-          <a:blip r:embed="rId2"/>
-          <a:stretch>
-            <a:fillRect/>
-          </a:stretch>
-        </p:blipFill>
-        <p:spPr>
-          <a:xfrm>
-            <a:off x="1498958" y="2372032"/>
-            <a:ext cx="8505825" cy="2743200"/>
-          </a:xfrm>
-          <a:prstGeom prst="rect">
-            <a:avLst/>
-          </a:prstGeom>
-        </p:spPr>
-      </p:pic>
     </p:spTree>
     <p:extLst>
       <p:ext uri="{BB962C8B-B14F-4D97-AF65-F5344CB8AC3E}">
-        <p14:creationId xmlns:p14="http://schemas.microsoft.com/office/powerpoint/2010/main" val="1032961872"/>
+        <p14:creationId xmlns:p14="http://schemas.microsoft.com/office/powerpoint/2010/main" val="3548398740"/>
       </p:ext>
     </p:extLst>
   </p:cSld>
@@ -3992,7 +9235,445 @@
 </p:sld>
 </file>
 
-<file path=ppt/slides/slide3.xml><?xml version="1.0" encoding="utf-8"?>
+<file path=ppt/slides/slide12.xml><?xml version="1.0" encoding="utf-8"?>
+<p:sld xmlns:a="http://schemas.openxmlformats.org/drawingml/2006/main" xmlns:r="http://schemas.openxmlformats.org/officeDocument/2006/relationships" xmlns:p="http://schemas.openxmlformats.org/presentationml/2006/main">
+  <p:cSld>
+    <p:spTree>
+      <p:nvGrpSpPr>
+        <p:cNvPr id="1" name=""/>
+        <p:cNvGrpSpPr/>
+        <p:nvPr/>
+      </p:nvGrpSpPr>
+      <p:grpSpPr>
+        <a:xfrm>
+          <a:off x="0" y="0"/>
+          <a:ext cx="0" cy="0"/>
+          <a:chOff x="0" y="0"/>
+          <a:chExt cx="0" cy="0"/>
+        </a:xfrm>
+      </p:grpSpPr>
+      <p:sp>
+        <p:nvSpPr>
+          <p:cNvPr id="2" name="Title 1">
+            <a:extLst>
+              <a:ext uri="{FF2B5EF4-FFF2-40B4-BE49-F238E27FC236}">
+                <a16:creationId xmlns:a16="http://schemas.microsoft.com/office/drawing/2014/main" id="{F2013AE7-FADA-4006-BC22-44E36B6609D4}"/>
+              </a:ext>
+            </a:extLst>
+          </p:cNvPr>
+          <p:cNvSpPr>
+            <a:spLocks noGrp="1"/>
+          </p:cNvSpPr>
+          <p:nvPr>
+            <p:ph type="title"/>
+          </p:nvPr>
+        </p:nvSpPr>
+        <p:spPr/>
+        <p:txBody>
+          <a:bodyPr/>
+          <a:lstStyle/>
+          <a:p>
+            <a:r>
+              <a:rPr lang="en-US" dirty="0"/>
+              <a:t>Million-dollar question</a:t>
+            </a:r>
+          </a:p>
+        </p:txBody>
+      </p:sp>
+      <p:sp>
+        <p:nvSpPr>
+          <p:cNvPr id="3" name="Content Placeholder 2">
+            <a:extLst>
+              <a:ext uri="{FF2B5EF4-FFF2-40B4-BE49-F238E27FC236}">
+                <a16:creationId xmlns:a16="http://schemas.microsoft.com/office/drawing/2014/main" id="{87CE44C0-ADF7-4272-9BC8-8E3B52769D48}"/>
+              </a:ext>
+            </a:extLst>
+          </p:cNvPr>
+          <p:cNvSpPr>
+            <a:spLocks noGrp="1"/>
+          </p:cNvSpPr>
+          <p:nvPr>
+            <p:ph idx="1"/>
+          </p:nvPr>
+        </p:nvSpPr>
+        <p:spPr/>
+        <p:txBody>
+          <a:bodyPr/>
+          <a:lstStyle/>
+          <a:p>
+            <a:r>
+              <a:rPr lang="en-US" dirty="0"/>
+              <a:t>Awareness – is this info I need to simply be aware of?</a:t>
+            </a:r>
+          </a:p>
+          <a:p>
+            <a:r>
+              <a:rPr lang="en-US" dirty="0"/>
+              <a:t>Acceptability – if I see a client with ________ with a blank presentation, can I use _________</a:t>
+            </a:r>
+          </a:p>
+          <a:p>
+            <a:r>
+              <a:rPr lang="en-US" dirty="0"/>
+              <a:t>Adoptability – If I see a client tomorrow, should I use this in my session?</a:t>
+            </a:r>
+          </a:p>
+        </p:txBody>
+      </p:sp>
+    </p:spTree>
+    <p:extLst>
+      <p:ext uri="{BB962C8B-B14F-4D97-AF65-F5344CB8AC3E}">
+        <p14:creationId xmlns:p14="http://schemas.microsoft.com/office/powerpoint/2010/main" val="2704819220"/>
+      </p:ext>
+    </p:extLst>
+  </p:cSld>
+  <p:clrMapOvr>
+    <a:masterClrMapping/>
+  </p:clrMapOvr>
+</p:sld>
+</file>
+
+<file path=ppt/slides/slide13.xml><?xml version="1.0" encoding="utf-8"?>
+<p:sld xmlns:a="http://schemas.openxmlformats.org/drawingml/2006/main" xmlns:r="http://schemas.openxmlformats.org/officeDocument/2006/relationships" xmlns:p="http://schemas.openxmlformats.org/presentationml/2006/main">
+  <p:cSld>
+    <p:spTree>
+      <p:nvGrpSpPr>
+        <p:cNvPr id="1" name=""/>
+        <p:cNvGrpSpPr/>
+        <p:nvPr/>
+      </p:nvGrpSpPr>
+      <p:grpSpPr>
+        <a:xfrm>
+          <a:off x="0" y="0"/>
+          <a:ext cx="0" cy="0"/>
+          <a:chOff x="0" y="0"/>
+          <a:chExt cx="0" cy="0"/>
+        </a:xfrm>
+      </p:grpSpPr>
+      <p:sp>
+        <p:nvSpPr>
+          <p:cNvPr id="2" name="Title 1">
+            <a:extLst>
+              <a:ext uri="{FF2B5EF4-FFF2-40B4-BE49-F238E27FC236}">
+                <a16:creationId xmlns:a16="http://schemas.microsoft.com/office/drawing/2014/main" id="{BCAFC620-170F-4B6B-BFDA-F5539BDE64C1}"/>
+              </a:ext>
+            </a:extLst>
+          </p:cNvPr>
+          <p:cNvSpPr>
+            <a:spLocks noGrp="1"/>
+          </p:cNvSpPr>
+          <p:nvPr>
+            <p:ph type="title"/>
+          </p:nvPr>
+        </p:nvSpPr>
+        <p:spPr/>
+        <p:txBody>
+          <a:bodyPr/>
+          <a:lstStyle/>
+          <a:p>
+            <a:r>
+              <a:rPr lang="en-US" dirty="0"/>
+              <a:t>Putting into practice</a:t>
+            </a:r>
+          </a:p>
+        </p:txBody>
+      </p:sp>
+      <p:sp>
+        <p:nvSpPr>
+          <p:cNvPr id="3" name="Content Placeholder 2">
+            <a:extLst>
+              <a:ext uri="{FF2B5EF4-FFF2-40B4-BE49-F238E27FC236}">
+                <a16:creationId xmlns:a16="http://schemas.microsoft.com/office/drawing/2014/main" id="{E964E391-E642-4154-893E-7E9396F2F847}"/>
+              </a:ext>
+            </a:extLst>
+          </p:cNvPr>
+          <p:cNvSpPr>
+            <a:spLocks noGrp="1"/>
+          </p:cNvSpPr>
+          <p:nvPr>
+            <p:ph idx="1"/>
+          </p:nvPr>
+        </p:nvSpPr>
+        <p:spPr/>
+        <p:txBody>
+          <a:bodyPr/>
+          <a:lstStyle/>
+          <a:p>
+            <a:r>
+              <a:rPr lang="en-US" dirty="0"/>
+              <a:t>Let’s evaluate the clinical utility of some papers!</a:t>
+            </a:r>
+          </a:p>
+        </p:txBody>
+      </p:sp>
+    </p:spTree>
+    <p:extLst>
+      <p:ext uri="{BB962C8B-B14F-4D97-AF65-F5344CB8AC3E}">
+        <p14:creationId xmlns:p14="http://schemas.microsoft.com/office/powerpoint/2010/main" val="3471405057"/>
+      </p:ext>
+    </p:extLst>
+  </p:cSld>
+  <p:clrMapOvr>
+    <a:masterClrMapping/>
+  </p:clrMapOvr>
+</p:sld>
+</file>
+
+<file path=ppt/slides/slide14.xml><?xml version="1.0" encoding="utf-8"?>
+<p:sld xmlns:a="http://schemas.openxmlformats.org/drawingml/2006/main" xmlns:r="http://schemas.openxmlformats.org/officeDocument/2006/relationships" xmlns:p="http://schemas.openxmlformats.org/presentationml/2006/main">
+  <p:cSld>
+    <p:spTree>
+      <p:nvGrpSpPr>
+        <p:cNvPr id="1" name=""/>
+        <p:cNvGrpSpPr/>
+        <p:nvPr/>
+      </p:nvGrpSpPr>
+      <p:grpSpPr>
+        <a:xfrm>
+          <a:off x="0" y="0"/>
+          <a:ext cx="0" cy="0"/>
+          <a:chOff x="0" y="0"/>
+          <a:chExt cx="0" cy="0"/>
+        </a:xfrm>
+      </p:grpSpPr>
+      <p:sp>
+        <p:nvSpPr>
+          <p:cNvPr id="2" name="Title 1">
+            <a:extLst>
+              <a:ext uri="{FF2B5EF4-FFF2-40B4-BE49-F238E27FC236}">
+                <a16:creationId xmlns:a16="http://schemas.microsoft.com/office/drawing/2014/main" id="{70EAE46E-2ACE-4C3F-A2BC-FC2970F67900}"/>
+              </a:ext>
+            </a:extLst>
+          </p:cNvPr>
+          <p:cNvSpPr>
+            <a:spLocks noGrp="1"/>
+          </p:cNvSpPr>
+          <p:nvPr>
+            <p:ph type="title"/>
+          </p:nvPr>
+        </p:nvSpPr>
+        <p:spPr/>
+        <p:txBody>
+          <a:bodyPr/>
+          <a:lstStyle/>
+          <a:p>
+            <a:r>
+              <a:rPr lang="en-US" dirty="0"/>
+              <a:t>But I’m going to be a busy clinician!</a:t>
+            </a:r>
+          </a:p>
+        </p:txBody>
+      </p:sp>
+      <p:sp>
+        <p:nvSpPr>
+          <p:cNvPr id="3" name="Content Placeholder 2">
+            <a:extLst>
+              <a:ext uri="{FF2B5EF4-FFF2-40B4-BE49-F238E27FC236}">
+                <a16:creationId xmlns:a16="http://schemas.microsoft.com/office/drawing/2014/main" id="{FD7C433E-6A0B-415A-B5B2-436BB3C0116E}"/>
+              </a:ext>
+            </a:extLst>
+          </p:cNvPr>
+          <p:cNvSpPr>
+            <a:spLocks noGrp="1"/>
+          </p:cNvSpPr>
+          <p:nvPr>
+            <p:ph idx="1"/>
+          </p:nvPr>
+        </p:nvSpPr>
+        <p:spPr/>
+        <p:txBody>
+          <a:bodyPr/>
+          <a:lstStyle/>
+          <a:p>
+            <a:r>
+              <a:rPr lang="en-US" dirty="0"/>
+              <a:t>Online educational platforms</a:t>
+            </a:r>
+          </a:p>
+          <a:p>
+            <a:pPr lvl="1"/>
+            <a:r>
+              <a:rPr lang="en-US" b="1" dirty="0"/>
+              <a:t>ANCDS, </a:t>
+            </a:r>
+            <a:r>
+              <a:rPr lang="en-US" dirty="0"/>
+              <a:t>STEP, </a:t>
+            </a:r>
+            <a:r>
+              <a:rPr lang="en-US" dirty="0" err="1"/>
+              <a:t>Medbridge</a:t>
+            </a:r>
+            <a:r>
+              <a:rPr lang="en-US" dirty="0"/>
+              <a:t>, ASHA Learning Pass</a:t>
+            </a:r>
+          </a:p>
+          <a:p>
+            <a:r>
+              <a:rPr lang="en-US" dirty="0"/>
+              <a:t>Blogs</a:t>
+            </a:r>
+          </a:p>
+          <a:p>
+            <a:pPr lvl="1"/>
+            <a:r>
+              <a:rPr lang="en-US" dirty="0"/>
+              <a:t>Paid: TISLP</a:t>
+            </a:r>
+          </a:p>
+          <a:p>
+            <a:pPr lvl="1"/>
+            <a:r>
+              <a:rPr lang="en-US" dirty="0"/>
+              <a:t>Unpaid: swallowstudy.com, eatspeakthink.com, brainline.org, </a:t>
+            </a:r>
+          </a:p>
+          <a:p>
+            <a:r>
+              <a:rPr lang="en-US" dirty="0"/>
+              <a:t>Podcasts</a:t>
+            </a:r>
+          </a:p>
+          <a:p>
+            <a:pPr lvl="1"/>
+            <a:r>
+              <a:rPr lang="en-US" dirty="0"/>
+              <a:t>Down the Hatch, ANCDS podcast, </a:t>
+            </a:r>
+            <a:r>
+              <a:rPr lang="en-US" dirty="0" err="1"/>
+              <a:t>AphasiaAccess</a:t>
+            </a:r>
+            <a:endParaRPr lang="en-US" dirty="0"/>
+          </a:p>
+        </p:txBody>
+      </p:sp>
+    </p:spTree>
+    <p:extLst>
+      <p:ext uri="{BB962C8B-B14F-4D97-AF65-F5344CB8AC3E}">
+        <p14:creationId xmlns:p14="http://schemas.microsoft.com/office/powerpoint/2010/main" val="232548888"/>
+      </p:ext>
+    </p:extLst>
+  </p:cSld>
+  <p:clrMapOvr>
+    <a:masterClrMapping/>
+  </p:clrMapOvr>
+</p:sld>
+</file>
+
+<file path=ppt/slides/slide15.xml><?xml version="1.0" encoding="utf-8"?>
+<p:sld xmlns:a="http://schemas.openxmlformats.org/drawingml/2006/main" xmlns:r="http://schemas.openxmlformats.org/officeDocument/2006/relationships" xmlns:p="http://schemas.openxmlformats.org/presentationml/2006/main">
+  <p:cSld>
+    <p:spTree>
+      <p:nvGrpSpPr>
+        <p:cNvPr id="1" name=""/>
+        <p:cNvGrpSpPr/>
+        <p:nvPr/>
+      </p:nvGrpSpPr>
+      <p:grpSpPr>
+        <a:xfrm>
+          <a:off x="0" y="0"/>
+          <a:ext cx="0" cy="0"/>
+          <a:chOff x="0" y="0"/>
+          <a:chExt cx="0" cy="0"/>
+        </a:xfrm>
+      </p:grpSpPr>
+      <p:sp>
+        <p:nvSpPr>
+          <p:cNvPr id="2" name="Title 1">
+            <a:extLst>
+              <a:ext uri="{FF2B5EF4-FFF2-40B4-BE49-F238E27FC236}">
+                <a16:creationId xmlns:a16="http://schemas.microsoft.com/office/drawing/2014/main" id="{7FB45FD4-5831-4ACE-8CA9-95F8E90F1083}"/>
+              </a:ext>
+            </a:extLst>
+          </p:cNvPr>
+          <p:cNvSpPr>
+            <a:spLocks noGrp="1"/>
+          </p:cNvSpPr>
+          <p:nvPr>
+            <p:ph type="title"/>
+          </p:nvPr>
+        </p:nvSpPr>
+        <p:spPr/>
+        <p:txBody>
+          <a:bodyPr/>
+          <a:lstStyle/>
+          <a:p>
+            <a:r>
+              <a:rPr lang="en-US" dirty="0"/>
+              <a:t>Summary</a:t>
+            </a:r>
+          </a:p>
+        </p:txBody>
+      </p:sp>
+      <p:sp>
+        <p:nvSpPr>
+          <p:cNvPr id="3" name="Content Placeholder 2">
+            <a:extLst>
+              <a:ext uri="{FF2B5EF4-FFF2-40B4-BE49-F238E27FC236}">
+                <a16:creationId xmlns:a16="http://schemas.microsoft.com/office/drawing/2014/main" id="{4EB3C783-A005-48DF-97B2-C8E31F2DACA6}"/>
+              </a:ext>
+            </a:extLst>
+          </p:cNvPr>
+          <p:cNvSpPr>
+            <a:spLocks noGrp="1"/>
+          </p:cNvSpPr>
+          <p:nvPr>
+            <p:ph idx="1"/>
+          </p:nvPr>
+        </p:nvSpPr>
+        <p:spPr/>
+        <p:txBody>
+          <a:bodyPr/>
+          <a:lstStyle/>
+          <a:p>
+            <a:r>
+              <a:rPr lang="en-US" dirty="0"/>
+              <a:t>Before reading an article, identify what you already know about the topic (textbook, clinical guidelines, systematic reviews)</a:t>
+            </a:r>
+          </a:p>
+          <a:p>
+            <a:r>
+              <a:rPr lang="en-US" dirty="0"/>
+              <a:t>Ensure that you have a checklist that helps you extract pertinent info</a:t>
+            </a:r>
+          </a:p>
+          <a:p>
+            <a:r>
+              <a:rPr lang="en-US" dirty="0"/>
+              <a:t>Compare what the study claims to what you already know</a:t>
+            </a:r>
+          </a:p>
+          <a:p>
+            <a:r>
+              <a:rPr lang="en-US" dirty="0"/>
+              <a:t>Translate the knowledge: </a:t>
+            </a:r>
+          </a:p>
+          <a:p>
+            <a:pPr lvl="1"/>
+            <a:r>
+              <a:rPr lang="en-US" dirty="0"/>
+              <a:t>AWARE? ACCEPT? ADOPT?</a:t>
+            </a:r>
+          </a:p>
+        </p:txBody>
+      </p:sp>
+    </p:spTree>
+    <p:extLst>
+      <p:ext uri="{BB962C8B-B14F-4D97-AF65-F5344CB8AC3E}">
+        <p14:creationId xmlns:p14="http://schemas.microsoft.com/office/powerpoint/2010/main" val="143080366"/>
+      </p:ext>
+    </p:extLst>
+  </p:cSld>
+  <p:clrMapOvr>
+    <a:masterClrMapping/>
+  </p:clrMapOvr>
+</p:sld>
+</file>
+
+<file path=ppt/slides/slide2.xml><?xml version="1.0" encoding="utf-8"?>
 <p:sld xmlns:a="http://schemas.openxmlformats.org/drawingml/2006/main" xmlns:r="http://schemas.openxmlformats.org/officeDocument/2006/relationships" xmlns:p="http://schemas.openxmlformats.org/presentationml/2006/main">
   <p:cSld>
     <p:bg>
@@ -4122,7 +9803,7 @@
           <p:nvPr/>
         </p:nvPicPr>
         <p:blipFill>
-          <a:blip r:embed="rId2"/>
+          <a:blip r:embed="rId3"/>
           <a:stretch>
             <a:fillRect/>
           </a:stretch>
@@ -4185,7 +9866,7 @@
 </p:sld>
 </file>
 
-<file path=ppt/slides/slide4.xml><?xml version="1.0" encoding="utf-8"?>
+<file path=ppt/slides/slide3.xml><?xml version="1.0" encoding="utf-8"?>
 <p:sld xmlns:a="http://schemas.openxmlformats.org/drawingml/2006/main" xmlns:r="http://schemas.openxmlformats.org/officeDocument/2006/relationships" xmlns:p="http://schemas.openxmlformats.org/presentationml/2006/main">
   <p:cSld>
     <p:spTree>
@@ -4207,7 +9888,7 @@
           <p:cNvPr id="2" name="Title 1">
             <a:extLst>
               <a:ext uri="{FF2B5EF4-FFF2-40B4-BE49-F238E27FC236}">
-                <a16:creationId xmlns:a16="http://schemas.microsoft.com/office/drawing/2014/main" id="{C20BCC03-5954-47AB-90C4-AD296B44A333}"/>
+                <a16:creationId xmlns:a16="http://schemas.microsoft.com/office/drawing/2014/main" id="{B7EB0109-022D-4839-8498-23CF8A735AA5}"/>
               </a:ext>
             </a:extLst>
           </p:cNvPr>
@@ -4225,7 +9906,7 @@
           <a:p>
             <a:r>
               <a:rPr lang="en-US" dirty="0"/>
-              <a:t>Translating evidence: a good starting point?</a:t>
+              <a:t>What is knowledge translation?</a:t>
             </a:r>
           </a:p>
         </p:txBody>
@@ -4235,7 +9916,7 @@
           <p:cNvPr id="3" name="Content Placeholder 2">
             <a:extLst>
               <a:ext uri="{FF2B5EF4-FFF2-40B4-BE49-F238E27FC236}">
-                <a16:creationId xmlns:a16="http://schemas.microsoft.com/office/drawing/2014/main" id="{5132DA36-D617-44D4-A022-6926F04AEC74}"/>
+                <a16:creationId xmlns:a16="http://schemas.microsoft.com/office/drawing/2014/main" id="{5B997802-7670-464C-AE7D-D795982C1C56}"/>
               </a:ext>
             </a:extLst>
           </p:cNvPr>
@@ -4246,43 +9927,282 @@
             <p:ph idx="1"/>
           </p:nvPr>
         </p:nvSpPr>
-        <p:spPr/>
+        <p:spPr>
+          <a:xfrm>
+            <a:off x="1219200" y="1680754"/>
+            <a:ext cx="9753600" cy="4186646"/>
+          </a:xfrm>
+        </p:spPr>
         <p:txBody>
-          <a:bodyPr/>
+          <a:bodyPr>
+            <a:normAutofit/>
+          </a:bodyPr>
           <a:lstStyle/>
           <a:p>
             <a:r>
               <a:rPr lang="en-US" dirty="0"/>
-              <a:t>Systematic reviews</a:t>
+              <a:t>“an active process that facilitates the introduction of new evidence into practice…includes identifying optimum strategies to close the gap between research and clinical practice”</a:t>
+            </a:r>
+          </a:p>
+          <a:p>
+            <a:r>
+              <a:rPr lang="en-US" dirty="0"/>
+              <a:t>Passive                                         </a:t>
+            </a:r>
+            <a:r>
+              <a:rPr lang="en-US" dirty="0">
+                <a:sym typeface="Wingdings" panose="05000000000000000000" pitchFamily="2" charset="2"/>
+              </a:rPr>
+              <a:t>Active</a:t>
+            </a:r>
+          </a:p>
+          <a:p>
+            <a:r>
+              <a:rPr lang="en-US" dirty="0">
+                <a:sym typeface="Wingdings" panose="05000000000000000000" pitchFamily="2" charset="2"/>
+              </a:rPr>
+              <a:t>“showed that educational meetings were commonly used KT strategies specifically directed at translating research into practice and enhancing research uptake in rehabilitation disciplines”</a:t>
             </a:r>
           </a:p>
           <a:p>
             <a:pPr lvl="1"/>
             <a:r>
-              <a:rPr lang="en-US" dirty="0"/>
-              <a:t>Provide overview of research trends </a:t>
+              <a:rPr lang="en-US" b="0" i="0" dirty="0">
+                <a:solidFill>
+                  <a:srgbClr val="000000"/>
+                </a:solidFill>
+                <a:effectLst/>
+                <a:latin typeface="Times New Roman" panose="02020603050405020304" pitchFamily="18" charset="0"/>
+              </a:rPr>
+              <a:t>discrepancies were seen between the outcomes reported in the “Method” and “Results” sections. </a:t>
             </a:r>
           </a:p>
           <a:p>
             <a:pPr lvl="1"/>
             <a:r>
-              <a:rPr lang="en-US" dirty="0"/>
-              <a:t>Practice guidelines </a:t>
-            </a:r>
-          </a:p>
-          <a:p>
-            <a:pPr lvl="1"/>
-            <a:r>
-              <a:rPr lang="en-US" dirty="0"/>
-              <a:t>Starting point for finding an article</a:t>
-            </a:r>
+              <a:rPr lang="en-US" b="0" i="0" dirty="0">
+                <a:solidFill>
+                  <a:srgbClr val="000000"/>
+                </a:solidFill>
+                <a:effectLst/>
+                <a:latin typeface="Times New Roman" panose="02020603050405020304" pitchFamily="18" charset="0"/>
+              </a:rPr>
+              <a:t>inconsistencies were seen with the use of multiple tools and approaches to evaluate the primary outcome. </a:t>
+            </a:r>
+            <a:endParaRPr lang="en-US" dirty="0"/>
           </a:p>
         </p:txBody>
       </p:sp>
+      <p:cxnSp>
+        <p:nvCxnSpPr>
+          <p:cNvPr id="5" name="Straight Arrow Connector 4">
+            <a:extLst>
+              <a:ext uri="{FF2B5EF4-FFF2-40B4-BE49-F238E27FC236}">
+                <a16:creationId xmlns:a16="http://schemas.microsoft.com/office/drawing/2014/main" id="{7496C1FE-07DF-4EAD-87C9-CE78C1A732E8}"/>
+              </a:ext>
+            </a:extLst>
+          </p:cNvPr>
+          <p:cNvCxnSpPr>
+            <a:cxnSpLocks/>
+          </p:cNvCxnSpPr>
+          <p:nvPr/>
+        </p:nvCxnSpPr>
+        <p:spPr>
+          <a:xfrm>
+            <a:off x="2595154" y="2865120"/>
+            <a:ext cx="2368732" cy="0"/>
+          </a:xfrm>
+          <a:prstGeom prst="straightConnector1">
+            <a:avLst/>
+          </a:prstGeom>
+          <a:ln>
+            <a:headEnd type="triangle"/>
+            <a:tailEnd type="triangle"/>
+          </a:ln>
+        </p:spPr>
+        <p:style>
+          <a:lnRef idx="2">
+            <a:schemeClr val="dk1"/>
+          </a:lnRef>
+          <a:fillRef idx="0">
+            <a:schemeClr val="dk1"/>
+          </a:fillRef>
+          <a:effectRef idx="1">
+            <a:schemeClr val="dk1"/>
+          </a:effectRef>
+          <a:fontRef idx="minor">
+            <a:schemeClr val="tx1"/>
+          </a:fontRef>
+        </p:style>
+      </p:cxnSp>
+      <p:pic>
+        <p:nvPicPr>
+          <p:cNvPr id="9" name="Picture 8">
+            <a:extLst>
+              <a:ext uri="{FF2B5EF4-FFF2-40B4-BE49-F238E27FC236}">
+                <a16:creationId xmlns:a16="http://schemas.microsoft.com/office/drawing/2014/main" id="{7CF7F8C3-0204-48BF-9025-57B2A43B944C}"/>
+              </a:ext>
+            </a:extLst>
+          </p:cNvPr>
+          <p:cNvPicPr>
+            <a:picLocks noChangeAspect="1"/>
+          </p:cNvPicPr>
+          <p:nvPr/>
+        </p:nvPicPr>
+        <p:blipFill>
+          <a:blip r:embed="rId2"/>
+          <a:stretch>
+            <a:fillRect/>
+          </a:stretch>
+        </p:blipFill>
+        <p:spPr>
+          <a:xfrm>
+            <a:off x="9209986" y="84240"/>
+            <a:ext cx="2617853" cy="1596514"/>
+          </a:xfrm>
+          <a:prstGeom prst="rect">
+            <a:avLst/>
+          </a:prstGeom>
+        </p:spPr>
+      </p:pic>
     </p:spTree>
     <p:extLst>
       <p:ext uri="{BB962C8B-B14F-4D97-AF65-F5344CB8AC3E}">
-        <p14:creationId xmlns:p14="http://schemas.microsoft.com/office/powerpoint/2010/main" val="4157909909"/>
+        <p14:creationId xmlns:p14="http://schemas.microsoft.com/office/powerpoint/2010/main" val="3382538220"/>
+      </p:ext>
+    </p:extLst>
+  </p:cSld>
+  <p:clrMapOvr>
+    <a:masterClrMapping/>
+  </p:clrMapOvr>
+</p:sld>
+</file>
+
+<file path=ppt/slides/slide4.xml><?xml version="1.0" encoding="utf-8"?>
+<p:sld xmlns:a="http://schemas.openxmlformats.org/drawingml/2006/main" xmlns:r="http://schemas.openxmlformats.org/officeDocument/2006/relationships" xmlns:p="http://schemas.openxmlformats.org/presentationml/2006/main">
+  <p:cSld>
+    <p:bg>
+      <p:bgPr>
+        <a:solidFill>
+          <a:schemeClr val="bg2"/>
+        </a:solidFill>
+        <a:effectLst/>
+      </p:bgPr>
+    </p:bg>
+    <p:spTree>
+      <p:nvGrpSpPr>
+        <p:cNvPr id="1" name=""/>
+        <p:cNvGrpSpPr/>
+        <p:nvPr/>
+      </p:nvGrpSpPr>
+      <p:grpSpPr>
+        <a:xfrm>
+          <a:off x="0" y="0"/>
+          <a:ext cx="0" cy="0"/>
+          <a:chOff x="0" y="0"/>
+          <a:chExt cx="0" cy="0"/>
+        </a:xfrm>
+      </p:grpSpPr>
+      <p:sp>
+        <p:nvSpPr>
+          <p:cNvPr id="2" name="Title 1">
+            <a:extLst>
+              <a:ext uri="{FF2B5EF4-FFF2-40B4-BE49-F238E27FC236}">
+                <a16:creationId xmlns:a16="http://schemas.microsoft.com/office/drawing/2014/main" id="{B10557BC-0539-4BD7-831F-6A75106F6A08}"/>
+              </a:ext>
+            </a:extLst>
+          </p:cNvPr>
+          <p:cNvSpPr>
+            <a:spLocks noGrp="1"/>
+          </p:cNvSpPr>
+          <p:nvPr>
+            <p:ph type="title"/>
+          </p:nvPr>
+        </p:nvSpPr>
+        <p:spPr>
+          <a:xfrm>
+            <a:off x="1371600" y="685800"/>
+            <a:ext cx="3282695" cy="1485900"/>
+          </a:xfrm>
+        </p:spPr>
+        <p:txBody>
+          <a:bodyPr>
+            <a:normAutofit/>
+          </a:bodyPr>
+          <a:lstStyle/>
+          <a:p>
+            <a:r>
+              <a:rPr lang="en-US" dirty="0"/>
+              <a:t>Stages</a:t>
+            </a:r>
+          </a:p>
+        </p:txBody>
+      </p:sp>
+      <p:pic>
+        <p:nvPicPr>
+          <p:cNvPr id="6" name="Picture 5">
+            <a:extLst>
+              <a:ext uri="{FF2B5EF4-FFF2-40B4-BE49-F238E27FC236}">
+                <a16:creationId xmlns:a16="http://schemas.microsoft.com/office/drawing/2014/main" id="{89ABA8BD-1D39-4A42-94E1-342BBDC99BA8}"/>
+              </a:ext>
+            </a:extLst>
+          </p:cNvPr>
+          <p:cNvPicPr>
+            <a:picLocks noChangeAspect="1"/>
+          </p:cNvPicPr>
+          <p:nvPr/>
+        </p:nvPicPr>
+        <p:blipFill>
+          <a:blip r:embed="rId3"/>
+          <a:stretch>
+            <a:fillRect/>
+          </a:stretch>
+        </p:blipFill>
+        <p:spPr>
+          <a:xfrm>
+            <a:off x="5031467" y="2584687"/>
+            <a:ext cx="6517065" cy="1368584"/>
+          </a:xfrm>
+          <a:prstGeom prst="rect">
+            <a:avLst/>
+          </a:prstGeom>
+        </p:spPr>
+      </p:pic>
+      <p:graphicFrame>
+        <p:nvGraphicFramePr>
+          <p:cNvPr id="4" name="Content Placeholder 3">
+            <a:extLst>
+              <a:ext uri="{FF2B5EF4-FFF2-40B4-BE49-F238E27FC236}">
+                <a16:creationId xmlns:a16="http://schemas.microsoft.com/office/drawing/2014/main" id="{E6D57774-826D-4A8D-B13A-39BB3EB2EEFA}"/>
+              </a:ext>
+            </a:extLst>
+          </p:cNvPr>
+          <p:cNvGraphicFramePr>
+            <a:graphicFrameLocks noGrp="1"/>
+          </p:cNvGraphicFramePr>
+          <p:nvPr>
+            <p:ph idx="1"/>
+            <p:extLst>
+              <p:ext uri="{D42A27DB-BD31-4B8C-83A1-F6EECF244321}">
+                <p14:modId xmlns:p14="http://schemas.microsoft.com/office/powerpoint/2010/main" val="1605506740"/>
+              </p:ext>
+            </p:extLst>
+          </p:nvPr>
+        </p:nvGraphicFramePr>
+        <p:xfrm>
+          <a:off x="1371600" y="2286000"/>
+          <a:ext cx="3282694" cy="3581400"/>
+        </p:xfrm>
+        <a:graphic>
+          <a:graphicData uri="http://schemas.openxmlformats.org/drawingml/2006/diagram">
+            <dgm:relIds xmlns:dgm="http://schemas.openxmlformats.org/drawingml/2006/diagram" xmlns:r="http://schemas.openxmlformats.org/officeDocument/2006/relationships" r:dm="rId4" r:lo="rId5" r:qs="rId6" r:cs="rId7"/>
+          </a:graphicData>
+        </a:graphic>
+      </p:graphicFrame>
+    </p:spTree>
+    <p:extLst>
+      <p:ext uri="{BB962C8B-B14F-4D97-AF65-F5344CB8AC3E}">
+        <p14:creationId xmlns:p14="http://schemas.microsoft.com/office/powerpoint/2010/main" val="3308566776"/>
       </p:ext>
     </p:extLst>
   </p:cSld>
@@ -4314,7 +10234,7 @@
           <p:cNvPr id="2" name="Title 1">
             <a:extLst>
               <a:ext uri="{FF2B5EF4-FFF2-40B4-BE49-F238E27FC236}">
-                <a16:creationId xmlns:a16="http://schemas.microsoft.com/office/drawing/2014/main" id="{B43C2AB5-2BB7-4A83-B246-C12F08A053EE}"/>
+                <a16:creationId xmlns:a16="http://schemas.microsoft.com/office/drawing/2014/main" id="{8037A054-0834-4E3C-A983-9642F4728E22}"/>
               </a:ext>
             </a:extLst>
           </p:cNvPr>
@@ -4327,12 +10247,14 @@
         </p:nvSpPr>
         <p:spPr/>
         <p:txBody>
-          <a:bodyPr/>
+          <a:bodyPr>
+            <a:noAutofit/>
+          </a:bodyPr>
           <a:lstStyle/>
           <a:p>
             <a:r>
-              <a:rPr lang="en-US" dirty="0"/>
-              <a:t>What should clinicians know about reading research?</a:t>
+              <a:rPr lang="en-US" sz="3600" dirty="0"/>
+              <a:t>What do we know about the type of research being published in the field of SLP?</a:t>
             </a:r>
           </a:p>
         </p:txBody>
@@ -4342,7 +10264,7 @@
           <p:cNvPr id="3" name="Content Placeholder 2">
             <a:extLst>
               <a:ext uri="{FF2B5EF4-FFF2-40B4-BE49-F238E27FC236}">
-                <a16:creationId xmlns:a16="http://schemas.microsoft.com/office/drawing/2014/main" id="{EA77EF9B-EBA5-453B-BD1E-8E422D8F33D3}"/>
+                <a16:creationId xmlns:a16="http://schemas.microsoft.com/office/drawing/2014/main" id="{1F995A2F-F35D-4204-9E48-1AE3431194B3}"/>
               </a:ext>
             </a:extLst>
           </p:cNvPr>
@@ -4358,71 +10280,44 @@
           <a:bodyPr/>
           <a:lstStyle/>
           <a:p>
-            <a:pPr>
-              <a:buFontTx/>
-              <a:buChar char="-"/>
-            </a:pPr>
-            <a:r>
-              <a:rPr lang="en-US" dirty="0"/>
-              <a:t>Clinical implications section</a:t>
-            </a:r>
-          </a:p>
-          <a:p>
-            <a:pPr>
-              <a:buFontTx/>
-              <a:buChar char="-"/>
-            </a:pPr>
-            <a:r>
-              <a:rPr lang="en-US" dirty="0"/>
-              <a:t>Framework for analyzing utility</a:t>
-            </a:r>
-          </a:p>
-          <a:p>
-            <a:pPr lvl="1">
-              <a:buFontTx/>
-              <a:buChar char="-"/>
-            </a:pPr>
-            <a:r>
-              <a:rPr lang="en-US" dirty="0"/>
-              <a:t>Assessment</a:t>
-            </a:r>
-          </a:p>
-          <a:p>
-            <a:pPr lvl="1">
-              <a:buFontTx/>
-              <a:buChar char="-"/>
-            </a:pPr>
-            <a:r>
-              <a:rPr lang="en-US" dirty="0"/>
-              <a:t>Intervention</a:t>
-            </a:r>
-          </a:p>
-          <a:p>
-            <a:pPr lvl="1">
-              <a:buFontTx/>
-              <a:buChar char="-"/>
-            </a:pPr>
-            <a:r>
-              <a:rPr lang="en-US" dirty="0"/>
-              <a:t>Medical knowledge or diagnosis</a:t>
-            </a:r>
-          </a:p>
-          <a:p>
-            <a:pPr lvl="1">
-              <a:buFontTx/>
-              <a:buChar char="-"/>
-            </a:pPr>
-            <a:r>
-              <a:rPr lang="en-US" dirty="0"/>
-              <a:t>Service delivery / Interprofessional practice</a:t>
-            </a:r>
+            <a:endParaRPr lang="en-US"/>
           </a:p>
         </p:txBody>
       </p:sp>
+      <p:pic>
+        <p:nvPicPr>
+          <p:cNvPr id="5" name="Picture 4">
+            <a:extLst>
+              <a:ext uri="{FF2B5EF4-FFF2-40B4-BE49-F238E27FC236}">
+                <a16:creationId xmlns:a16="http://schemas.microsoft.com/office/drawing/2014/main" id="{FC7C060B-58C6-4A7E-A57C-D8242791AB99}"/>
+              </a:ext>
+            </a:extLst>
+          </p:cNvPr>
+          <p:cNvPicPr>
+            <a:picLocks noChangeAspect="1"/>
+          </p:cNvPicPr>
+          <p:nvPr/>
+        </p:nvPicPr>
+        <p:blipFill>
+          <a:blip r:embed="rId3"/>
+          <a:stretch>
+            <a:fillRect/>
+          </a:stretch>
+        </p:blipFill>
+        <p:spPr>
+          <a:xfrm>
+            <a:off x="1498958" y="2372032"/>
+            <a:ext cx="8505825" cy="2743200"/>
+          </a:xfrm>
+          <a:prstGeom prst="rect">
+            <a:avLst/>
+          </a:prstGeom>
+        </p:spPr>
+      </p:pic>
     </p:spTree>
     <p:extLst>
       <p:ext uri="{BB962C8B-B14F-4D97-AF65-F5344CB8AC3E}">
-        <p14:creationId xmlns:p14="http://schemas.microsoft.com/office/powerpoint/2010/main" val="3548398740"/>
+        <p14:creationId xmlns:p14="http://schemas.microsoft.com/office/powerpoint/2010/main" val="1032961872"/>
       </p:ext>
     </p:extLst>
   </p:cSld>
@@ -4433,6 +10328,202 @@
 </file>
 
 <file path=ppt/slides/slide6.xml><?xml version="1.0" encoding="utf-8"?>
+<p:sld xmlns:a="http://schemas.openxmlformats.org/drawingml/2006/main" xmlns:r="http://schemas.openxmlformats.org/officeDocument/2006/relationships" xmlns:p="http://schemas.openxmlformats.org/presentationml/2006/main">
+  <p:cSld>
+    <p:spTree>
+      <p:nvGrpSpPr>
+        <p:cNvPr id="1" name=""/>
+        <p:cNvGrpSpPr/>
+        <p:nvPr/>
+      </p:nvGrpSpPr>
+      <p:grpSpPr>
+        <a:xfrm>
+          <a:off x="0" y="0"/>
+          <a:ext cx="0" cy="0"/>
+          <a:chOff x="0" y="0"/>
+          <a:chExt cx="0" cy="0"/>
+        </a:xfrm>
+      </p:grpSpPr>
+      <p:sp>
+        <p:nvSpPr>
+          <p:cNvPr id="2" name="Title 1">
+            <a:extLst>
+              <a:ext uri="{FF2B5EF4-FFF2-40B4-BE49-F238E27FC236}">
+                <a16:creationId xmlns:a16="http://schemas.microsoft.com/office/drawing/2014/main" id="{C20BCC03-5954-47AB-90C4-AD296B44A333}"/>
+              </a:ext>
+            </a:extLst>
+          </p:cNvPr>
+          <p:cNvSpPr>
+            <a:spLocks noGrp="1"/>
+          </p:cNvSpPr>
+          <p:nvPr>
+            <p:ph type="title"/>
+          </p:nvPr>
+        </p:nvSpPr>
+        <p:spPr/>
+        <p:txBody>
+          <a:bodyPr/>
+          <a:lstStyle/>
+          <a:p>
+            <a:r>
+              <a:rPr lang="en-US" dirty="0"/>
+              <a:t>Translating evidence: a good starting point?</a:t>
+            </a:r>
+          </a:p>
+        </p:txBody>
+      </p:sp>
+      <p:sp>
+        <p:nvSpPr>
+          <p:cNvPr id="3" name="Content Placeholder 2">
+            <a:extLst>
+              <a:ext uri="{FF2B5EF4-FFF2-40B4-BE49-F238E27FC236}">
+                <a16:creationId xmlns:a16="http://schemas.microsoft.com/office/drawing/2014/main" id="{5132DA36-D617-44D4-A022-6926F04AEC74}"/>
+              </a:ext>
+            </a:extLst>
+          </p:cNvPr>
+          <p:cNvSpPr>
+            <a:spLocks noGrp="1"/>
+          </p:cNvSpPr>
+          <p:nvPr>
+            <p:ph idx="1"/>
+          </p:nvPr>
+        </p:nvSpPr>
+        <p:spPr/>
+        <p:txBody>
+          <a:bodyPr/>
+          <a:lstStyle/>
+          <a:p>
+            <a:r>
+              <a:rPr lang="en-US" dirty="0"/>
+              <a:t>Systematic reviews</a:t>
+            </a:r>
+          </a:p>
+          <a:p>
+            <a:r>
+              <a:rPr lang="en-US" dirty="0"/>
+              <a:t>Clinical practice guidelines</a:t>
+            </a:r>
+          </a:p>
+          <a:p>
+            <a:pPr lvl="1"/>
+            <a:r>
+              <a:rPr lang="en-US" dirty="0"/>
+              <a:t>Provide overview of clinical implications/ trends </a:t>
+            </a:r>
+          </a:p>
+          <a:p>
+            <a:pPr lvl="1"/>
+            <a:r>
+              <a:rPr lang="en-US" dirty="0"/>
+              <a:t>Clinical practice recommendations</a:t>
+            </a:r>
+          </a:p>
+        </p:txBody>
+      </p:sp>
+    </p:spTree>
+    <p:extLst>
+      <p:ext uri="{BB962C8B-B14F-4D97-AF65-F5344CB8AC3E}">
+        <p14:creationId xmlns:p14="http://schemas.microsoft.com/office/powerpoint/2010/main" val="4157909909"/>
+      </p:ext>
+    </p:extLst>
+  </p:cSld>
+  <p:clrMapOvr>
+    <a:masterClrMapping/>
+  </p:clrMapOvr>
+</p:sld>
+</file>
+
+<file path=ppt/slides/slide7.xml><?xml version="1.0" encoding="utf-8"?>
+<p:sld xmlns:a="http://schemas.openxmlformats.org/drawingml/2006/main" xmlns:r="http://schemas.openxmlformats.org/officeDocument/2006/relationships" xmlns:p="http://schemas.openxmlformats.org/presentationml/2006/main">
+  <p:cSld>
+    <p:spTree>
+      <p:nvGrpSpPr>
+        <p:cNvPr id="1" name=""/>
+        <p:cNvGrpSpPr/>
+        <p:nvPr/>
+      </p:nvGrpSpPr>
+      <p:grpSpPr>
+        <a:xfrm>
+          <a:off x="0" y="0"/>
+          <a:ext cx="0" cy="0"/>
+          <a:chOff x="0" y="0"/>
+          <a:chExt cx="0" cy="0"/>
+        </a:xfrm>
+      </p:grpSpPr>
+      <p:pic>
+        <p:nvPicPr>
+          <p:cNvPr id="7" name="Picture 6">
+            <a:extLst>
+              <a:ext uri="{FF2B5EF4-FFF2-40B4-BE49-F238E27FC236}">
+                <a16:creationId xmlns:a16="http://schemas.microsoft.com/office/drawing/2014/main" id="{33FCD990-B266-4567-9241-29B3E315CAF3}"/>
+              </a:ext>
+            </a:extLst>
+          </p:cNvPr>
+          <p:cNvPicPr>
+            <a:picLocks noChangeAspect="1"/>
+          </p:cNvPicPr>
+          <p:nvPr/>
+        </p:nvPicPr>
+        <p:blipFill>
+          <a:blip r:embed="rId2"/>
+          <a:stretch>
+            <a:fillRect/>
+          </a:stretch>
+        </p:blipFill>
+        <p:spPr>
+          <a:xfrm>
+            <a:off x="2424733" y="4798321"/>
+            <a:ext cx="7156589" cy="1654199"/>
+          </a:xfrm>
+          <a:prstGeom prst="rect">
+            <a:avLst/>
+          </a:prstGeom>
+        </p:spPr>
+      </p:pic>
+      <p:pic>
+        <p:nvPicPr>
+          <p:cNvPr id="9" name="Picture 8">
+            <a:extLst>
+              <a:ext uri="{FF2B5EF4-FFF2-40B4-BE49-F238E27FC236}">
+                <a16:creationId xmlns:a16="http://schemas.microsoft.com/office/drawing/2014/main" id="{1C59DC4B-CCD7-4C7D-9ED3-254BF697A4E3}"/>
+              </a:ext>
+            </a:extLst>
+          </p:cNvPr>
+          <p:cNvPicPr>
+            <a:picLocks noChangeAspect="1"/>
+          </p:cNvPicPr>
+          <p:nvPr/>
+        </p:nvPicPr>
+        <p:blipFill>
+          <a:blip r:embed="rId3"/>
+          <a:stretch>
+            <a:fillRect/>
+          </a:stretch>
+        </p:blipFill>
+        <p:spPr>
+          <a:xfrm>
+            <a:off x="2424733" y="769040"/>
+            <a:ext cx="7580657" cy="3695094"/>
+          </a:xfrm>
+          <a:prstGeom prst="rect">
+            <a:avLst/>
+          </a:prstGeom>
+        </p:spPr>
+      </p:pic>
+    </p:spTree>
+    <p:extLst>
+      <p:ext uri="{BB962C8B-B14F-4D97-AF65-F5344CB8AC3E}">
+        <p14:creationId xmlns:p14="http://schemas.microsoft.com/office/powerpoint/2010/main" val="3361584210"/>
+      </p:ext>
+    </p:extLst>
+  </p:cSld>
+  <p:clrMapOvr>
+    <a:masterClrMapping/>
+  </p:clrMapOvr>
+</p:sld>
+</file>
+
+<file path=ppt/slides/slide8.xml><?xml version="1.0" encoding="utf-8"?>
 <p:sld xmlns:a="http://schemas.openxmlformats.org/drawingml/2006/main" xmlns:r="http://schemas.openxmlformats.org/officeDocument/2006/relationships" xmlns:p="http://schemas.openxmlformats.org/presentationml/2006/main">
   <p:cSld>
     <p:bg>
@@ -4922,7 +11013,7 @@
 </p:sld>
 </file>
 
-<file path=ppt/slides/slide7.xml><?xml version="1.0" encoding="utf-8"?>
+<file path=ppt/slides/slide9.xml><?xml version="1.0" encoding="utf-8"?>
 <p:sld xmlns:a="http://schemas.openxmlformats.org/drawingml/2006/main" xmlns:r="http://schemas.openxmlformats.org/officeDocument/2006/relationships" xmlns:p="http://schemas.openxmlformats.org/presentationml/2006/main">
   <p:cSld>
     <p:bg>
@@ -5388,7 +11479,7 @@
           </p:nvPr>
         </p:nvPicPr>
         <p:blipFill>
-          <a:blip r:embed="rId2"/>
+          <a:blip r:embed="rId3"/>
           <a:stretch>
             <a:fillRect/>
           </a:stretch>
@@ -5418,7 +11509,7 @@
           <p:nvPr/>
         </p:nvPicPr>
         <p:blipFill>
-          <a:blip r:embed="rId3"/>
+          <a:blip r:embed="rId4"/>
           <a:stretch>
             <a:fillRect/>
           </a:stretch>
@@ -5437,676 +11528,6 @@
     <p:extLst>
       <p:ext uri="{BB962C8B-B14F-4D97-AF65-F5344CB8AC3E}">
         <p14:creationId xmlns:p14="http://schemas.microsoft.com/office/powerpoint/2010/main" val="3890281816"/>
-      </p:ext>
-    </p:extLst>
-  </p:cSld>
-  <p:clrMapOvr>
-    <a:masterClrMapping/>
-  </p:clrMapOvr>
-</p:sld>
-</file>
-
-<file path=ppt/slides/slide8.xml><?xml version="1.0" encoding="utf-8"?>
-<p:sld xmlns:a="http://schemas.openxmlformats.org/drawingml/2006/main" xmlns:r="http://schemas.openxmlformats.org/officeDocument/2006/relationships" xmlns:p="http://schemas.openxmlformats.org/presentationml/2006/main">
-  <p:cSld>
-    <p:bg>
-      <p:bgPr>
-        <a:solidFill>
-          <a:schemeClr val="bg2"/>
-        </a:solidFill>
-        <a:effectLst/>
-      </p:bgPr>
-    </p:bg>
-    <p:spTree>
-      <p:nvGrpSpPr>
-        <p:cNvPr id="1" name=""/>
-        <p:cNvGrpSpPr/>
-        <p:nvPr/>
-      </p:nvGrpSpPr>
-      <p:grpSpPr>
-        <a:xfrm>
-          <a:off x="0" y="0"/>
-          <a:ext cx="0" cy="0"/>
-          <a:chOff x="0" y="0"/>
-          <a:chExt cx="0" cy="0"/>
-        </a:xfrm>
-      </p:grpSpPr>
-      <p:grpSp>
-        <p:nvGrpSpPr>
-          <p:cNvPr id="15" name="Group 14">
-            <a:extLst>
-              <a:ext uri="{FF2B5EF4-FFF2-40B4-BE49-F238E27FC236}">
-                <a16:creationId xmlns:a16="http://schemas.microsoft.com/office/drawing/2014/main" id="{57500303-A207-4812-BEB9-51E132FEB73F}"/>
-              </a:ext>
-              <a:ext uri="{C183D7F6-B498-43B3-948B-1728B52AA6E4}">
-                <adec:decorative xmlns:adec="http://schemas.microsoft.com/office/drawing/2017/decorative" val="1"/>
-              </a:ext>
-            </a:extLst>
-          </p:cNvPr>
-          <p:cNvGrpSpPr>
-            <a:grpSpLocks noGrp="1" noUngrp="1" noRot="1" noChangeAspect="1" noMove="1" noResize="1"/>
-          </p:cNvGrpSpPr>
-          <p:nvPr>
-            <p:extLst>
-              <p:ext uri="{386F3935-93C4-4BCD-93E2-E3B085C9AB24}">
-                <p16:designElem xmlns:p16="http://schemas.microsoft.com/office/powerpoint/2015/main" val="1"/>
-              </p:ext>
-            </p:extLst>
-          </p:nvPr>
-        </p:nvGrpSpPr>
-        <p:grpSpPr>
-          <a:xfrm>
-            <a:off x="752858" y="744469"/>
-            <a:ext cx="10674117" cy="5349671"/>
-            <a:chOff x="752858" y="744469"/>
-            <a:chExt cx="10674117" cy="5349671"/>
-          </a:xfrm>
-        </p:grpSpPr>
-        <p:sp>
-          <p:nvSpPr>
-            <p:cNvPr id="16" name="Freeform 6">
-              <a:extLst>
-                <a:ext uri="{FF2B5EF4-FFF2-40B4-BE49-F238E27FC236}">
-                  <a16:creationId xmlns:a16="http://schemas.microsoft.com/office/drawing/2014/main" id="{10118C91-C025-4776-BE95-E9926378E790}"/>
-                </a:ext>
-                <a:ext uri="{C183D7F6-B498-43B3-948B-1728B52AA6E4}">
-                  <adec:decorative xmlns:adec="http://schemas.microsoft.com/office/drawing/2017/decorative" val="1"/>
-                </a:ext>
-              </a:extLst>
-            </p:cNvPr>
-            <p:cNvSpPr/>
-            <p:nvPr>
-              <p:extLst>
-                <p:ext uri="{386F3935-93C4-4BCD-93E2-E3B085C9AB24}">
-                  <p16:designElem xmlns:p16="http://schemas.microsoft.com/office/powerpoint/2015/main" val="1"/>
-                </p:ext>
-              </p:extLst>
-            </p:nvPr>
-          </p:nvSpPr>
-          <p:spPr bwMode="auto">
-            <a:xfrm>
-              <a:off x="8151962" y="1685652"/>
-              <a:ext cx="3275013" cy="4408488"/>
-            </a:xfrm>
-            <a:custGeom>
-              <a:avLst/>
-              <a:gdLst/>
-              <a:ahLst/>
-              <a:cxnLst/>
-              <a:rect l="l" t="t" r="r" b="b"/>
-              <a:pathLst>
-                <a:path w="10000" h="10000">
-                  <a:moveTo>
-                    <a:pt x="8761" y="0"/>
-                  </a:moveTo>
-                  <a:lnTo>
-                    <a:pt x="10000" y="0"/>
-                  </a:lnTo>
-                  <a:lnTo>
-                    <a:pt x="10000" y="10000"/>
-                  </a:lnTo>
-                  <a:lnTo>
-                    <a:pt x="0" y="10000"/>
-                  </a:lnTo>
-                  <a:lnTo>
-                    <a:pt x="0" y="9126"/>
-                  </a:lnTo>
-                  <a:lnTo>
-                    <a:pt x="8761" y="9127"/>
-                  </a:lnTo>
-                  <a:lnTo>
-                    <a:pt x="8761" y="0"/>
-                  </a:lnTo>
-                  <a:close/>
-                </a:path>
-              </a:pathLst>
-            </a:custGeom>
-            <a:solidFill>
-              <a:schemeClr val="tx2"/>
-            </a:solidFill>
-            <a:ln w="0">
-              <a:noFill/>
-              <a:prstDash val="solid"/>
-              <a:round/>
-              <a:headEnd/>
-              <a:tailEnd/>
-            </a:ln>
-          </p:spPr>
-        </p:sp>
-        <p:sp>
-          <p:nvSpPr>
-            <p:cNvPr id="17" name="Freeform 6">
-              <a:extLst>
-                <a:ext uri="{FF2B5EF4-FFF2-40B4-BE49-F238E27FC236}">
-                  <a16:creationId xmlns:a16="http://schemas.microsoft.com/office/drawing/2014/main" id="{339174D0-30E8-4BBF-BF81-5DDAC33C0C0E}"/>
-                </a:ext>
-                <a:ext uri="{C183D7F6-B498-43B3-948B-1728B52AA6E4}">
-                  <adec:decorative xmlns:adec="http://schemas.microsoft.com/office/drawing/2017/decorative" val="1"/>
-                </a:ext>
-              </a:extLst>
-            </p:cNvPr>
-            <p:cNvSpPr/>
-            <p:nvPr>
-              <p:extLst>
-                <p:ext uri="{386F3935-93C4-4BCD-93E2-E3B085C9AB24}">
-                  <p16:designElem xmlns:p16="http://schemas.microsoft.com/office/powerpoint/2015/main" val="1"/>
-                </p:ext>
-              </p:extLst>
-            </p:nvPr>
-          </p:nvSpPr>
-          <p:spPr bwMode="auto">
-            <a:xfrm flipH="1" flipV="1">
-              <a:off x="752858" y="744469"/>
-              <a:ext cx="3275668" cy="4408488"/>
-            </a:xfrm>
-            <a:custGeom>
-              <a:avLst/>
-              <a:gdLst/>
-              <a:ahLst/>
-              <a:cxnLst/>
-              <a:rect l="l" t="t" r="r" b="b"/>
-              <a:pathLst>
-                <a:path w="10002" h="10000">
-                  <a:moveTo>
-                    <a:pt x="8763" y="0"/>
-                  </a:moveTo>
-                  <a:lnTo>
-                    <a:pt x="10002" y="0"/>
-                  </a:lnTo>
-                  <a:lnTo>
-                    <a:pt x="10002" y="10000"/>
-                  </a:lnTo>
-                  <a:lnTo>
-                    <a:pt x="2" y="10000"/>
-                  </a:lnTo>
-                  <a:cubicBezTo>
-                    <a:pt x="-2" y="9698"/>
-                    <a:pt x="4" y="9427"/>
-                    <a:pt x="0" y="9125"/>
-                  </a:cubicBezTo>
-                  <a:lnTo>
-                    <a:pt x="8763" y="9128"/>
-                  </a:lnTo>
-                  <a:lnTo>
-                    <a:pt x="8763" y="0"/>
-                  </a:lnTo>
-                  <a:close/>
-                </a:path>
-              </a:pathLst>
-            </a:custGeom>
-            <a:solidFill>
-              <a:schemeClr val="tx2"/>
-            </a:solidFill>
-            <a:ln w="0">
-              <a:noFill/>
-              <a:prstDash val="solid"/>
-              <a:round/>
-              <a:headEnd/>
-              <a:tailEnd/>
-            </a:ln>
-          </p:spPr>
-        </p:sp>
-      </p:grpSp>
-      <p:sp useBgFill="1">
-        <p:nvSpPr>
-          <p:cNvPr id="19" name="Rectangle 18">
-            <a:extLst>
-              <a:ext uri="{FF2B5EF4-FFF2-40B4-BE49-F238E27FC236}">
-                <a16:creationId xmlns:a16="http://schemas.microsoft.com/office/drawing/2014/main" id="{7BB74091-09FE-44AF-8325-7FE6E175F727}"/>
-              </a:ext>
-              <a:ext uri="{C183D7F6-B498-43B3-948B-1728B52AA6E4}">
-                <adec:decorative xmlns:adec="http://schemas.microsoft.com/office/drawing/2017/decorative" val="1"/>
-              </a:ext>
-            </a:extLst>
-          </p:cNvPr>
-          <p:cNvSpPr>
-            <a:spLocks noGrp="1" noRot="1" noChangeAspect="1" noMove="1" noResize="1" noEditPoints="1" noAdjustHandles="1" noChangeArrowheads="1" noChangeShapeType="1" noTextEdit="1"/>
-          </p:cNvSpPr>
-          <p:nvPr>
-            <p:extLst>
-              <p:ext uri="{386F3935-93C4-4BCD-93E2-E3B085C9AB24}">
-                <p16:designElem xmlns:p16="http://schemas.microsoft.com/office/powerpoint/2015/main" val="1"/>
-              </p:ext>
-            </p:extLst>
-          </p:nvPr>
-        </p:nvSpPr>
-        <p:spPr>
-          <a:xfrm>
-            <a:off x="0" y="0"/>
-            <a:ext cx="12192000" cy="6858000"/>
-          </a:xfrm>
-          <a:prstGeom prst="rect">
-            <a:avLst/>
-          </a:prstGeom>
-          <a:ln>
-            <a:noFill/>
-          </a:ln>
-        </p:spPr>
-        <p:style>
-          <a:lnRef idx="2">
-            <a:schemeClr val="accent1">
-              <a:shade val="50000"/>
-            </a:schemeClr>
-          </a:lnRef>
-          <a:fillRef idx="1">
-            <a:schemeClr val="accent1"/>
-          </a:fillRef>
-          <a:effectRef idx="0">
-            <a:schemeClr val="accent1"/>
-          </a:effectRef>
-          <a:fontRef idx="minor">
-            <a:schemeClr val="lt1"/>
-          </a:fontRef>
-        </p:style>
-        <p:txBody>
-          <a:bodyPr rtlCol="0" anchor="ctr"/>
-          <a:lstStyle/>
-          <a:p>
-            <a:pPr algn="ctr"/>
-            <a:endParaRPr lang="en-US"/>
-          </a:p>
-        </p:txBody>
-      </p:sp>
-      <p:sp>
-        <p:nvSpPr>
-          <p:cNvPr id="2" name="Title 1">
-            <a:extLst>
-              <a:ext uri="{FF2B5EF4-FFF2-40B4-BE49-F238E27FC236}">
-                <a16:creationId xmlns:a16="http://schemas.microsoft.com/office/drawing/2014/main" id="{02307392-F38E-482E-B4AC-E903F77BD108}"/>
-              </a:ext>
-            </a:extLst>
-          </p:cNvPr>
-          <p:cNvSpPr>
-            <a:spLocks noGrp="1"/>
-          </p:cNvSpPr>
-          <p:nvPr>
-            <p:ph type="title"/>
-          </p:nvPr>
-        </p:nvSpPr>
-        <p:spPr>
-          <a:xfrm>
-            <a:off x="752858" y="4736961"/>
-            <a:ext cx="10720685" cy="936769"/>
-          </a:xfrm>
-        </p:spPr>
-        <p:txBody>
-          <a:bodyPr vert="horz" lIns="91440" tIns="45720" rIns="91440" bIns="45720" rtlCol="0" anchor="b">
-            <a:normAutofit/>
-          </a:bodyPr>
-          <a:lstStyle/>
-          <a:p>
-            <a:pPr algn="ctr"/>
-            <a:r>
-              <a:rPr lang="en-US" sz="3000" cap="all"/>
-              <a:t>EVIDENCE-BASED GUIDELINES ON JUDGING RESEARCH APPLICABILITY</a:t>
-            </a:r>
-          </a:p>
-        </p:txBody>
-      </p:sp>
-      <p:pic>
-        <p:nvPicPr>
-          <p:cNvPr id="7" name="Content Placeholder 6">
-            <a:extLst>
-              <a:ext uri="{FF2B5EF4-FFF2-40B4-BE49-F238E27FC236}">
-                <a16:creationId xmlns:a16="http://schemas.microsoft.com/office/drawing/2014/main" id="{1DBB2E8A-1757-4275-9CA7-741BA9723903}"/>
-              </a:ext>
-            </a:extLst>
-          </p:cNvPr>
-          <p:cNvPicPr>
-            <a:picLocks noGrp="1" noChangeAspect="1"/>
-          </p:cNvPicPr>
-          <p:nvPr>
-            <p:ph idx="1"/>
-          </p:nvPr>
-        </p:nvPicPr>
-        <p:blipFill>
-          <a:blip r:embed="rId2"/>
-          <a:stretch>
-            <a:fillRect/>
-          </a:stretch>
-        </p:blipFill>
-        <p:spPr>
-          <a:xfrm>
-            <a:off x="1891444" y="1451952"/>
-            <a:ext cx="7678440" cy="2764236"/>
-          </a:xfrm>
-          <a:prstGeom prst="rect">
-            <a:avLst/>
-          </a:prstGeom>
-        </p:spPr>
-      </p:pic>
-      <p:pic>
-        <p:nvPicPr>
-          <p:cNvPr id="5" name="Picture 4">
-            <a:extLst>
-              <a:ext uri="{FF2B5EF4-FFF2-40B4-BE49-F238E27FC236}">
-                <a16:creationId xmlns:a16="http://schemas.microsoft.com/office/drawing/2014/main" id="{18A3CF5A-D4C4-46D7-A12A-28518DD14ABD}"/>
-              </a:ext>
-            </a:extLst>
-          </p:cNvPr>
-          <p:cNvPicPr>
-            <a:picLocks noChangeAspect="1"/>
-          </p:cNvPicPr>
-          <p:nvPr/>
-        </p:nvPicPr>
-        <p:blipFill>
-          <a:blip r:embed="rId3"/>
-          <a:stretch>
-            <a:fillRect/>
-          </a:stretch>
-        </p:blipFill>
-        <p:spPr>
-          <a:xfrm>
-            <a:off x="752858" y="237803"/>
-            <a:ext cx="5130799" cy="1013332"/>
-          </a:xfrm>
-          <a:prstGeom prst="rect">
-            <a:avLst/>
-          </a:prstGeom>
-        </p:spPr>
-      </p:pic>
-      <p:sp>
-        <p:nvSpPr>
-          <p:cNvPr id="21" name="Freeform: Shape 20">
-            <a:extLst>
-              <a:ext uri="{FF2B5EF4-FFF2-40B4-BE49-F238E27FC236}">
-                <a16:creationId xmlns:a16="http://schemas.microsoft.com/office/drawing/2014/main" id="{0F30CCEB-94C4-4F72-BA5A-9CEA853022DA}"/>
-              </a:ext>
-              <a:ext uri="{C183D7F6-B498-43B3-948B-1728B52AA6E4}">
-                <adec:decorative xmlns:adec="http://schemas.microsoft.com/office/drawing/2017/decorative" val="1"/>
-              </a:ext>
-            </a:extLst>
-          </p:cNvPr>
-          <p:cNvSpPr>
-            <a:spLocks noGrp="1" noRot="1" noChangeAspect="1" noMove="1" noResize="1" noEditPoints="1" noAdjustHandles="1" noChangeArrowheads="1" noChangeShapeType="1" noTextEdit="1"/>
-          </p:cNvSpPr>
-          <p:nvPr>
-            <p:extLst>
-              <p:ext uri="{386F3935-93C4-4BCD-93E2-E3B085C9AB24}">
-                <p16:designElem xmlns:p16="http://schemas.microsoft.com/office/powerpoint/2015/main" val="1"/>
-              </p:ext>
-            </p:extLst>
-          </p:nvPr>
-        </p:nvSpPr>
-        <p:spPr bwMode="auto">
-          <a:xfrm flipH="1" flipV="1">
-            <a:off x="434936" y="4446551"/>
-            <a:ext cx="1957171" cy="1103687"/>
-          </a:xfrm>
-          <a:custGeom>
-            <a:avLst/>
-            <a:gdLst>
-              <a:gd name="connsiteX0" fmla="*/ 2017702 w 2017702"/>
-              <a:gd name="connsiteY0" fmla="*/ 1137821 h 1137821"/>
-              <a:gd name="connsiteX1" fmla="*/ 404 w 2017702"/>
-              <a:gd name="connsiteY1" fmla="*/ 1137821 h 1137821"/>
-              <a:gd name="connsiteX2" fmla="*/ 0 w 2017702"/>
-              <a:gd name="connsiteY2" fmla="*/ 900216 h 1137821"/>
-              <a:gd name="connsiteX3" fmla="*/ 1767759 w 2017702"/>
-              <a:gd name="connsiteY3" fmla="*/ 901031 h 1137821"/>
-              <a:gd name="connsiteX4" fmla="*/ 1767759 w 2017702"/>
-              <a:gd name="connsiteY4" fmla="*/ 0 h 1137821"/>
-              <a:gd name="connsiteX5" fmla="*/ 2017702 w 2017702"/>
-              <a:gd name="connsiteY5" fmla="*/ 0 h 1137821"/>
-            </a:gdLst>
-            <a:ahLst/>
-            <a:cxnLst>
-              <a:cxn ang="0">
-                <a:pos x="connsiteX0" y="connsiteY0"/>
-              </a:cxn>
-              <a:cxn ang="0">
-                <a:pos x="connsiteX1" y="connsiteY1"/>
-              </a:cxn>
-              <a:cxn ang="0">
-                <a:pos x="connsiteX2" y="connsiteY2"/>
-              </a:cxn>
-              <a:cxn ang="0">
-                <a:pos x="connsiteX3" y="connsiteY3"/>
-              </a:cxn>
-              <a:cxn ang="0">
-                <a:pos x="connsiteX4" y="connsiteY4"/>
-              </a:cxn>
-              <a:cxn ang="0">
-                <a:pos x="connsiteX5" y="connsiteY5"/>
-              </a:cxn>
-            </a:cxnLst>
-            <a:rect l="l" t="t" r="r" b="b"/>
-            <a:pathLst>
-              <a:path w="2017702" h="1137821">
-                <a:moveTo>
-                  <a:pt x="2017702" y="1137821"/>
-                </a:moveTo>
-                <a:lnTo>
-                  <a:pt x="404" y="1137821"/>
-                </a:lnTo>
-                <a:cubicBezTo>
-                  <a:pt x="-404" y="1055814"/>
-                  <a:pt x="807" y="982224"/>
-                  <a:pt x="0" y="900216"/>
-                </a:cubicBezTo>
-                <a:lnTo>
-                  <a:pt x="1767759" y="901031"/>
-                </a:lnTo>
-                <a:lnTo>
-                  <a:pt x="1767759" y="0"/>
-                </a:lnTo>
-                <a:lnTo>
-                  <a:pt x="2017702" y="0"/>
-                </a:lnTo>
-                <a:close/>
-              </a:path>
-            </a:pathLst>
-          </a:custGeom>
-          <a:solidFill>
-            <a:schemeClr val="tx2">
-              <a:alpha val="80000"/>
-            </a:schemeClr>
-          </a:solidFill>
-          <a:ln w="0">
-            <a:noFill/>
-            <a:prstDash val="solid"/>
-            <a:round/>
-            <a:headEnd/>
-            <a:tailEnd/>
-          </a:ln>
-        </p:spPr>
-      </p:sp>
-      <p:sp>
-        <p:nvSpPr>
-          <p:cNvPr id="23" name="Freeform: Shape 22">
-            <a:extLst>
-              <a:ext uri="{FF2B5EF4-FFF2-40B4-BE49-F238E27FC236}">
-                <a16:creationId xmlns:a16="http://schemas.microsoft.com/office/drawing/2014/main" id="{0DE1A94F-CC8B-4954-97A7-ADD4F300D647}"/>
-              </a:ext>
-              <a:ext uri="{C183D7F6-B498-43B3-948B-1728B52AA6E4}">
-                <adec:decorative xmlns:adec="http://schemas.microsoft.com/office/drawing/2017/decorative" val="1"/>
-              </a:ext>
-            </a:extLst>
-          </p:cNvPr>
-          <p:cNvSpPr>
-            <a:spLocks noGrp="1" noRot="1" noChangeAspect="1" noMove="1" noResize="1" noEditPoints="1" noAdjustHandles="1" noChangeArrowheads="1" noChangeShapeType="1" noTextEdit="1"/>
-          </p:cNvSpPr>
-          <p:nvPr>
-            <p:extLst>
-              <p:ext uri="{386F3935-93C4-4BCD-93E2-E3B085C9AB24}">
-                <p16:designElem xmlns:p16="http://schemas.microsoft.com/office/powerpoint/2015/main" val="1"/>
-              </p:ext>
-            </p:extLst>
-          </p:nvPr>
-        </p:nvSpPr>
-        <p:spPr bwMode="auto">
-          <a:xfrm>
-            <a:off x="9796837" y="5311230"/>
-            <a:ext cx="2042265" cy="1213486"/>
-          </a:xfrm>
-          <a:custGeom>
-            <a:avLst/>
-            <a:gdLst>
-              <a:gd name="connsiteX0" fmla="*/ 1844618 w 2105428"/>
-              <a:gd name="connsiteY0" fmla="*/ 0 h 1251016"/>
-              <a:gd name="connsiteX1" fmla="*/ 2105428 w 2105428"/>
-              <a:gd name="connsiteY1" fmla="*/ 0 h 1251016"/>
-              <a:gd name="connsiteX2" fmla="*/ 2105428 w 2105428"/>
-              <a:gd name="connsiteY2" fmla="*/ 1251016 h 1251016"/>
-              <a:gd name="connsiteX3" fmla="*/ 421 w 2105428"/>
-              <a:gd name="connsiteY3" fmla="*/ 1251016 h 1251016"/>
-              <a:gd name="connsiteX4" fmla="*/ 0 w 2105428"/>
-              <a:gd name="connsiteY4" fmla="*/ 1003081 h 1251016"/>
-              <a:gd name="connsiteX5" fmla="*/ 1844618 w 2105428"/>
-              <a:gd name="connsiteY5" fmla="*/ 1003931 h 1251016"/>
-            </a:gdLst>
-            <a:ahLst/>
-            <a:cxnLst>
-              <a:cxn ang="0">
-                <a:pos x="connsiteX0" y="connsiteY0"/>
-              </a:cxn>
-              <a:cxn ang="0">
-                <a:pos x="connsiteX1" y="connsiteY1"/>
-              </a:cxn>
-              <a:cxn ang="0">
-                <a:pos x="connsiteX2" y="connsiteY2"/>
-              </a:cxn>
-              <a:cxn ang="0">
-                <a:pos x="connsiteX3" y="connsiteY3"/>
-              </a:cxn>
-              <a:cxn ang="0">
-                <a:pos x="connsiteX4" y="connsiteY4"/>
-              </a:cxn>
-              <a:cxn ang="0">
-                <a:pos x="connsiteX5" y="connsiteY5"/>
-              </a:cxn>
-            </a:cxnLst>
-            <a:rect l="l" t="t" r="r" b="b"/>
-            <a:pathLst>
-              <a:path w="2105428" h="1251016">
-                <a:moveTo>
-                  <a:pt x="1844618" y="0"/>
-                </a:moveTo>
-                <a:lnTo>
-                  <a:pt x="2105428" y="0"/>
-                </a:lnTo>
-                <a:lnTo>
-                  <a:pt x="2105428" y="1251016"/>
-                </a:lnTo>
-                <a:lnTo>
-                  <a:pt x="421" y="1251016"/>
-                </a:lnTo>
-                <a:cubicBezTo>
-                  <a:pt x="-421" y="1165443"/>
-                  <a:pt x="842" y="1088654"/>
-                  <a:pt x="0" y="1003081"/>
-                </a:cubicBezTo>
-                <a:lnTo>
-                  <a:pt x="1844618" y="1003931"/>
-                </a:lnTo>
-                <a:close/>
-              </a:path>
-            </a:pathLst>
-          </a:custGeom>
-          <a:solidFill>
-            <a:schemeClr val="tx2">
-              <a:alpha val="80000"/>
-            </a:schemeClr>
-          </a:solidFill>
-          <a:ln w="0">
-            <a:noFill/>
-            <a:prstDash val="solid"/>
-            <a:round/>
-            <a:headEnd/>
-            <a:tailEnd/>
-          </a:ln>
-        </p:spPr>
-      </p:sp>
-    </p:spTree>
-    <p:extLst>
-      <p:ext uri="{BB962C8B-B14F-4D97-AF65-F5344CB8AC3E}">
-        <p14:creationId xmlns:p14="http://schemas.microsoft.com/office/powerpoint/2010/main" val="394159160"/>
-      </p:ext>
-    </p:extLst>
-  </p:cSld>
-  <p:clrMapOvr>
-    <a:masterClrMapping/>
-  </p:clrMapOvr>
-</p:sld>
-</file>
-
-<file path=ppt/slides/slide9.xml><?xml version="1.0" encoding="utf-8"?>
-<p:sld xmlns:a="http://schemas.openxmlformats.org/drawingml/2006/main" xmlns:r="http://schemas.openxmlformats.org/officeDocument/2006/relationships" xmlns:p="http://schemas.openxmlformats.org/presentationml/2006/main">
-  <p:cSld>
-    <p:spTree>
-      <p:nvGrpSpPr>
-        <p:cNvPr id="1" name=""/>
-        <p:cNvGrpSpPr/>
-        <p:nvPr/>
-      </p:nvGrpSpPr>
-      <p:grpSpPr>
-        <a:xfrm>
-          <a:off x="0" y="0"/>
-          <a:ext cx="0" cy="0"/>
-          <a:chOff x="0" y="0"/>
-          <a:chExt cx="0" cy="0"/>
-        </a:xfrm>
-      </p:grpSpPr>
-      <p:sp>
-        <p:nvSpPr>
-          <p:cNvPr id="2" name="Title 1">
-            <a:extLst>
-              <a:ext uri="{FF2B5EF4-FFF2-40B4-BE49-F238E27FC236}">
-                <a16:creationId xmlns:a16="http://schemas.microsoft.com/office/drawing/2014/main" id="{BCAFC620-170F-4B6B-BFDA-F5539BDE64C1}"/>
-              </a:ext>
-            </a:extLst>
-          </p:cNvPr>
-          <p:cNvSpPr>
-            <a:spLocks noGrp="1"/>
-          </p:cNvSpPr>
-          <p:nvPr>
-            <p:ph type="title"/>
-          </p:nvPr>
-        </p:nvSpPr>
-        <p:spPr/>
-        <p:txBody>
-          <a:bodyPr/>
-          <a:lstStyle/>
-          <a:p>
-            <a:r>
-              <a:rPr lang="en-US" dirty="0"/>
-              <a:t>Putting into practice</a:t>
-            </a:r>
-          </a:p>
-        </p:txBody>
-      </p:sp>
-      <p:sp>
-        <p:nvSpPr>
-          <p:cNvPr id="3" name="Content Placeholder 2">
-            <a:extLst>
-              <a:ext uri="{FF2B5EF4-FFF2-40B4-BE49-F238E27FC236}">
-                <a16:creationId xmlns:a16="http://schemas.microsoft.com/office/drawing/2014/main" id="{E964E391-E642-4154-893E-7E9396F2F847}"/>
-              </a:ext>
-            </a:extLst>
-          </p:cNvPr>
-          <p:cNvSpPr>
-            <a:spLocks noGrp="1"/>
-          </p:cNvSpPr>
-          <p:nvPr>
-            <p:ph idx="1"/>
-          </p:nvPr>
-        </p:nvSpPr>
-        <p:spPr/>
-        <p:txBody>
-          <a:bodyPr/>
-          <a:lstStyle/>
-          <a:p>
-            <a:r>
-              <a:rPr lang="en-US" dirty="0"/>
-              <a:t>Let’s evaluate the clinical utility of some papers!</a:t>
-            </a:r>
-          </a:p>
-        </p:txBody>
-      </p:sp>
-    </p:spTree>
-    <p:extLst>
-      <p:ext uri="{BB962C8B-B14F-4D97-AF65-F5344CB8AC3E}">
-        <p14:creationId xmlns:p14="http://schemas.microsoft.com/office/powerpoint/2010/main" val="3471405057"/>
       </p:ext>
     </p:extLst>
   </p:cSld>
@@ -6372,4 +11793,299 @@
     </a:ext>
   </a:extLst>
 </a:theme>
+</file>
+
+<file path=ppt/theme/theme2.xml><?xml version="1.0" encoding="utf-8"?>
+<a:theme xmlns:a="http://schemas.openxmlformats.org/drawingml/2006/main" name="Office Theme">
+  <a:themeElements>
+    <a:clrScheme name="Office">
+      <a:dk1>
+        <a:sysClr val="windowText" lastClr="000000"/>
+      </a:dk1>
+      <a:lt1>
+        <a:sysClr val="window" lastClr="FFFFFF"/>
+      </a:lt1>
+      <a:dk2>
+        <a:srgbClr val="44546A"/>
+      </a:dk2>
+      <a:lt2>
+        <a:srgbClr val="E7E6E6"/>
+      </a:lt2>
+      <a:accent1>
+        <a:srgbClr val="4472C4"/>
+      </a:accent1>
+      <a:accent2>
+        <a:srgbClr val="ED7D31"/>
+      </a:accent2>
+      <a:accent3>
+        <a:srgbClr val="A5A5A5"/>
+      </a:accent3>
+      <a:accent4>
+        <a:srgbClr val="FFC000"/>
+      </a:accent4>
+      <a:accent5>
+        <a:srgbClr val="5B9BD5"/>
+      </a:accent5>
+      <a:accent6>
+        <a:srgbClr val="70AD47"/>
+      </a:accent6>
+      <a:hlink>
+        <a:srgbClr val="0563C1"/>
+      </a:hlink>
+      <a:folHlink>
+        <a:srgbClr val="954F72"/>
+      </a:folHlink>
+    </a:clrScheme>
+    <a:fontScheme name="Office">
+      <a:majorFont>
+        <a:latin typeface="Calibri Light" panose="020F0302020204030204"/>
+        <a:ea typeface=""/>
+        <a:cs typeface=""/>
+        <a:font script="Jpan" typeface="游ゴシック Light"/>
+        <a:font script="Hang" typeface="맑은 고딕"/>
+        <a:font script="Hans" typeface="等线 Light"/>
+        <a:font script="Hant" typeface="新細明體"/>
+        <a:font script="Arab" typeface="Times New Roman"/>
+        <a:font script="Hebr" typeface="Times New Roman"/>
+        <a:font script="Thai" typeface="Angsana New"/>
+        <a:font script="Ethi" typeface="Nyala"/>
+        <a:font script="Beng" typeface="Vrinda"/>
+        <a:font script="Gujr" typeface="Shruti"/>
+        <a:font script="Khmr" typeface="MoolBoran"/>
+        <a:font script="Knda" typeface="Tunga"/>
+        <a:font script="Guru" typeface="Raavi"/>
+        <a:font script="Cans" typeface="Euphemia"/>
+        <a:font script="Cher" typeface="Plantagenet Cherokee"/>
+        <a:font script="Yiii" typeface="Microsoft Yi Baiti"/>
+        <a:font script="Tibt" typeface="Microsoft Himalaya"/>
+        <a:font script="Thaa" typeface="MV Boli"/>
+        <a:font script="Deva" typeface="Mangal"/>
+        <a:font script="Telu" typeface="Gautami"/>
+        <a:font script="Taml" typeface="Latha"/>
+        <a:font script="Syrc" typeface="Estrangelo Edessa"/>
+        <a:font script="Orya" typeface="Kalinga"/>
+        <a:font script="Mlym" typeface="Kartika"/>
+        <a:font script="Laoo" typeface="DokChampa"/>
+        <a:font script="Sinh" typeface="Iskoola Pota"/>
+        <a:font script="Mong" typeface="Mongolian Baiti"/>
+        <a:font script="Viet" typeface="Times New Roman"/>
+        <a:font script="Uigh" typeface="Microsoft Uighur"/>
+        <a:font script="Geor" typeface="Sylfaen"/>
+        <a:font script="Armn" typeface="Arial"/>
+        <a:font script="Bugi" typeface="Leelawadee UI"/>
+        <a:font script="Bopo" typeface="Microsoft JhengHei"/>
+        <a:font script="Java" typeface="Javanese Text"/>
+        <a:font script="Lisu" typeface="Segoe UI"/>
+        <a:font script="Mymr" typeface="Myanmar Text"/>
+        <a:font script="Nkoo" typeface="Ebrima"/>
+        <a:font script="Olck" typeface="Nirmala UI"/>
+        <a:font script="Osma" typeface="Ebrima"/>
+        <a:font script="Phag" typeface="Phagspa"/>
+        <a:font script="Syrn" typeface="Estrangelo Edessa"/>
+        <a:font script="Syrj" typeface="Estrangelo Edessa"/>
+        <a:font script="Syre" typeface="Estrangelo Edessa"/>
+        <a:font script="Sora" typeface="Nirmala UI"/>
+        <a:font script="Tale" typeface="Microsoft Tai Le"/>
+        <a:font script="Talu" typeface="Microsoft New Tai Lue"/>
+        <a:font script="Tfng" typeface="Ebrima"/>
+      </a:majorFont>
+      <a:minorFont>
+        <a:latin typeface="Calibri" panose="020F0502020204030204"/>
+        <a:ea typeface=""/>
+        <a:cs typeface=""/>
+        <a:font script="Jpan" typeface="游ゴシック"/>
+        <a:font script="Hang" typeface="맑은 고딕"/>
+        <a:font script="Hans" typeface="等线"/>
+        <a:font script="Hant" typeface="新細明體"/>
+        <a:font script="Arab" typeface="Arial"/>
+        <a:font script="Hebr" typeface="Arial"/>
+        <a:font script="Thai" typeface="Cordia New"/>
+        <a:font script="Ethi" typeface="Nyala"/>
+        <a:font script="Beng" typeface="Vrinda"/>
+        <a:font script="Gujr" typeface="Shruti"/>
+        <a:font script="Khmr" typeface="DaunPenh"/>
+        <a:font script="Knda" typeface="Tunga"/>
+        <a:font script="Guru" typeface="Raavi"/>
+        <a:font script="Cans" typeface="Euphemia"/>
+        <a:font script="Cher" typeface="Plantagenet Cherokee"/>
+        <a:font script="Yiii" typeface="Microsoft Yi Baiti"/>
+        <a:font script="Tibt" typeface="Microsoft Himalaya"/>
+        <a:font script="Thaa" typeface="MV Boli"/>
+        <a:font script="Deva" typeface="Mangal"/>
+        <a:font script="Telu" typeface="Gautami"/>
+        <a:font script="Taml" typeface="Latha"/>
+        <a:font script="Syrc" typeface="Estrangelo Edessa"/>
+        <a:font script="Orya" typeface="Kalinga"/>
+        <a:font script="Mlym" typeface="Kartika"/>
+        <a:font script="Laoo" typeface="DokChampa"/>
+        <a:font script="Sinh" typeface="Iskoola Pota"/>
+        <a:font script="Mong" typeface="Mongolian Baiti"/>
+        <a:font script="Viet" typeface="Arial"/>
+        <a:font script="Uigh" typeface="Microsoft Uighur"/>
+        <a:font script="Geor" typeface="Sylfaen"/>
+        <a:font script="Armn" typeface="Arial"/>
+        <a:font script="Bugi" typeface="Leelawadee UI"/>
+        <a:font script="Bopo" typeface="Microsoft JhengHei"/>
+        <a:font script="Java" typeface="Javanese Text"/>
+        <a:font script="Lisu" typeface="Segoe UI"/>
+        <a:font script="Mymr" typeface="Myanmar Text"/>
+        <a:font script="Nkoo" typeface="Ebrima"/>
+        <a:font script="Olck" typeface="Nirmala UI"/>
+        <a:font script="Osma" typeface="Ebrima"/>
+        <a:font script="Phag" typeface="Phagspa"/>
+        <a:font script="Syrn" typeface="Estrangelo Edessa"/>
+        <a:font script="Syrj" typeface="Estrangelo Edessa"/>
+        <a:font script="Syre" typeface="Estrangelo Edessa"/>
+        <a:font script="Sora" typeface="Nirmala UI"/>
+        <a:font script="Tale" typeface="Microsoft Tai Le"/>
+        <a:font script="Talu" typeface="Microsoft New Tai Lue"/>
+        <a:font script="Tfng" typeface="Ebrima"/>
+      </a:minorFont>
+    </a:fontScheme>
+    <a:fmtScheme name="Office">
+      <a:fillStyleLst>
+        <a:solidFill>
+          <a:schemeClr val="phClr"/>
+        </a:solidFill>
+        <a:gradFill rotWithShape="1">
+          <a:gsLst>
+            <a:gs pos="0">
+              <a:schemeClr val="phClr">
+                <a:lumMod val="110000"/>
+                <a:satMod val="105000"/>
+                <a:tint val="67000"/>
+              </a:schemeClr>
+            </a:gs>
+            <a:gs pos="50000">
+              <a:schemeClr val="phClr">
+                <a:lumMod val="105000"/>
+                <a:satMod val="103000"/>
+                <a:tint val="73000"/>
+              </a:schemeClr>
+            </a:gs>
+            <a:gs pos="100000">
+              <a:schemeClr val="phClr">
+                <a:lumMod val="105000"/>
+                <a:satMod val="109000"/>
+                <a:tint val="81000"/>
+              </a:schemeClr>
+            </a:gs>
+          </a:gsLst>
+          <a:lin ang="5400000" scaled="0"/>
+        </a:gradFill>
+        <a:gradFill rotWithShape="1">
+          <a:gsLst>
+            <a:gs pos="0">
+              <a:schemeClr val="phClr">
+                <a:satMod val="103000"/>
+                <a:lumMod val="102000"/>
+                <a:tint val="94000"/>
+              </a:schemeClr>
+            </a:gs>
+            <a:gs pos="50000">
+              <a:schemeClr val="phClr">
+                <a:satMod val="110000"/>
+                <a:lumMod val="100000"/>
+                <a:shade val="100000"/>
+              </a:schemeClr>
+            </a:gs>
+            <a:gs pos="100000">
+              <a:schemeClr val="phClr">
+                <a:lumMod val="99000"/>
+                <a:satMod val="120000"/>
+                <a:shade val="78000"/>
+              </a:schemeClr>
+            </a:gs>
+          </a:gsLst>
+          <a:lin ang="5400000" scaled="0"/>
+        </a:gradFill>
+      </a:fillStyleLst>
+      <a:lnStyleLst>
+        <a:ln w="6350" cap="flat" cmpd="sng" algn="ctr">
+          <a:solidFill>
+            <a:schemeClr val="phClr"/>
+          </a:solidFill>
+          <a:prstDash val="solid"/>
+          <a:miter lim="800000"/>
+        </a:ln>
+        <a:ln w="12700" cap="flat" cmpd="sng" algn="ctr">
+          <a:solidFill>
+            <a:schemeClr val="phClr"/>
+          </a:solidFill>
+          <a:prstDash val="solid"/>
+          <a:miter lim="800000"/>
+        </a:ln>
+        <a:ln w="19050" cap="flat" cmpd="sng" algn="ctr">
+          <a:solidFill>
+            <a:schemeClr val="phClr"/>
+          </a:solidFill>
+          <a:prstDash val="solid"/>
+          <a:miter lim="800000"/>
+        </a:ln>
+      </a:lnStyleLst>
+      <a:effectStyleLst>
+        <a:effectStyle>
+          <a:effectLst/>
+        </a:effectStyle>
+        <a:effectStyle>
+          <a:effectLst/>
+        </a:effectStyle>
+        <a:effectStyle>
+          <a:effectLst>
+            <a:outerShdw blurRad="57150" dist="19050" dir="5400000" algn="ctr" rotWithShape="0">
+              <a:srgbClr val="000000">
+                <a:alpha val="63000"/>
+              </a:srgbClr>
+            </a:outerShdw>
+          </a:effectLst>
+        </a:effectStyle>
+      </a:effectStyleLst>
+      <a:bgFillStyleLst>
+        <a:solidFill>
+          <a:schemeClr val="phClr"/>
+        </a:solidFill>
+        <a:solidFill>
+          <a:schemeClr val="phClr">
+            <a:tint val="95000"/>
+            <a:satMod val="170000"/>
+          </a:schemeClr>
+        </a:solidFill>
+        <a:gradFill rotWithShape="1">
+          <a:gsLst>
+            <a:gs pos="0">
+              <a:schemeClr val="phClr">
+                <a:tint val="93000"/>
+                <a:satMod val="150000"/>
+                <a:shade val="98000"/>
+                <a:lumMod val="102000"/>
+              </a:schemeClr>
+            </a:gs>
+            <a:gs pos="50000">
+              <a:schemeClr val="phClr">
+                <a:tint val="98000"/>
+                <a:satMod val="130000"/>
+                <a:shade val="90000"/>
+                <a:lumMod val="103000"/>
+              </a:schemeClr>
+            </a:gs>
+            <a:gs pos="100000">
+              <a:schemeClr val="phClr">
+                <a:shade val="63000"/>
+                <a:satMod val="120000"/>
+              </a:schemeClr>
+            </a:gs>
+          </a:gsLst>
+          <a:lin ang="5400000" scaled="0"/>
+        </a:gradFill>
+      </a:bgFillStyleLst>
+    </a:fmtScheme>
+  </a:themeElements>
+  <a:objectDefaults/>
+  <a:extraClrSchemeLst/>
+  <a:extLst>
+    <a:ext uri="{05A4C25C-085E-4340-85A3-A5531E510DB2}">
+      <thm15:themeFamily xmlns:thm15="http://schemas.microsoft.com/office/thememl/2012/main" name="Office Theme" id="{62F939B6-93AF-4DB8-9C6B-D6C7DFDC589F}" vid="{4A3C46E8-61CC-4603-A589-7422A47A8E4A}"/>
+    </a:ext>
+  </a:extLst>
+</a:theme>
 </file>